--- a/docs/架构设计/架构图.pptx
+++ b/docs/架构设计/架构图.pptx
@@ -6,11 +6,12 @@
   </p:sldMasterIdLst>
   <p:sldIdLst>
     <p:sldId id="256" r:id="rId3"/>
+    <p:sldId id="257" r:id="rId4"/>
   </p:sldIdLst>
   <p:sldSz cx="12192000" cy="6858000"/>
   <p:notesSz cx="6858000" cy="9144000"/>
   <p:custDataLst>
-    <p:tags r:id="rId7"/>
+    <p:tags r:id="rId8"/>
   </p:custDataLst>
   <p:defaultTextStyle>
     <a:defPPr>
@@ -2917,6 +2918,1344 @@
         <p:nvPr/>
       </p:nvGrpSpPr>
       <p:grpSpPr/>
+      <p:sp>
+        <p:nvSpPr>
+          <p:cNvPr id="2" name="圆角矩形 1"/>
+          <p:cNvSpPr/>
+          <p:nvPr/>
+        </p:nvSpPr>
+        <p:spPr>
+          <a:xfrm>
+            <a:off x="1511300" y="430530"/>
+            <a:ext cx="1056005" cy="610235"/>
+          </a:xfrm>
+          <a:prstGeom prst="roundRect">
+            <a:avLst/>
+          </a:prstGeom>
+          <a:solidFill>
+            <a:srgbClr val="99FFCC"/>
+          </a:solidFill>
+        </p:spPr>
+        <p:style>
+          <a:lnRef idx="2">
+            <a:schemeClr val="accent1">
+              <a:lumMod val="75000"/>
+            </a:schemeClr>
+          </a:lnRef>
+          <a:fillRef idx="1">
+            <a:schemeClr val="accent1"/>
+          </a:fillRef>
+          <a:effectRef idx="0">
+            <a:srgbClr val="FFFFFF"/>
+          </a:effectRef>
+          <a:fontRef idx="minor">
+            <a:schemeClr val="lt1"/>
+          </a:fontRef>
+        </p:style>
+        <p:txBody>
+          <a:bodyPr rtlCol="0" anchor="ctr"/>
+          <a:p>
+            <a:pPr algn="ctr"/>
+            <a:r>
+              <a:rPr lang="zh-CN" altLang="en-US">
+                <a:solidFill>
+                  <a:schemeClr val="tx1"/>
+                </a:solidFill>
+              </a:rPr>
+              <a:t>访问层</a:t>
+            </a:r>
+            <a:endParaRPr lang="zh-CN" altLang="en-US">
+              <a:solidFill>
+                <a:schemeClr val="tx1"/>
+              </a:solidFill>
+            </a:endParaRPr>
+          </a:p>
+        </p:txBody>
+      </p:sp>
+      <p:pic>
+        <p:nvPicPr>
+          <p:cNvPr id="4" name="图片 3"/>
+          <p:cNvPicPr>
+            <a:picLocks noChangeAspect="1"/>
+          </p:cNvPicPr>
+          <p:nvPr/>
+        </p:nvPicPr>
+        <p:blipFill>
+          <a:blip r:embed="rId1"/>
+          <a:stretch>
+            <a:fillRect/>
+          </a:stretch>
+        </p:blipFill>
+        <p:spPr>
+          <a:xfrm>
+            <a:off x="641350" y="-9284335"/>
+            <a:ext cx="11238865" cy="11673840"/>
+          </a:xfrm>
+          <a:prstGeom prst="rect">
+            <a:avLst/>
+          </a:prstGeom>
+        </p:spPr>
+      </p:pic>
+      <p:sp>
+        <p:nvSpPr>
+          <p:cNvPr id="5" name="圆角矩形 4"/>
+          <p:cNvSpPr/>
+          <p:nvPr/>
+        </p:nvSpPr>
+        <p:spPr>
+          <a:xfrm>
+            <a:off x="2692400" y="430530"/>
+            <a:ext cx="8332470" cy="610235"/>
+          </a:xfrm>
+          <a:prstGeom prst="roundRect">
+            <a:avLst/>
+          </a:prstGeom>
+          <a:solidFill>
+            <a:srgbClr val="CCFFE6"/>
+          </a:solidFill>
+        </p:spPr>
+        <p:style>
+          <a:lnRef idx="2">
+            <a:schemeClr val="accent1">
+              <a:lumMod val="75000"/>
+            </a:schemeClr>
+          </a:lnRef>
+          <a:fillRef idx="1">
+            <a:schemeClr val="accent1"/>
+          </a:fillRef>
+          <a:effectRef idx="0">
+            <a:srgbClr val="FFFFFF"/>
+          </a:effectRef>
+          <a:fontRef idx="minor">
+            <a:schemeClr val="lt1"/>
+          </a:fontRef>
+        </p:style>
+        <p:txBody>
+          <a:bodyPr rtlCol="0" anchor="ctr"/>
+          <a:p>
+            <a:pPr algn="ctr"/>
+            <a:r>
+              <a:rPr lang="zh-CN" altLang="en-US">
+                <a:solidFill>
+                  <a:schemeClr val="tx1"/>
+                </a:solidFill>
+              </a:rPr>
+              <a:t>浏览器</a:t>
+            </a:r>
+            <a:endParaRPr lang="zh-CN" altLang="en-US">
+              <a:solidFill>
+                <a:schemeClr val="tx1"/>
+              </a:solidFill>
+            </a:endParaRPr>
+          </a:p>
+        </p:txBody>
+      </p:sp>
+      <p:sp>
+        <p:nvSpPr>
+          <p:cNvPr id="6" name="圆角矩形 5"/>
+          <p:cNvSpPr/>
+          <p:nvPr/>
+        </p:nvSpPr>
+        <p:spPr>
+          <a:xfrm>
+            <a:off x="1511300" y="1573530"/>
+            <a:ext cx="1056005" cy="723900"/>
+          </a:xfrm>
+          <a:prstGeom prst="roundRect">
+            <a:avLst/>
+          </a:prstGeom>
+          <a:solidFill>
+            <a:srgbClr val="99FF99"/>
+          </a:solidFill>
+        </p:spPr>
+        <p:style>
+          <a:lnRef idx="2">
+            <a:schemeClr val="accent1">
+              <a:lumMod val="75000"/>
+            </a:schemeClr>
+          </a:lnRef>
+          <a:fillRef idx="1">
+            <a:schemeClr val="accent1"/>
+          </a:fillRef>
+          <a:effectRef idx="0">
+            <a:srgbClr val="FFFFFF"/>
+          </a:effectRef>
+          <a:fontRef idx="minor">
+            <a:schemeClr val="lt1"/>
+          </a:fontRef>
+        </p:style>
+        <p:txBody>
+          <a:bodyPr rtlCol="0" anchor="ctr"/>
+          <a:p>
+            <a:pPr algn="ctr"/>
+            <a:r>
+              <a:rPr lang="zh-CN" altLang="en-US">
+                <a:solidFill>
+                  <a:schemeClr val="tx1"/>
+                </a:solidFill>
+              </a:rPr>
+              <a:t>前端</a:t>
+            </a:r>
+            <a:r>
+              <a:rPr lang="en-US" altLang="zh-CN">
+                <a:solidFill>
+                  <a:schemeClr val="tx1"/>
+                </a:solidFill>
+              </a:rPr>
+              <a:t>UI</a:t>
+            </a:r>
+            <a:endParaRPr lang="en-US" altLang="zh-CN">
+              <a:solidFill>
+                <a:schemeClr val="tx1"/>
+              </a:solidFill>
+            </a:endParaRPr>
+          </a:p>
+        </p:txBody>
+      </p:sp>
+      <p:sp>
+        <p:nvSpPr>
+          <p:cNvPr id="7" name="圆角矩形 6"/>
+          <p:cNvSpPr/>
+          <p:nvPr/>
+        </p:nvSpPr>
+        <p:spPr>
+          <a:xfrm>
+            <a:off x="2692400" y="1573530"/>
+            <a:ext cx="8332470" cy="723900"/>
+          </a:xfrm>
+          <a:prstGeom prst="roundRect">
+            <a:avLst/>
+          </a:prstGeom>
+          <a:solidFill>
+            <a:srgbClr val="CCFF99"/>
+          </a:solidFill>
+        </p:spPr>
+        <p:style>
+          <a:lnRef idx="2">
+            <a:schemeClr val="accent1">
+              <a:lumMod val="75000"/>
+            </a:schemeClr>
+          </a:lnRef>
+          <a:fillRef idx="1">
+            <a:schemeClr val="accent1"/>
+          </a:fillRef>
+          <a:effectRef idx="0">
+            <a:srgbClr val="FFFFFF"/>
+          </a:effectRef>
+          <a:fontRef idx="minor">
+            <a:schemeClr val="lt1"/>
+          </a:fontRef>
+        </p:style>
+        <p:txBody>
+          <a:bodyPr rtlCol="0" anchor="ctr"/>
+          <a:p>
+            <a:pPr algn="ctr"/>
+            <a:endParaRPr lang="en-US" altLang="zh-CN">
+              <a:solidFill>
+                <a:schemeClr val="tx1"/>
+              </a:solidFill>
+            </a:endParaRPr>
+          </a:p>
+        </p:txBody>
+      </p:sp>
+      <p:sp>
+        <p:nvSpPr>
+          <p:cNvPr id="8" name="圆角矩形 7"/>
+          <p:cNvSpPr/>
+          <p:nvPr/>
+        </p:nvSpPr>
+        <p:spPr>
+          <a:xfrm>
+            <a:off x="3485515" y="1714500"/>
+            <a:ext cx="1041400" cy="406400"/>
+          </a:xfrm>
+          <a:prstGeom prst="roundRect">
+            <a:avLst/>
+          </a:prstGeom>
+          <a:solidFill>
+            <a:srgbClr val="FFFFFF"/>
+          </a:solidFill>
+        </p:spPr>
+        <p:style>
+          <a:lnRef idx="2">
+            <a:schemeClr val="accent1">
+              <a:lumMod val="75000"/>
+            </a:schemeClr>
+          </a:lnRef>
+          <a:fillRef idx="1">
+            <a:schemeClr val="accent1"/>
+          </a:fillRef>
+          <a:effectRef idx="0">
+            <a:srgbClr val="FFFFFF"/>
+          </a:effectRef>
+          <a:fontRef idx="minor">
+            <a:schemeClr val="lt1"/>
+          </a:fontRef>
+        </p:style>
+        <p:txBody>
+          <a:bodyPr rtlCol="0" anchor="ctr"/>
+          <a:p>
+            <a:pPr algn="ctr"/>
+            <a:r>
+              <a:rPr lang="en-US" altLang="zh-CN">
+                <a:solidFill>
+                  <a:schemeClr val="tx1"/>
+                </a:solidFill>
+              </a:rPr>
+              <a:t>vue</a:t>
+            </a:r>
+            <a:endParaRPr lang="en-US" altLang="zh-CN">
+              <a:solidFill>
+                <a:schemeClr val="tx1"/>
+              </a:solidFill>
+            </a:endParaRPr>
+          </a:p>
+        </p:txBody>
+      </p:sp>
+      <p:sp>
+        <p:nvSpPr>
+          <p:cNvPr id="9" name="圆角矩形 8"/>
+          <p:cNvSpPr/>
+          <p:nvPr/>
+        </p:nvSpPr>
+        <p:spPr>
+          <a:xfrm>
+            <a:off x="4984750" y="1714500"/>
+            <a:ext cx="1268730" cy="406400"/>
+          </a:xfrm>
+          <a:prstGeom prst="roundRect">
+            <a:avLst/>
+          </a:prstGeom>
+          <a:solidFill>
+            <a:srgbClr val="FFFFFF"/>
+          </a:solidFill>
+        </p:spPr>
+        <p:style>
+          <a:lnRef idx="2">
+            <a:schemeClr val="accent1">
+              <a:lumMod val="75000"/>
+            </a:schemeClr>
+          </a:lnRef>
+          <a:fillRef idx="1">
+            <a:schemeClr val="accent1"/>
+          </a:fillRef>
+          <a:effectRef idx="0">
+            <a:srgbClr val="FFFFFF"/>
+          </a:effectRef>
+          <a:fontRef idx="minor">
+            <a:schemeClr val="lt1"/>
+          </a:fontRef>
+        </p:style>
+        <p:txBody>
+          <a:bodyPr rtlCol="0" anchor="ctr"/>
+          <a:p>
+            <a:pPr algn="ctr"/>
+            <a:r>
+              <a:rPr lang="en-US" altLang="zh-CN">
+                <a:solidFill>
+                  <a:schemeClr val="tx1"/>
+                </a:solidFill>
+              </a:rPr>
+              <a:t>element-</a:t>
+            </a:r>
+            <a:r>
+              <a:rPr lang="en-US" altLang="zh-CN">
+                <a:solidFill>
+                  <a:schemeClr val="tx1"/>
+                </a:solidFill>
+              </a:rPr>
+              <a:t>UI</a:t>
+            </a:r>
+            <a:endParaRPr lang="en-US" altLang="zh-CN">
+              <a:solidFill>
+                <a:schemeClr val="tx1"/>
+              </a:solidFill>
+            </a:endParaRPr>
+          </a:p>
+        </p:txBody>
+      </p:sp>
+      <p:sp>
+        <p:nvSpPr>
+          <p:cNvPr id="10" name="圆角矩形 9"/>
+          <p:cNvSpPr/>
+          <p:nvPr/>
+        </p:nvSpPr>
+        <p:spPr>
+          <a:xfrm>
+            <a:off x="6711315" y="1714500"/>
+            <a:ext cx="1041400" cy="406400"/>
+          </a:xfrm>
+          <a:prstGeom prst="roundRect">
+            <a:avLst/>
+          </a:prstGeom>
+          <a:solidFill>
+            <a:srgbClr val="FFFFFF"/>
+          </a:solidFill>
+        </p:spPr>
+        <p:style>
+          <a:lnRef idx="2">
+            <a:schemeClr val="accent1">
+              <a:lumMod val="75000"/>
+            </a:schemeClr>
+          </a:lnRef>
+          <a:fillRef idx="1">
+            <a:schemeClr val="accent1"/>
+          </a:fillRef>
+          <a:effectRef idx="0">
+            <a:srgbClr val="FFFFFF"/>
+          </a:effectRef>
+          <a:fontRef idx="minor">
+            <a:schemeClr val="lt1"/>
+          </a:fontRef>
+        </p:style>
+        <p:txBody>
+          <a:bodyPr rtlCol="0" anchor="ctr"/>
+          <a:p>
+            <a:pPr algn="ctr"/>
+            <a:r>
+              <a:rPr lang="en-US" altLang="zh-CN">
+                <a:solidFill>
+                  <a:schemeClr val="tx1"/>
+                </a:solidFill>
+              </a:rPr>
+              <a:t>JS</a:t>
+            </a:r>
+            <a:endParaRPr lang="en-US" altLang="zh-CN">
+              <a:solidFill>
+                <a:schemeClr val="tx1"/>
+              </a:solidFill>
+            </a:endParaRPr>
+          </a:p>
+        </p:txBody>
+      </p:sp>
+      <p:cxnSp>
+        <p:nvCxnSpPr>
+          <p:cNvPr id="11" name="直接连接符 10"/>
+          <p:cNvCxnSpPr/>
+          <p:nvPr/>
+        </p:nvCxnSpPr>
+        <p:spPr>
+          <a:xfrm>
+            <a:off x="78105" y="1295400"/>
+            <a:ext cx="10947400" cy="12700"/>
+          </a:xfrm>
+          <a:prstGeom prst="line">
+            <a:avLst/>
+          </a:prstGeom>
+          <a:ln w="12700" cap="flat" cmpd="sng" algn="ctr">
+            <a:solidFill>
+              <a:schemeClr val="accent1"/>
+            </a:solidFill>
+            <a:prstDash val="dash"/>
+            <a:miter lim="800000"/>
+          </a:ln>
+        </p:spPr>
+        <p:style>
+          <a:lnRef idx="0">
+            <a:schemeClr val="accent1"/>
+          </a:lnRef>
+          <a:fillRef idx="0">
+            <a:srgbClr val="FFFFFF"/>
+          </a:fillRef>
+          <a:effectRef idx="0">
+            <a:srgbClr val="FFFFFF"/>
+          </a:effectRef>
+          <a:fontRef idx="minor">
+            <a:schemeClr val="tx1"/>
+          </a:fontRef>
+        </p:style>
+      </p:cxnSp>
+      <p:sp>
+        <p:nvSpPr>
+          <p:cNvPr id="12" name="下箭头 11"/>
+          <p:cNvSpPr/>
+          <p:nvPr/>
+        </p:nvSpPr>
+        <p:spPr>
+          <a:xfrm>
+            <a:off x="3621405" y="1130300"/>
+            <a:ext cx="838200" cy="444500"/>
+          </a:xfrm>
+          <a:prstGeom prst="downArrow">
+            <a:avLst/>
+          </a:prstGeom>
+          <a:solidFill>
+            <a:srgbClr val="FFFFFF"/>
+          </a:solidFill>
+        </p:spPr>
+        <p:style>
+          <a:lnRef idx="2">
+            <a:schemeClr val="accent1">
+              <a:lumMod val="75000"/>
+            </a:schemeClr>
+          </a:lnRef>
+          <a:fillRef idx="1">
+            <a:schemeClr val="accent1"/>
+          </a:fillRef>
+          <a:effectRef idx="0">
+            <a:srgbClr val="FFFFFF"/>
+          </a:effectRef>
+          <a:fontRef idx="minor">
+            <a:schemeClr val="lt1"/>
+          </a:fontRef>
+        </p:style>
+        <p:txBody>
+          <a:bodyPr rtlCol="0" anchor="ctr"/>
+          <a:p>
+            <a:pPr algn="ctr"/>
+            <a:endParaRPr lang="zh-CN" altLang="en-US"/>
+          </a:p>
+        </p:txBody>
+      </p:sp>
+      <p:sp>
+        <p:nvSpPr>
+          <p:cNvPr id="14" name="下箭头 13"/>
+          <p:cNvSpPr/>
+          <p:nvPr/>
+        </p:nvSpPr>
+        <p:spPr>
+          <a:xfrm rot="10800000">
+            <a:off x="7334885" y="1097915"/>
+            <a:ext cx="838200" cy="444500"/>
+          </a:xfrm>
+          <a:prstGeom prst="downArrow">
+            <a:avLst/>
+          </a:prstGeom>
+          <a:solidFill>
+            <a:srgbClr val="FFFFFF"/>
+          </a:solidFill>
+        </p:spPr>
+        <p:style>
+          <a:lnRef idx="2">
+            <a:schemeClr val="accent1">
+              <a:lumMod val="75000"/>
+            </a:schemeClr>
+          </a:lnRef>
+          <a:fillRef idx="1">
+            <a:schemeClr val="accent1"/>
+          </a:fillRef>
+          <a:effectRef idx="0">
+            <a:srgbClr val="FFFFFF"/>
+          </a:effectRef>
+          <a:fontRef idx="minor">
+            <a:schemeClr val="lt1"/>
+          </a:fontRef>
+        </p:style>
+        <p:txBody>
+          <a:bodyPr rtlCol="0" anchor="ctr"/>
+          <a:p>
+            <a:pPr algn="ctr"/>
+            <a:endParaRPr lang="zh-CN" altLang="en-US"/>
+          </a:p>
+        </p:txBody>
+      </p:sp>
+      <p:sp>
+        <p:nvSpPr>
+          <p:cNvPr id="16" name="圆角矩形 15"/>
+          <p:cNvSpPr/>
+          <p:nvPr/>
+        </p:nvSpPr>
+        <p:spPr>
+          <a:xfrm>
+            <a:off x="1511300" y="2830195"/>
+            <a:ext cx="1056005" cy="723900"/>
+          </a:xfrm>
+          <a:prstGeom prst="roundRect">
+            <a:avLst/>
+          </a:prstGeom>
+          <a:solidFill>
+            <a:srgbClr val="99FF99"/>
+          </a:solidFill>
+        </p:spPr>
+        <p:style>
+          <a:lnRef idx="2">
+            <a:schemeClr val="accent1">
+              <a:lumMod val="75000"/>
+            </a:schemeClr>
+          </a:lnRef>
+          <a:fillRef idx="1">
+            <a:schemeClr val="accent1"/>
+          </a:fillRef>
+          <a:effectRef idx="0">
+            <a:srgbClr val="FFFFFF"/>
+          </a:effectRef>
+          <a:fontRef idx="minor">
+            <a:schemeClr val="lt1"/>
+          </a:fontRef>
+        </p:style>
+        <p:txBody>
+          <a:bodyPr rtlCol="0" anchor="ctr"/>
+          <a:p>
+            <a:pPr algn="ctr"/>
+            <a:r>
+              <a:rPr lang="zh-CN" altLang="en-US">
+                <a:solidFill>
+                  <a:schemeClr val="tx1"/>
+                </a:solidFill>
+              </a:rPr>
+              <a:t>数据</a:t>
+            </a:r>
+            <a:endParaRPr lang="zh-CN" altLang="en-US">
+              <a:solidFill>
+                <a:schemeClr val="tx1"/>
+              </a:solidFill>
+            </a:endParaRPr>
+          </a:p>
+        </p:txBody>
+      </p:sp>
+      <p:sp>
+        <p:nvSpPr>
+          <p:cNvPr id="17" name="圆角矩形 16"/>
+          <p:cNvSpPr/>
+          <p:nvPr/>
+        </p:nvSpPr>
+        <p:spPr>
+          <a:xfrm>
+            <a:off x="2692400" y="2830195"/>
+            <a:ext cx="1276350" cy="723900"/>
+          </a:xfrm>
+          <a:prstGeom prst="roundRect">
+            <a:avLst/>
+          </a:prstGeom>
+          <a:solidFill>
+            <a:srgbClr val="FFCC99"/>
+          </a:solidFill>
+        </p:spPr>
+        <p:style>
+          <a:lnRef idx="2">
+            <a:schemeClr val="accent1">
+              <a:lumMod val="75000"/>
+            </a:schemeClr>
+          </a:lnRef>
+          <a:fillRef idx="1">
+            <a:schemeClr val="accent1"/>
+          </a:fillRef>
+          <a:effectRef idx="0">
+            <a:srgbClr val="FFFFFF"/>
+          </a:effectRef>
+          <a:fontRef idx="minor">
+            <a:schemeClr val="lt1"/>
+          </a:fontRef>
+        </p:style>
+        <p:txBody>
+          <a:bodyPr rtlCol="0" anchor="ctr"/>
+          <a:p>
+            <a:pPr algn="ctr"/>
+            <a:r>
+              <a:rPr lang="zh-CN" altLang="en-US">
+                <a:solidFill>
+                  <a:schemeClr val="tx1"/>
+                </a:solidFill>
+              </a:rPr>
+              <a:t>用户</a:t>
+            </a:r>
+            <a:r>
+              <a:rPr lang="zh-CN" altLang="en-US">
+                <a:solidFill>
+                  <a:schemeClr val="tx1"/>
+                </a:solidFill>
+              </a:rPr>
+              <a:t>数据</a:t>
+            </a:r>
+            <a:endParaRPr lang="zh-CN" altLang="en-US">
+              <a:solidFill>
+                <a:schemeClr val="tx1"/>
+              </a:solidFill>
+            </a:endParaRPr>
+          </a:p>
+        </p:txBody>
+      </p:sp>
+      <p:sp>
+        <p:nvSpPr>
+          <p:cNvPr id="21" name="圆角矩形 20"/>
+          <p:cNvSpPr/>
+          <p:nvPr/>
+        </p:nvSpPr>
+        <p:spPr>
+          <a:xfrm>
+            <a:off x="4459605" y="2855595"/>
+            <a:ext cx="1276350" cy="723900"/>
+          </a:xfrm>
+          <a:prstGeom prst="roundRect">
+            <a:avLst/>
+          </a:prstGeom>
+          <a:solidFill>
+            <a:srgbClr val="FFCC99"/>
+          </a:solidFill>
+        </p:spPr>
+        <p:style>
+          <a:lnRef idx="2">
+            <a:schemeClr val="accent1">
+              <a:lumMod val="75000"/>
+            </a:schemeClr>
+          </a:lnRef>
+          <a:fillRef idx="1">
+            <a:schemeClr val="accent1"/>
+          </a:fillRef>
+          <a:effectRef idx="0">
+            <a:srgbClr val="FFFFFF"/>
+          </a:effectRef>
+          <a:fontRef idx="minor">
+            <a:schemeClr val="lt1"/>
+          </a:fontRef>
+        </p:style>
+        <p:txBody>
+          <a:bodyPr rtlCol="0" anchor="ctr"/>
+          <a:p>
+            <a:pPr algn="ctr"/>
+            <a:r>
+              <a:rPr lang="zh-CN" altLang="en-US">
+                <a:solidFill>
+                  <a:schemeClr val="tx1"/>
+                </a:solidFill>
+              </a:rPr>
+              <a:t>房间数据</a:t>
+            </a:r>
+            <a:endParaRPr lang="zh-CN" altLang="en-US">
+              <a:solidFill>
+                <a:schemeClr val="tx1"/>
+              </a:solidFill>
+            </a:endParaRPr>
+          </a:p>
+        </p:txBody>
+      </p:sp>
+      <p:sp>
+        <p:nvSpPr>
+          <p:cNvPr id="22" name="圆角矩形 21"/>
+          <p:cNvSpPr/>
+          <p:nvPr/>
+        </p:nvSpPr>
+        <p:spPr>
+          <a:xfrm>
+            <a:off x="6316345" y="2855595"/>
+            <a:ext cx="1276350" cy="723900"/>
+          </a:xfrm>
+          <a:prstGeom prst="roundRect">
+            <a:avLst/>
+          </a:prstGeom>
+          <a:solidFill>
+            <a:srgbClr val="FFCC99"/>
+          </a:solidFill>
+        </p:spPr>
+        <p:style>
+          <a:lnRef idx="2">
+            <a:schemeClr val="accent1">
+              <a:lumMod val="75000"/>
+            </a:schemeClr>
+          </a:lnRef>
+          <a:fillRef idx="1">
+            <a:schemeClr val="accent1"/>
+          </a:fillRef>
+          <a:effectRef idx="0">
+            <a:srgbClr val="FFFFFF"/>
+          </a:effectRef>
+          <a:fontRef idx="minor">
+            <a:schemeClr val="lt1"/>
+          </a:fontRef>
+        </p:style>
+        <p:txBody>
+          <a:bodyPr rtlCol="0" anchor="ctr"/>
+          <a:p>
+            <a:pPr algn="ctr"/>
+            <a:r>
+              <a:rPr lang="zh-CN" altLang="en-US">
+                <a:solidFill>
+                  <a:schemeClr val="tx1"/>
+                </a:solidFill>
+              </a:rPr>
+              <a:t>聊天数据</a:t>
+            </a:r>
+            <a:endParaRPr lang="zh-CN" altLang="en-US">
+              <a:solidFill>
+                <a:schemeClr val="tx1"/>
+              </a:solidFill>
+            </a:endParaRPr>
+          </a:p>
+        </p:txBody>
+      </p:sp>
+      <p:sp>
+        <p:nvSpPr>
+          <p:cNvPr id="24" name="圆角矩形 23"/>
+          <p:cNvSpPr/>
+          <p:nvPr/>
+        </p:nvSpPr>
+        <p:spPr>
+          <a:xfrm>
+            <a:off x="8173085" y="2830195"/>
+            <a:ext cx="1276350" cy="723900"/>
+          </a:xfrm>
+          <a:prstGeom prst="roundRect">
+            <a:avLst/>
+          </a:prstGeom>
+          <a:solidFill>
+            <a:srgbClr val="FFCC99"/>
+          </a:solidFill>
+        </p:spPr>
+        <p:style>
+          <a:lnRef idx="2">
+            <a:schemeClr val="accent1">
+              <a:lumMod val="75000"/>
+            </a:schemeClr>
+          </a:lnRef>
+          <a:fillRef idx="1">
+            <a:schemeClr val="accent1"/>
+          </a:fillRef>
+          <a:effectRef idx="0">
+            <a:srgbClr val="FFFFFF"/>
+          </a:effectRef>
+          <a:fontRef idx="minor">
+            <a:schemeClr val="lt1"/>
+          </a:fontRef>
+        </p:style>
+        <p:txBody>
+          <a:bodyPr rtlCol="0" anchor="ctr"/>
+          <a:p>
+            <a:pPr algn="ctr"/>
+            <a:r>
+              <a:rPr lang="zh-CN" altLang="en-US">
+                <a:solidFill>
+                  <a:schemeClr val="tx1"/>
+                </a:solidFill>
+              </a:rPr>
+              <a:t>游戏数据</a:t>
+            </a:r>
+            <a:endParaRPr lang="zh-CN" altLang="en-US">
+              <a:solidFill>
+                <a:schemeClr val="tx1"/>
+              </a:solidFill>
+            </a:endParaRPr>
+          </a:p>
+        </p:txBody>
+      </p:sp>
+      <p:sp>
+        <p:nvSpPr>
+          <p:cNvPr id="25" name="下箭头 24"/>
+          <p:cNvSpPr/>
+          <p:nvPr/>
+        </p:nvSpPr>
+        <p:spPr>
+          <a:xfrm>
+            <a:off x="3621405" y="2400300"/>
+            <a:ext cx="838200" cy="444500"/>
+          </a:xfrm>
+          <a:prstGeom prst="downArrow">
+            <a:avLst/>
+          </a:prstGeom>
+          <a:solidFill>
+            <a:srgbClr val="FFFFFF"/>
+          </a:solidFill>
+        </p:spPr>
+        <p:style>
+          <a:lnRef idx="2">
+            <a:schemeClr val="accent1">
+              <a:lumMod val="75000"/>
+            </a:schemeClr>
+          </a:lnRef>
+          <a:fillRef idx="1">
+            <a:schemeClr val="accent1"/>
+          </a:fillRef>
+          <a:effectRef idx="0">
+            <a:srgbClr val="FFFFFF"/>
+          </a:effectRef>
+          <a:fontRef idx="minor">
+            <a:schemeClr val="lt1"/>
+          </a:fontRef>
+        </p:style>
+        <p:txBody>
+          <a:bodyPr rtlCol="0" anchor="ctr"/>
+          <a:p>
+            <a:pPr algn="ctr"/>
+            <a:endParaRPr lang="zh-CN" altLang="en-US"/>
+          </a:p>
+        </p:txBody>
+      </p:sp>
+      <p:sp>
+        <p:nvSpPr>
+          <p:cNvPr id="26" name="下箭头 25"/>
+          <p:cNvSpPr/>
+          <p:nvPr/>
+        </p:nvSpPr>
+        <p:spPr>
+          <a:xfrm rot="10800000">
+            <a:off x="7334885" y="2367915"/>
+            <a:ext cx="838200" cy="444500"/>
+          </a:xfrm>
+          <a:prstGeom prst="downArrow">
+            <a:avLst/>
+          </a:prstGeom>
+          <a:solidFill>
+            <a:srgbClr val="FFFFFF"/>
+          </a:solidFill>
+        </p:spPr>
+        <p:style>
+          <a:lnRef idx="2">
+            <a:schemeClr val="accent1">
+              <a:lumMod val="75000"/>
+            </a:schemeClr>
+          </a:lnRef>
+          <a:fillRef idx="1">
+            <a:schemeClr val="accent1"/>
+          </a:fillRef>
+          <a:effectRef idx="0">
+            <a:srgbClr val="FFFFFF"/>
+          </a:effectRef>
+          <a:fontRef idx="minor">
+            <a:schemeClr val="lt1"/>
+          </a:fontRef>
+        </p:style>
+        <p:txBody>
+          <a:bodyPr rtlCol="0" anchor="ctr"/>
+          <a:p>
+            <a:pPr algn="ctr"/>
+            <a:endParaRPr lang="zh-CN" altLang="en-US"/>
+          </a:p>
+        </p:txBody>
+      </p:sp>
+      <p:sp>
+        <p:nvSpPr>
+          <p:cNvPr id="27" name="圆角矩形 26"/>
+          <p:cNvSpPr/>
+          <p:nvPr/>
+        </p:nvSpPr>
+        <p:spPr>
+          <a:xfrm>
+            <a:off x="1511300" y="3944620"/>
+            <a:ext cx="1056005" cy="723900"/>
+          </a:xfrm>
+          <a:prstGeom prst="roundRect">
+            <a:avLst/>
+          </a:prstGeom>
+          <a:solidFill>
+            <a:srgbClr val="99FF99"/>
+          </a:solidFill>
+        </p:spPr>
+        <p:style>
+          <a:lnRef idx="2">
+            <a:schemeClr val="accent1">
+              <a:lumMod val="75000"/>
+            </a:schemeClr>
+          </a:lnRef>
+          <a:fillRef idx="1">
+            <a:schemeClr val="accent1"/>
+          </a:fillRef>
+          <a:effectRef idx="0">
+            <a:srgbClr val="FFFFFF"/>
+          </a:effectRef>
+          <a:fontRef idx="minor">
+            <a:schemeClr val="lt1"/>
+          </a:fontRef>
+        </p:style>
+        <p:txBody>
+          <a:bodyPr rtlCol="0" anchor="ctr"/>
+          <a:p>
+            <a:pPr algn="ctr"/>
+            <a:r>
+              <a:rPr lang="zh-CN" altLang="en-US">
+                <a:solidFill>
+                  <a:schemeClr val="tx1"/>
+                </a:solidFill>
+              </a:rPr>
+              <a:t>交互</a:t>
+            </a:r>
+            <a:r>
+              <a:rPr lang="zh-CN" altLang="en-US">
+                <a:solidFill>
+                  <a:schemeClr val="tx1"/>
+                </a:solidFill>
+              </a:rPr>
+              <a:t>层</a:t>
+            </a:r>
+            <a:endParaRPr lang="zh-CN" altLang="en-US">
+              <a:solidFill>
+                <a:schemeClr val="tx1"/>
+              </a:solidFill>
+            </a:endParaRPr>
+          </a:p>
+        </p:txBody>
+      </p:sp>
+      <p:sp>
+        <p:nvSpPr>
+          <p:cNvPr id="28" name="圆角矩形 27"/>
+          <p:cNvSpPr/>
+          <p:nvPr/>
+        </p:nvSpPr>
+        <p:spPr>
+          <a:xfrm>
+            <a:off x="2692400" y="3948430"/>
+            <a:ext cx="2661285" cy="716280"/>
+          </a:xfrm>
+          <a:prstGeom prst="roundRect">
+            <a:avLst/>
+          </a:prstGeom>
+          <a:solidFill>
+            <a:srgbClr val="FFCC99"/>
+          </a:solidFill>
+        </p:spPr>
+        <p:style>
+          <a:lnRef idx="2">
+            <a:schemeClr val="accent1">
+              <a:lumMod val="75000"/>
+            </a:schemeClr>
+          </a:lnRef>
+          <a:fillRef idx="1">
+            <a:schemeClr val="accent1"/>
+          </a:fillRef>
+          <a:effectRef idx="0">
+            <a:srgbClr val="FFFFFF"/>
+          </a:effectRef>
+          <a:fontRef idx="minor">
+            <a:schemeClr val="lt1"/>
+          </a:fontRef>
+        </p:style>
+        <p:txBody>
+          <a:bodyPr rtlCol="0" anchor="ctr"/>
+          <a:p>
+            <a:pPr algn="ctr"/>
+            <a:endParaRPr lang="zh-CN" altLang="en-US"/>
+          </a:p>
+        </p:txBody>
+      </p:sp>
+      <p:sp>
+        <p:nvSpPr>
+          <p:cNvPr id="29" name="圆角矩形 28"/>
+          <p:cNvSpPr/>
+          <p:nvPr/>
+        </p:nvSpPr>
+        <p:spPr>
+          <a:xfrm>
+            <a:off x="5478145" y="3947795"/>
+            <a:ext cx="2694940" cy="716280"/>
+          </a:xfrm>
+          <a:prstGeom prst="roundRect">
+            <a:avLst/>
+          </a:prstGeom>
+          <a:solidFill>
+            <a:srgbClr val="FFCC99"/>
+          </a:solidFill>
+        </p:spPr>
+        <p:style>
+          <a:lnRef idx="2">
+            <a:schemeClr val="accent1">
+              <a:lumMod val="75000"/>
+            </a:schemeClr>
+          </a:lnRef>
+          <a:fillRef idx="1">
+            <a:schemeClr val="accent1"/>
+          </a:fillRef>
+          <a:effectRef idx="0">
+            <a:srgbClr val="FFFFFF"/>
+          </a:effectRef>
+          <a:fontRef idx="minor">
+            <a:schemeClr val="lt1"/>
+          </a:fontRef>
+        </p:style>
+        <p:txBody>
+          <a:bodyPr rtlCol="0" anchor="ctr"/>
+          <a:p>
+            <a:pPr algn="ctr"/>
+            <a:endParaRPr lang="zh-CN" altLang="en-US"/>
+          </a:p>
+        </p:txBody>
+      </p:sp>
+      <p:sp>
+        <p:nvSpPr>
+          <p:cNvPr id="30" name="文本框 29"/>
+          <p:cNvSpPr txBox="1"/>
+          <p:nvPr/>
+        </p:nvSpPr>
+        <p:spPr>
+          <a:xfrm>
+            <a:off x="5560060" y="4137660"/>
+            <a:ext cx="1071245" cy="368300"/>
+          </a:xfrm>
+          <a:prstGeom prst="rect">
+            <a:avLst/>
+          </a:prstGeom>
+          <a:noFill/>
+        </p:spPr>
+        <p:txBody>
+          <a:bodyPr wrap="square" rtlCol="0">
+            <a:spAutoFit/>
+          </a:bodyPr>
+          <a:p>
+            <a:r>
+              <a:rPr lang="en-US" altLang="zh-CN"/>
+              <a:t>Ajax</a:t>
+            </a:r>
+            <a:r>
+              <a:rPr lang="zh-CN" altLang="en-US"/>
+              <a:t>交互</a:t>
+            </a:r>
+            <a:endParaRPr lang="zh-CN" altLang="en-US"/>
+          </a:p>
+        </p:txBody>
+      </p:sp>
+      <p:sp>
+        <p:nvSpPr>
+          <p:cNvPr id="31" name="圆角矩形 30"/>
+          <p:cNvSpPr/>
+          <p:nvPr/>
+        </p:nvSpPr>
+        <p:spPr>
+          <a:xfrm>
+            <a:off x="2809875" y="4086860"/>
+            <a:ext cx="676275" cy="406400"/>
+          </a:xfrm>
+          <a:prstGeom prst="roundRect">
+            <a:avLst/>
+          </a:prstGeom>
+          <a:solidFill>
+            <a:srgbClr val="FFFFFF"/>
+          </a:solidFill>
+        </p:spPr>
+        <p:style>
+          <a:lnRef idx="2">
+            <a:schemeClr val="accent1">
+              <a:lumMod val="75000"/>
+            </a:schemeClr>
+          </a:lnRef>
+          <a:fillRef idx="1">
+            <a:schemeClr val="accent1"/>
+          </a:fillRef>
+          <a:effectRef idx="0">
+            <a:srgbClr val="FFFFFF"/>
+          </a:effectRef>
+          <a:fontRef idx="minor">
+            <a:schemeClr val="lt1"/>
+          </a:fontRef>
+        </p:style>
+        <p:txBody>
+          <a:bodyPr rtlCol="0" anchor="ctr"/>
+          <a:p>
+            <a:pPr algn="ctr"/>
+            <a:r>
+              <a:rPr lang="en-US" altLang="zh-CN">
+                <a:solidFill>
+                  <a:schemeClr val="tx1"/>
+                </a:solidFill>
+              </a:rPr>
+              <a:t>vue</a:t>
+            </a:r>
+            <a:endParaRPr lang="en-US" altLang="zh-CN">
+              <a:solidFill>
+                <a:schemeClr val="tx1"/>
+              </a:solidFill>
+            </a:endParaRPr>
+          </a:p>
+        </p:txBody>
+      </p:sp>
+      <p:sp>
+        <p:nvSpPr>
+          <p:cNvPr id="32" name="圆角矩形 31"/>
+          <p:cNvSpPr/>
+          <p:nvPr/>
+        </p:nvSpPr>
+        <p:spPr>
+          <a:xfrm>
+            <a:off x="3729355" y="4103370"/>
+            <a:ext cx="1489075" cy="406400"/>
+          </a:xfrm>
+          <a:prstGeom prst="roundRect">
+            <a:avLst/>
+          </a:prstGeom>
+          <a:solidFill>
+            <a:srgbClr val="FFFFFF"/>
+          </a:solidFill>
+        </p:spPr>
+        <p:style>
+          <a:lnRef idx="2">
+            <a:schemeClr val="accent1">
+              <a:lumMod val="75000"/>
+            </a:schemeClr>
+          </a:lnRef>
+          <a:fillRef idx="1">
+            <a:schemeClr val="accent1"/>
+          </a:fillRef>
+          <a:effectRef idx="0">
+            <a:srgbClr val="FFFFFF"/>
+          </a:effectRef>
+          <a:fontRef idx="minor">
+            <a:schemeClr val="lt1"/>
+          </a:fontRef>
+        </p:style>
+        <p:txBody>
+          <a:bodyPr rtlCol="0" anchor="ctr"/>
+          <a:p>
+            <a:pPr algn="ctr"/>
+            <a:r>
+              <a:rPr lang="en-US" altLang="zh-CN">
+                <a:solidFill>
+                  <a:schemeClr val="tx1"/>
+                </a:solidFill>
+              </a:rPr>
+              <a:t>vue-</a:t>
+            </a:r>
+            <a:r>
+              <a:rPr lang="en-US" altLang="zh-CN">
+                <a:solidFill>
+                  <a:schemeClr val="tx1"/>
+                </a:solidFill>
+              </a:rPr>
+              <a:t>router</a:t>
+            </a:r>
+            <a:endParaRPr lang="en-US" altLang="zh-CN">
+              <a:solidFill>
+                <a:schemeClr val="tx1"/>
+              </a:solidFill>
+            </a:endParaRPr>
+          </a:p>
+        </p:txBody>
+      </p:sp>
+      <p:sp>
+        <p:nvSpPr>
+          <p:cNvPr id="33" name="圆角矩形 32"/>
+          <p:cNvSpPr/>
+          <p:nvPr/>
+        </p:nvSpPr>
+        <p:spPr>
+          <a:xfrm>
+            <a:off x="6711315" y="4114165"/>
+            <a:ext cx="622300" cy="406400"/>
+          </a:xfrm>
+          <a:prstGeom prst="roundRect">
+            <a:avLst/>
+          </a:prstGeom>
+          <a:solidFill>
+            <a:srgbClr val="FFFFFF"/>
+          </a:solidFill>
+        </p:spPr>
+        <p:style>
+          <a:lnRef idx="2">
+            <a:schemeClr val="accent1">
+              <a:lumMod val="75000"/>
+            </a:schemeClr>
+          </a:lnRef>
+          <a:fillRef idx="1">
+            <a:schemeClr val="accent1"/>
+          </a:fillRef>
+          <a:effectRef idx="0">
+            <a:srgbClr val="FFFFFF"/>
+          </a:effectRef>
+          <a:fontRef idx="minor">
+            <a:schemeClr val="lt1"/>
+          </a:fontRef>
+        </p:style>
+        <p:txBody>
+          <a:bodyPr rtlCol="0" anchor="ctr"/>
+          <a:p>
+            <a:pPr algn="ctr"/>
+            <a:r>
+              <a:rPr lang="en-US" altLang="zh-CN">
+                <a:solidFill>
+                  <a:schemeClr val="tx1"/>
+                </a:solidFill>
+              </a:rPr>
+              <a:t>get</a:t>
+            </a:r>
+            <a:endParaRPr lang="en-US" altLang="zh-CN">
+              <a:solidFill>
+                <a:schemeClr val="tx1"/>
+              </a:solidFill>
+            </a:endParaRPr>
+          </a:p>
+        </p:txBody>
+      </p:sp>
+      <p:sp>
+        <p:nvSpPr>
+          <p:cNvPr id="34" name="圆角矩形 33"/>
+          <p:cNvSpPr/>
+          <p:nvPr/>
+        </p:nvSpPr>
+        <p:spPr>
+          <a:xfrm>
+            <a:off x="7414260" y="4114165"/>
+            <a:ext cx="668655" cy="406400"/>
+          </a:xfrm>
+          <a:prstGeom prst="roundRect">
+            <a:avLst/>
+          </a:prstGeom>
+          <a:solidFill>
+            <a:srgbClr val="FFFFFF"/>
+          </a:solidFill>
+        </p:spPr>
+        <p:style>
+          <a:lnRef idx="2">
+            <a:schemeClr val="accent1">
+              <a:lumMod val="75000"/>
+            </a:schemeClr>
+          </a:lnRef>
+          <a:fillRef idx="1">
+            <a:schemeClr val="accent1"/>
+          </a:fillRef>
+          <a:effectRef idx="0">
+            <a:srgbClr val="FFFFFF"/>
+          </a:effectRef>
+          <a:fontRef idx="minor">
+            <a:schemeClr val="lt1"/>
+          </a:fontRef>
+        </p:style>
+        <p:txBody>
+          <a:bodyPr rtlCol="0" anchor="ctr"/>
+          <a:p>
+            <a:pPr algn="ctr"/>
+            <a:r>
+              <a:rPr lang="en-US" altLang="zh-CN">
+                <a:solidFill>
+                  <a:schemeClr val="tx1"/>
+                </a:solidFill>
+              </a:rPr>
+              <a:t>post</a:t>
+            </a:r>
+            <a:endParaRPr lang="en-US" altLang="zh-CN">
+              <a:solidFill>
+                <a:schemeClr val="tx1"/>
+              </a:solidFill>
+            </a:endParaRPr>
+          </a:p>
+        </p:txBody>
+      </p:sp>
+    </p:spTree>
+  </p:cSld>
+  <p:clrMapOvr>
+    <a:masterClrMapping/>
+  </p:clrMapOvr>
+</p:sld>
+</file>
+
+<file path=ppt/slides/slide2.xml><?xml version="1.0" encoding="utf-8"?>
+<p:sld xmlns:a="http://schemas.openxmlformats.org/drawingml/2006/main" xmlns:r="http://schemas.openxmlformats.org/officeDocument/2006/relationships" xmlns:p="http://schemas.openxmlformats.org/presentationml/2006/main">
+  <p:cSld>
+    <p:spTree>
+      <p:nvGrpSpPr>
+        <p:cNvPr id="1" name=""/>
+        <p:cNvGrpSpPr/>
+        <p:nvPr/>
+      </p:nvGrpSpPr>
+      <p:grpSpPr/>
+      <p:pic>
+        <p:nvPicPr>
+          <p:cNvPr id="3" name="图片 2"/>
+          <p:cNvPicPr>
+            <a:picLocks noChangeAspect="1"/>
+          </p:cNvPicPr>
+          <p:nvPr/>
+        </p:nvPicPr>
+        <p:blipFill>
+          <a:blip r:embed="rId1"/>
+          <a:stretch>
+            <a:fillRect/>
+          </a:stretch>
+        </p:blipFill>
+        <p:spPr>
+          <a:xfrm>
+            <a:off x="82550" y="-2404745"/>
+            <a:ext cx="7124700" cy="7400925"/>
+          </a:xfrm>
+          <a:prstGeom prst="rect">
+            <a:avLst/>
+          </a:prstGeom>
+        </p:spPr>
+      </p:pic>
     </p:spTree>
   </p:cSld>
   <p:clrMapOvr>

--- a/docs/架构设计/架构图.pptx
+++ b/docs/架构设计/架构图.pptx
@@ -6,7 +6,7 @@
   </p:sldMasterIdLst>
   <p:sldIdLst>
     <p:sldId id="256" r:id="rId3"/>
-    <p:sldId id="257" r:id="rId4"/>
+    <p:sldId id="258" r:id="rId4"/>
   </p:sldIdLst>
   <p:sldSz cx="12192000" cy="6858000"/>
   <p:notesSz cx="6858000" cy="9144000"/>
@@ -2918,6 +2918,2963 @@
         <p:nvPr/>
       </p:nvGrpSpPr>
       <p:grpSpPr/>
+      <p:grpSp>
+        <p:nvGrpSpPr>
+          <p:cNvPr id="65" name="组合 64"/>
+          <p:cNvGrpSpPr/>
+          <p:nvPr/>
+        </p:nvGrpSpPr>
+        <p:grpSpPr>
+          <a:xfrm>
+            <a:off x="439420" y="454025"/>
+            <a:ext cx="10932160" cy="5777230"/>
+            <a:chOff x="692" y="715"/>
+            <a:chExt cx="17216" cy="9098"/>
+          </a:xfrm>
+        </p:grpSpPr>
+        <p:sp>
+          <p:nvSpPr>
+            <p:cNvPr id="45" name="圆角矩形 44"/>
+            <p:cNvSpPr/>
+            <p:nvPr/>
+          </p:nvSpPr>
+          <p:spPr>
+            <a:xfrm>
+              <a:off x="4721" y="5869"/>
+              <a:ext cx="8835" cy="780"/>
+            </a:xfrm>
+            <a:prstGeom prst="roundRect">
+              <a:avLst/>
+            </a:prstGeom>
+            <a:solidFill>
+              <a:srgbClr val="CCFF99"/>
+            </a:solidFill>
+          </p:spPr>
+          <p:style>
+            <a:lnRef idx="2">
+              <a:schemeClr val="accent1">
+                <a:lumMod val="75000"/>
+              </a:schemeClr>
+            </a:lnRef>
+            <a:fillRef idx="1">
+              <a:schemeClr val="accent1"/>
+            </a:fillRef>
+            <a:effectRef idx="0">
+              <a:srgbClr val="FFFFFF"/>
+            </a:effectRef>
+            <a:fontRef idx="minor">
+              <a:schemeClr val="lt1"/>
+            </a:fontRef>
+          </p:style>
+          <p:txBody>
+            <a:bodyPr rtlCol="0" anchor="ctr"/>
+            <a:p>
+              <a:pPr algn="ctr"/>
+              <a:endParaRPr lang="zh-CN" altLang="en-US"/>
+            </a:p>
+          </p:txBody>
+        </p:sp>
+        <p:sp>
+          <p:nvSpPr>
+            <p:cNvPr id="2" name="圆角矩形 1"/>
+            <p:cNvSpPr/>
+            <p:nvPr/>
+          </p:nvSpPr>
+          <p:spPr>
+            <a:xfrm>
+              <a:off x="2925" y="715"/>
+              <a:ext cx="1663" cy="739"/>
+            </a:xfrm>
+            <a:prstGeom prst="roundRect">
+              <a:avLst/>
+            </a:prstGeom>
+            <a:solidFill>
+              <a:srgbClr val="99FFCC"/>
+            </a:solidFill>
+          </p:spPr>
+          <p:style>
+            <a:lnRef idx="2">
+              <a:schemeClr val="accent1">
+                <a:lumMod val="75000"/>
+              </a:schemeClr>
+            </a:lnRef>
+            <a:fillRef idx="1">
+              <a:schemeClr val="accent1"/>
+            </a:fillRef>
+            <a:effectRef idx="0">
+              <a:srgbClr val="FFFFFF"/>
+            </a:effectRef>
+            <a:fontRef idx="minor">
+              <a:schemeClr val="lt1"/>
+            </a:fontRef>
+          </p:style>
+          <p:txBody>
+            <a:bodyPr rtlCol="0" anchor="ctr"/>
+            <a:p>
+              <a:pPr algn="ctr"/>
+              <a:r>
+                <a:rPr lang="zh-CN" altLang="en-US">
+                  <a:solidFill>
+                    <a:schemeClr val="tx1"/>
+                  </a:solidFill>
+                </a:rPr>
+                <a:t>访问层</a:t>
+              </a:r>
+              <a:endParaRPr lang="zh-CN" altLang="en-US">
+                <a:solidFill>
+                  <a:schemeClr val="tx1"/>
+                </a:solidFill>
+              </a:endParaRPr>
+            </a:p>
+          </p:txBody>
+        </p:sp>
+        <p:sp>
+          <p:nvSpPr>
+            <p:cNvPr id="5" name="圆角矩形 4"/>
+            <p:cNvSpPr/>
+            <p:nvPr/>
+          </p:nvSpPr>
+          <p:spPr>
+            <a:xfrm>
+              <a:off x="4785" y="715"/>
+              <a:ext cx="13122" cy="739"/>
+            </a:xfrm>
+            <a:prstGeom prst="roundRect">
+              <a:avLst/>
+            </a:prstGeom>
+            <a:solidFill>
+              <a:srgbClr val="CCFFE6"/>
+            </a:solidFill>
+          </p:spPr>
+          <p:style>
+            <a:lnRef idx="2">
+              <a:schemeClr val="accent1">
+                <a:lumMod val="75000"/>
+              </a:schemeClr>
+            </a:lnRef>
+            <a:fillRef idx="1">
+              <a:schemeClr val="accent1"/>
+            </a:fillRef>
+            <a:effectRef idx="0">
+              <a:srgbClr val="FFFFFF"/>
+            </a:effectRef>
+            <a:fontRef idx="minor">
+              <a:schemeClr val="lt1"/>
+            </a:fontRef>
+          </p:style>
+          <p:txBody>
+            <a:bodyPr rtlCol="0" anchor="ctr"/>
+            <a:p>
+              <a:pPr algn="ctr"/>
+              <a:r>
+                <a:rPr lang="zh-CN" altLang="en-US">
+                  <a:solidFill>
+                    <a:schemeClr val="tx1"/>
+                  </a:solidFill>
+                </a:rPr>
+                <a:t>浏览器</a:t>
+              </a:r>
+              <a:endParaRPr lang="zh-CN" altLang="en-US">
+                <a:solidFill>
+                  <a:schemeClr val="tx1"/>
+                </a:solidFill>
+              </a:endParaRPr>
+            </a:p>
+          </p:txBody>
+        </p:sp>
+        <p:sp>
+          <p:nvSpPr>
+            <p:cNvPr id="6" name="圆角矩形 5"/>
+            <p:cNvSpPr/>
+            <p:nvPr/>
+          </p:nvSpPr>
+          <p:spPr>
+            <a:xfrm>
+              <a:off x="2925" y="1943"/>
+              <a:ext cx="1663" cy="874"/>
+            </a:xfrm>
+            <a:prstGeom prst="roundRect">
+              <a:avLst/>
+            </a:prstGeom>
+            <a:solidFill>
+              <a:srgbClr val="99FF99"/>
+            </a:solidFill>
+          </p:spPr>
+          <p:style>
+            <a:lnRef idx="2">
+              <a:schemeClr val="accent1">
+                <a:lumMod val="75000"/>
+              </a:schemeClr>
+            </a:lnRef>
+            <a:fillRef idx="1">
+              <a:schemeClr val="accent1"/>
+            </a:fillRef>
+            <a:effectRef idx="0">
+              <a:srgbClr val="FFFFFF"/>
+            </a:effectRef>
+            <a:fontRef idx="minor">
+              <a:schemeClr val="lt1"/>
+            </a:fontRef>
+          </p:style>
+          <p:txBody>
+            <a:bodyPr rtlCol="0" anchor="ctr"/>
+            <a:p>
+              <a:pPr algn="ctr"/>
+              <a:r>
+                <a:rPr lang="zh-CN" altLang="en-US">
+                  <a:solidFill>
+                    <a:schemeClr val="tx1"/>
+                  </a:solidFill>
+                </a:rPr>
+                <a:t>前端</a:t>
+              </a:r>
+              <a:r>
+                <a:rPr lang="en-US" altLang="zh-CN">
+                  <a:solidFill>
+                    <a:schemeClr val="tx1"/>
+                  </a:solidFill>
+                </a:rPr>
+                <a:t>UI</a:t>
+              </a:r>
+              <a:endParaRPr lang="en-US" altLang="zh-CN">
+                <a:solidFill>
+                  <a:schemeClr val="tx1"/>
+                </a:solidFill>
+              </a:endParaRPr>
+            </a:p>
+          </p:txBody>
+        </p:sp>
+        <p:sp>
+          <p:nvSpPr>
+            <p:cNvPr id="7" name="圆角矩形 6"/>
+            <p:cNvSpPr/>
+            <p:nvPr/>
+          </p:nvSpPr>
+          <p:spPr>
+            <a:xfrm>
+              <a:off x="4785" y="1943"/>
+              <a:ext cx="11940" cy="874"/>
+            </a:xfrm>
+            <a:prstGeom prst="roundRect">
+              <a:avLst/>
+            </a:prstGeom>
+            <a:solidFill>
+              <a:srgbClr val="CCFF99"/>
+            </a:solidFill>
+          </p:spPr>
+          <p:style>
+            <a:lnRef idx="2">
+              <a:schemeClr val="accent1">
+                <a:lumMod val="75000"/>
+              </a:schemeClr>
+            </a:lnRef>
+            <a:fillRef idx="1">
+              <a:schemeClr val="accent1"/>
+            </a:fillRef>
+            <a:effectRef idx="0">
+              <a:srgbClr val="FFFFFF"/>
+            </a:effectRef>
+            <a:fontRef idx="minor">
+              <a:schemeClr val="lt1"/>
+            </a:fontRef>
+          </p:style>
+          <p:txBody>
+            <a:bodyPr rtlCol="0" anchor="ctr"/>
+            <a:p>
+              <a:pPr algn="ctr"/>
+              <a:endParaRPr lang="en-US" altLang="zh-CN">
+                <a:solidFill>
+                  <a:schemeClr val="tx1"/>
+                </a:solidFill>
+              </a:endParaRPr>
+            </a:p>
+          </p:txBody>
+        </p:sp>
+        <p:sp>
+          <p:nvSpPr>
+            <p:cNvPr id="8" name="圆角矩形 7"/>
+            <p:cNvSpPr/>
+            <p:nvPr/>
+          </p:nvSpPr>
+          <p:spPr>
+            <a:xfrm>
+              <a:off x="6034" y="2065"/>
+              <a:ext cx="1640" cy="640"/>
+            </a:xfrm>
+            <a:prstGeom prst="roundRect">
+              <a:avLst/>
+            </a:prstGeom>
+            <a:solidFill>
+              <a:srgbClr val="FFFFFF"/>
+            </a:solidFill>
+          </p:spPr>
+          <p:style>
+            <a:lnRef idx="2">
+              <a:schemeClr val="accent1">
+                <a:lumMod val="75000"/>
+              </a:schemeClr>
+            </a:lnRef>
+            <a:fillRef idx="1">
+              <a:schemeClr val="accent1"/>
+            </a:fillRef>
+            <a:effectRef idx="0">
+              <a:srgbClr val="FFFFFF"/>
+            </a:effectRef>
+            <a:fontRef idx="minor">
+              <a:schemeClr val="lt1"/>
+            </a:fontRef>
+          </p:style>
+          <p:txBody>
+            <a:bodyPr rtlCol="0" anchor="ctr"/>
+            <a:p>
+              <a:pPr algn="ctr"/>
+              <a:r>
+                <a:rPr lang="en-US" altLang="zh-CN">
+                  <a:solidFill>
+                    <a:schemeClr val="tx1"/>
+                  </a:solidFill>
+                </a:rPr>
+                <a:t>vue</a:t>
+              </a:r>
+              <a:endParaRPr lang="en-US" altLang="zh-CN">
+                <a:solidFill>
+                  <a:schemeClr val="tx1"/>
+                </a:solidFill>
+              </a:endParaRPr>
+            </a:p>
+          </p:txBody>
+        </p:sp>
+        <p:sp>
+          <p:nvSpPr>
+            <p:cNvPr id="9" name="圆角矩形 8"/>
+            <p:cNvSpPr/>
+            <p:nvPr/>
+          </p:nvSpPr>
+          <p:spPr>
+            <a:xfrm>
+              <a:off x="8395" y="2065"/>
+              <a:ext cx="1998" cy="640"/>
+            </a:xfrm>
+            <a:prstGeom prst="roundRect">
+              <a:avLst/>
+            </a:prstGeom>
+            <a:solidFill>
+              <a:srgbClr val="FFFFFF"/>
+            </a:solidFill>
+          </p:spPr>
+          <p:style>
+            <a:lnRef idx="2">
+              <a:schemeClr val="accent1">
+                <a:lumMod val="75000"/>
+              </a:schemeClr>
+            </a:lnRef>
+            <a:fillRef idx="1">
+              <a:schemeClr val="accent1"/>
+            </a:fillRef>
+            <a:effectRef idx="0">
+              <a:srgbClr val="FFFFFF"/>
+            </a:effectRef>
+            <a:fontRef idx="minor">
+              <a:schemeClr val="lt1"/>
+            </a:fontRef>
+          </p:style>
+          <p:txBody>
+            <a:bodyPr rtlCol="0" anchor="ctr"/>
+            <a:p>
+              <a:pPr algn="ctr"/>
+              <a:r>
+                <a:rPr lang="en-US" altLang="zh-CN">
+                  <a:solidFill>
+                    <a:schemeClr val="tx1"/>
+                  </a:solidFill>
+                </a:rPr>
+                <a:t>element-</a:t>
+              </a:r>
+              <a:r>
+                <a:rPr lang="en-US" altLang="zh-CN">
+                  <a:solidFill>
+                    <a:schemeClr val="tx1"/>
+                  </a:solidFill>
+                </a:rPr>
+                <a:t>UI</a:t>
+              </a:r>
+              <a:endParaRPr lang="en-US" altLang="zh-CN">
+                <a:solidFill>
+                  <a:schemeClr val="tx1"/>
+                </a:solidFill>
+              </a:endParaRPr>
+            </a:p>
+          </p:txBody>
+        </p:sp>
+        <p:sp>
+          <p:nvSpPr>
+            <p:cNvPr id="10" name="圆角矩形 9"/>
+            <p:cNvSpPr/>
+            <p:nvPr/>
+          </p:nvSpPr>
+          <p:spPr>
+            <a:xfrm>
+              <a:off x="11114" y="2065"/>
+              <a:ext cx="1640" cy="640"/>
+            </a:xfrm>
+            <a:prstGeom prst="roundRect">
+              <a:avLst/>
+            </a:prstGeom>
+            <a:solidFill>
+              <a:srgbClr val="FFFFFF"/>
+            </a:solidFill>
+          </p:spPr>
+          <p:style>
+            <a:lnRef idx="2">
+              <a:schemeClr val="accent1">
+                <a:lumMod val="75000"/>
+              </a:schemeClr>
+            </a:lnRef>
+            <a:fillRef idx="1">
+              <a:schemeClr val="accent1"/>
+            </a:fillRef>
+            <a:effectRef idx="0">
+              <a:srgbClr val="FFFFFF"/>
+            </a:effectRef>
+            <a:fontRef idx="minor">
+              <a:schemeClr val="lt1"/>
+            </a:fontRef>
+          </p:style>
+          <p:txBody>
+            <a:bodyPr rtlCol="0" anchor="ctr"/>
+            <a:p>
+              <a:pPr algn="ctr"/>
+              <a:r>
+                <a:rPr lang="en-US" altLang="zh-CN">
+                  <a:solidFill>
+                    <a:schemeClr val="tx1"/>
+                  </a:solidFill>
+                </a:rPr>
+                <a:t>JS</a:t>
+              </a:r>
+              <a:endParaRPr lang="en-US" altLang="zh-CN">
+                <a:solidFill>
+                  <a:schemeClr val="tx1"/>
+                </a:solidFill>
+              </a:endParaRPr>
+            </a:p>
+          </p:txBody>
+        </p:sp>
+        <p:cxnSp>
+          <p:nvCxnSpPr>
+            <p:cNvPr id="11" name="直接连接符 10"/>
+            <p:cNvCxnSpPr/>
+            <p:nvPr/>
+          </p:nvCxnSpPr>
+          <p:spPr>
+            <a:xfrm>
+              <a:off x="2918" y="1702"/>
+              <a:ext cx="14946" cy="15"/>
+            </a:xfrm>
+            <a:prstGeom prst="line">
+              <a:avLst/>
+            </a:prstGeom>
+            <a:ln w="12700" cap="flat" cmpd="sng" algn="ctr">
+              <a:solidFill>
+                <a:schemeClr val="accent1"/>
+              </a:solidFill>
+              <a:prstDash val="dash"/>
+              <a:miter lim="800000"/>
+            </a:ln>
+          </p:spPr>
+          <p:style>
+            <a:lnRef idx="0">
+              <a:schemeClr val="accent1"/>
+            </a:lnRef>
+            <a:fillRef idx="0">
+              <a:srgbClr val="FFFFFF"/>
+            </a:fillRef>
+            <a:effectRef idx="0">
+              <a:srgbClr val="FFFFFF"/>
+            </a:effectRef>
+            <a:fontRef idx="minor">
+              <a:schemeClr val="tx1"/>
+            </a:fontRef>
+          </p:style>
+        </p:cxnSp>
+        <p:sp>
+          <p:nvSpPr>
+            <p:cNvPr id="12" name="下箭头 11"/>
+            <p:cNvSpPr/>
+            <p:nvPr/>
+          </p:nvSpPr>
+          <p:spPr>
+            <a:xfrm>
+              <a:off x="6246" y="1450"/>
+              <a:ext cx="1320" cy="480"/>
+            </a:xfrm>
+            <a:prstGeom prst="downArrow">
+              <a:avLst/>
+            </a:prstGeom>
+            <a:solidFill>
+              <a:srgbClr val="FFFFFF"/>
+            </a:solidFill>
+          </p:spPr>
+          <p:style>
+            <a:lnRef idx="2">
+              <a:schemeClr val="accent1">
+                <a:lumMod val="75000"/>
+              </a:schemeClr>
+            </a:lnRef>
+            <a:fillRef idx="1">
+              <a:schemeClr val="accent1"/>
+            </a:fillRef>
+            <a:effectRef idx="0">
+              <a:srgbClr val="FFFFFF"/>
+            </a:effectRef>
+            <a:fontRef idx="minor">
+              <a:schemeClr val="lt1"/>
+            </a:fontRef>
+          </p:style>
+          <p:txBody>
+            <a:bodyPr rtlCol="0" anchor="ctr"/>
+            <a:p>
+              <a:pPr algn="ctr"/>
+              <a:endParaRPr lang="zh-CN" altLang="en-US"/>
+            </a:p>
+          </p:txBody>
+        </p:sp>
+        <p:sp>
+          <p:nvSpPr>
+            <p:cNvPr id="14" name="下箭头 13"/>
+            <p:cNvSpPr/>
+            <p:nvPr/>
+          </p:nvSpPr>
+          <p:spPr>
+            <a:xfrm rot="10800000">
+              <a:off x="12094" y="1401"/>
+              <a:ext cx="1320" cy="529"/>
+            </a:xfrm>
+            <a:prstGeom prst="downArrow">
+              <a:avLst/>
+            </a:prstGeom>
+            <a:solidFill>
+              <a:srgbClr val="FFFFFF"/>
+            </a:solidFill>
+          </p:spPr>
+          <p:style>
+            <a:lnRef idx="2">
+              <a:schemeClr val="accent1">
+                <a:lumMod val="75000"/>
+              </a:schemeClr>
+            </a:lnRef>
+            <a:fillRef idx="1">
+              <a:schemeClr val="accent1"/>
+            </a:fillRef>
+            <a:effectRef idx="0">
+              <a:srgbClr val="FFFFFF"/>
+            </a:effectRef>
+            <a:fontRef idx="minor">
+              <a:schemeClr val="lt1"/>
+            </a:fontRef>
+          </p:style>
+          <p:txBody>
+            <a:bodyPr rtlCol="0" anchor="ctr"/>
+            <a:p>
+              <a:pPr algn="ctr"/>
+              <a:endParaRPr lang="zh-CN" altLang="en-US"/>
+            </a:p>
+          </p:txBody>
+        </p:sp>
+        <p:sp>
+          <p:nvSpPr>
+            <p:cNvPr id="16" name="圆角矩形 15"/>
+            <p:cNvSpPr/>
+            <p:nvPr/>
+          </p:nvSpPr>
+          <p:spPr>
+            <a:xfrm>
+              <a:off x="2925" y="3442"/>
+              <a:ext cx="1663" cy="632"/>
+            </a:xfrm>
+            <a:prstGeom prst="roundRect">
+              <a:avLst/>
+            </a:prstGeom>
+            <a:solidFill>
+              <a:srgbClr val="99FF99"/>
+            </a:solidFill>
+          </p:spPr>
+          <p:style>
+            <a:lnRef idx="2">
+              <a:schemeClr val="accent1">
+                <a:lumMod val="75000"/>
+              </a:schemeClr>
+            </a:lnRef>
+            <a:fillRef idx="1">
+              <a:schemeClr val="accent1"/>
+            </a:fillRef>
+            <a:effectRef idx="0">
+              <a:srgbClr val="FFFFFF"/>
+            </a:effectRef>
+            <a:fontRef idx="minor">
+              <a:schemeClr val="lt1"/>
+            </a:fontRef>
+          </p:style>
+          <p:txBody>
+            <a:bodyPr rtlCol="0" anchor="ctr"/>
+            <a:p>
+              <a:pPr algn="ctr"/>
+              <a:r>
+                <a:rPr lang="zh-CN" altLang="en-US">
+                  <a:solidFill>
+                    <a:schemeClr val="tx1"/>
+                  </a:solidFill>
+                </a:rPr>
+                <a:t>数据</a:t>
+              </a:r>
+              <a:endParaRPr lang="zh-CN" altLang="en-US">
+                <a:solidFill>
+                  <a:schemeClr val="tx1"/>
+                </a:solidFill>
+              </a:endParaRPr>
+            </a:p>
+          </p:txBody>
+        </p:sp>
+        <p:sp>
+          <p:nvSpPr>
+            <p:cNvPr id="17" name="圆角矩形 16"/>
+            <p:cNvSpPr/>
+            <p:nvPr/>
+          </p:nvSpPr>
+          <p:spPr>
+            <a:xfrm>
+              <a:off x="4785" y="3442"/>
+              <a:ext cx="2010" cy="632"/>
+            </a:xfrm>
+            <a:prstGeom prst="roundRect">
+              <a:avLst/>
+            </a:prstGeom>
+            <a:solidFill>
+              <a:srgbClr val="FFCC99"/>
+            </a:solidFill>
+          </p:spPr>
+          <p:style>
+            <a:lnRef idx="2">
+              <a:schemeClr val="accent1">
+                <a:lumMod val="75000"/>
+              </a:schemeClr>
+            </a:lnRef>
+            <a:fillRef idx="1">
+              <a:schemeClr val="accent1"/>
+            </a:fillRef>
+            <a:effectRef idx="0">
+              <a:srgbClr val="FFFFFF"/>
+            </a:effectRef>
+            <a:fontRef idx="minor">
+              <a:schemeClr val="lt1"/>
+            </a:fontRef>
+          </p:style>
+          <p:txBody>
+            <a:bodyPr rtlCol="0" anchor="ctr"/>
+            <a:p>
+              <a:pPr algn="ctr"/>
+              <a:r>
+                <a:rPr lang="zh-CN" altLang="en-US">
+                  <a:solidFill>
+                    <a:schemeClr val="tx1"/>
+                  </a:solidFill>
+                </a:rPr>
+                <a:t>用户</a:t>
+              </a:r>
+              <a:r>
+                <a:rPr lang="zh-CN" altLang="en-US">
+                  <a:solidFill>
+                    <a:schemeClr val="tx1"/>
+                  </a:solidFill>
+                </a:rPr>
+                <a:t>数据</a:t>
+              </a:r>
+              <a:endParaRPr lang="zh-CN" altLang="en-US">
+                <a:solidFill>
+                  <a:schemeClr val="tx1"/>
+                </a:solidFill>
+              </a:endParaRPr>
+            </a:p>
+          </p:txBody>
+        </p:sp>
+        <p:sp>
+          <p:nvSpPr>
+            <p:cNvPr id="21" name="圆角矩形 20"/>
+            <p:cNvSpPr/>
+            <p:nvPr/>
+          </p:nvSpPr>
+          <p:spPr>
+            <a:xfrm>
+              <a:off x="7568" y="3482"/>
+              <a:ext cx="2010" cy="632"/>
+            </a:xfrm>
+            <a:prstGeom prst="roundRect">
+              <a:avLst/>
+            </a:prstGeom>
+            <a:solidFill>
+              <a:srgbClr val="FFCC99"/>
+            </a:solidFill>
+          </p:spPr>
+          <p:style>
+            <a:lnRef idx="2">
+              <a:schemeClr val="accent1">
+                <a:lumMod val="75000"/>
+              </a:schemeClr>
+            </a:lnRef>
+            <a:fillRef idx="1">
+              <a:schemeClr val="accent1"/>
+            </a:fillRef>
+            <a:effectRef idx="0">
+              <a:srgbClr val="FFFFFF"/>
+            </a:effectRef>
+            <a:fontRef idx="minor">
+              <a:schemeClr val="lt1"/>
+            </a:fontRef>
+          </p:style>
+          <p:txBody>
+            <a:bodyPr rtlCol="0" anchor="ctr"/>
+            <a:p>
+              <a:pPr algn="ctr"/>
+              <a:r>
+                <a:rPr lang="zh-CN" altLang="en-US">
+                  <a:solidFill>
+                    <a:schemeClr val="tx1"/>
+                  </a:solidFill>
+                </a:rPr>
+                <a:t>房间数据</a:t>
+              </a:r>
+              <a:endParaRPr lang="zh-CN" altLang="en-US">
+                <a:solidFill>
+                  <a:schemeClr val="tx1"/>
+                </a:solidFill>
+              </a:endParaRPr>
+            </a:p>
+          </p:txBody>
+        </p:sp>
+        <p:sp>
+          <p:nvSpPr>
+            <p:cNvPr id="22" name="圆角矩形 21"/>
+            <p:cNvSpPr/>
+            <p:nvPr/>
+          </p:nvSpPr>
+          <p:spPr>
+            <a:xfrm>
+              <a:off x="10492" y="3482"/>
+              <a:ext cx="2010" cy="632"/>
+            </a:xfrm>
+            <a:prstGeom prst="roundRect">
+              <a:avLst/>
+            </a:prstGeom>
+            <a:solidFill>
+              <a:srgbClr val="FFCC99"/>
+            </a:solidFill>
+          </p:spPr>
+          <p:style>
+            <a:lnRef idx="2">
+              <a:schemeClr val="accent1">
+                <a:lumMod val="75000"/>
+              </a:schemeClr>
+            </a:lnRef>
+            <a:fillRef idx="1">
+              <a:schemeClr val="accent1"/>
+            </a:fillRef>
+            <a:effectRef idx="0">
+              <a:srgbClr val="FFFFFF"/>
+            </a:effectRef>
+            <a:fontRef idx="minor">
+              <a:schemeClr val="lt1"/>
+            </a:fontRef>
+          </p:style>
+          <p:txBody>
+            <a:bodyPr rtlCol="0" anchor="ctr"/>
+            <a:p>
+              <a:pPr algn="ctr"/>
+              <a:r>
+                <a:rPr lang="zh-CN" altLang="en-US">
+                  <a:solidFill>
+                    <a:schemeClr val="tx1"/>
+                  </a:solidFill>
+                </a:rPr>
+                <a:t>聊天数据</a:t>
+              </a:r>
+              <a:endParaRPr lang="zh-CN" altLang="en-US">
+                <a:solidFill>
+                  <a:schemeClr val="tx1"/>
+                </a:solidFill>
+              </a:endParaRPr>
+            </a:p>
+          </p:txBody>
+        </p:sp>
+        <p:sp>
+          <p:nvSpPr>
+            <p:cNvPr id="24" name="圆角矩形 23"/>
+            <p:cNvSpPr/>
+            <p:nvPr/>
+          </p:nvSpPr>
+          <p:spPr>
+            <a:xfrm>
+              <a:off x="13416" y="3442"/>
+              <a:ext cx="2010" cy="632"/>
+            </a:xfrm>
+            <a:prstGeom prst="roundRect">
+              <a:avLst/>
+            </a:prstGeom>
+            <a:solidFill>
+              <a:srgbClr val="FFCC99"/>
+            </a:solidFill>
+          </p:spPr>
+          <p:style>
+            <a:lnRef idx="2">
+              <a:schemeClr val="accent1">
+                <a:lumMod val="75000"/>
+              </a:schemeClr>
+            </a:lnRef>
+            <a:fillRef idx="1">
+              <a:schemeClr val="accent1"/>
+            </a:fillRef>
+            <a:effectRef idx="0">
+              <a:srgbClr val="FFFFFF"/>
+            </a:effectRef>
+            <a:fontRef idx="minor">
+              <a:schemeClr val="lt1"/>
+            </a:fontRef>
+          </p:style>
+          <p:txBody>
+            <a:bodyPr rtlCol="0" anchor="ctr"/>
+            <a:p>
+              <a:pPr algn="ctr"/>
+              <a:r>
+                <a:rPr lang="zh-CN" altLang="en-US">
+                  <a:solidFill>
+                    <a:schemeClr val="tx1"/>
+                  </a:solidFill>
+                </a:rPr>
+                <a:t>游戏数据</a:t>
+              </a:r>
+              <a:endParaRPr lang="zh-CN" altLang="en-US">
+                <a:solidFill>
+                  <a:schemeClr val="tx1"/>
+                </a:solidFill>
+              </a:endParaRPr>
+            </a:p>
+          </p:txBody>
+        </p:sp>
+        <p:sp>
+          <p:nvSpPr>
+            <p:cNvPr id="25" name="下箭头 24"/>
+            <p:cNvSpPr/>
+            <p:nvPr/>
+          </p:nvSpPr>
+          <p:spPr>
+            <a:xfrm>
+              <a:off x="6246" y="4064"/>
+              <a:ext cx="1320" cy="539"/>
+            </a:xfrm>
+            <a:prstGeom prst="downArrow">
+              <a:avLst/>
+            </a:prstGeom>
+            <a:solidFill>
+              <a:srgbClr val="FFFFFF"/>
+            </a:solidFill>
+          </p:spPr>
+          <p:style>
+            <a:lnRef idx="2">
+              <a:schemeClr val="accent1">
+                <a:lumMod val="75000"/>
+              </a:schemeClr>
+            </a:lnRef>
+            <a:fillRef idx="1">
+              <a:schemeClr val="accent1"/>
+            </a:fillRef>
+            <a:effectRef idx="0">
+              <a:srgbClr val="FFFFFF"/>
+            </a:effectRef>
+            <a:fontRef idx="minor">
+              <a:schemeClr val="lt1"/>
+            </a:fontRef>
+          </p:style>
+          <p:txBody>
+            <a:bodyPr rtlCol="0" anchor="ctr"/>
+            <a:p>
+              <a:pPr algn="ctr"/>
+              <a:endParaRPr lang="zh-CN" altLang="en-US"/>
+            </a:p>
+          </p:txBody>
+        </p:sp>
+        <p:sp>
+          <p:nvSpPr>
+            <p:cNvPr id="26" name="下箭头 25"/>
+            <p:cNvSpPr/>
+            <p:nvPr/>
+          </p:nvSpPr>
+          <p:spPr>
+            <a:xfrm rot="10800000">
+              <a:off x="12094" y="4074"/>
+              <a:ext cx="1320" cy="538"/>
+            </a:xfrm>
+            <a:prstGeom prst="downArrow">
+              <a:avLst/>
+            </a:prstGeom>
+            <a:solidFill>
+              <a:srgbClr val="FFFFFF"/>
+            </a:solidFill>
+          </p:spPr>
+          <p:style>
+            <a:lnRef idx="2">
+              <a:schemeClr val="accent1">
+                <a:lumMod val="75000"/>
+              </a:schemeClr>
+            </a:lnRef>
+            <a:fillRef idx="1">
+              <a:schemeClr val="accent1"/>
+            </a:fillRef>
+            <a:effectRef idx="0">
+              <a:srgbClr val="FFFFFF"/>
+            </a:effectRef>
+            <a:fontRef idx="minor">
+              <a:schemeClr val="lt1"/>
+            </a:fontRef>
+          </p:style>
+          <p:txBody>
+            <a:bodyPr rtlCol="0" anchor="ctr"/>
+            <a:p>
+              <a:pPr algn="ctr"/>
+              <a:endParaRPr lang="zh-CN" altLang="en-US"/>
+            </a:p>
+          </p:txBody>
+        </p:sp>
+        <p:sp>
+          <p:nvSpPr>
+            <p:cNvPr id="27" name="圆角矩形 26"/>
+            <p:cNvSpPr/>
+            <p:nvPr/>
+          </p:nvSpPr>
+          <p:spPr>
+            <a:xfrm>
+              <a:off x="2924" y="4671"/>
+              <a:ext cx="1663" cy="840"/>
+            </a:xfrm>
+            <a:prstGeom prst="roundRect">
+              <a:avLst/>
+            </a:prstGeom>
+            <a:solidFill>
+              <a:srgbClr val="99FF99"/>
+            </a:solidFill>
+          </p:spPr>
+          <p:style>
+            <a:lnRef idx="2">
+              <a:schemeClr val="accent1">
+                <a:lumMod val="75000"/>
+              </a:schemeClr>
+            </a:lnRef>
+            <a:fillRef idx="1">
+              <a:schemeClr val="accent1"/>
+            </a:fillRef>
+            <a:effectRef idx="0">
+              <a:srgbClr val="FFFFFF"/>
+            </a:effectRef>
+            <a:fontRef idx="minor">
+              <a:schemeClr val="lt1"/>
+            </a:fontRef>
+          </p:style>
+          <p:txBody>
+            <a:bodyPr rtlCol="0" anchor="ctr"/>
+            <a:p>
+              <a:pPr algn="ctr"/>
+              <a:r>
+                <a:rPr lang="zh-CN" altLang="en-US">
+                  <a:solidFill>
+                    <a:schemeClr val="tx1"/>
+                  </a:solidFill>
+                </a:rPr>
+                <a:t>交互</a:t>
+              </a:r>
+              <a:r>
+                <a:rPr lang="zh-CN" altLang="en-US">
+                  <a:solidFill>
+                    <a:schemeClr val="tx1"/>
+                  </a:solidFill>
+                </a:rPr>
+                <a:t>层</a:t>
+              </a:r>
+              <a:endParaRPr lang="zh-CN" altLang="en-US">
+                <a:solidFill>
+                  <a:schemeClr val="tx1"/>
+                </a:solidFill>
+              </a:endParaRPr>
+            </a:p>
+          </p:txBody>
+        </p:sp>
+        <p:sp>
+          <p:nvSpPr>
+            <p:cNvPr id="28" name="圆角矩形 27"/>
+            <p:cNvSpPr/>
+            <p:nvPr/>
+          </p:nvSpPr>
+          <p:spPr>
+            <a:xfrm>
+              <a:off x="4784" y="4677"/>
+              <a:ext cx="4191" cy="831"/>
+            </a:xfrm>
+            <a:prstGeom prst="roundRect">
+              <a:avLst/>
+            </a:prstGeom>
+            <a:solidFill>
+              <a:srgbClr val="FFCC99"/>
+            </a:solidFill>
+          </p:spPr>
+          <p:style>
+            <a:lnRef idx="2">
+              <a:schemeClr val="accent1">
+                <a:lumMod val="75000"/>
+              </a:schemeClr>
+            </a:lnRef>
+            <a:fillRef idx="1">
+              <a:schemeClr val="accent1"/>
+            </a:fillRef>
+            <a:effectRef idx="0">
+              <a:srgbClr val="FFFFFF"/>
+            </a:effectRef>
+            <a:fontRef idx="minor">
+              <a:schemeClr val="lt1"/>
+            </a:fontRef>
+          </p:style>
+          <p:txBody>
+            <a:bodyPr rtlCol="0" anchor="ctr"/>
+            <a:p>
+              <a:pPr algn="ctr"/>
+              <a:endParaRPr lang="zh-CN" altLang="en-US"/>
+            </a:p>
+          </p:txBody>
+        </p:sp>
+        <p:sp>
+          <p:nvSpPr>
+            <p:cNvPr id="29" name="圆角矩形 28"/>
+            <p:cNvSpPr/>
+            <p:nvPr/>
+          </p:nvSpPr>
+          <p:spPr>
+            <a:xfrm>
+              <a:off x="9171" y="4676"/>
+              <a:ext cx="4244" cy="831"/>
+            </a:xfrm>
+            <a:prstGeom prst="roundRect">
+              <a:avLst/>
+            </a:prstGeom>
+            <a:solidFill>
+              <a:srgbClr val="FFCC99"/>
+            </a:solidFill>
+          </p:spPr>
+          <p:style>
+            <a:lnRef idx="2">
+              <a:schemeClr val="accent1">
+                <a:lumMod val="75000"/>
+              </a:schemeClr>
+            </a:lnRef>
+            <a:fillRef idx="1">
+              <a:schemeClr val="accent1"/>
+            </a:fillRef>
+            <a:effectRef idx="0">
+              <a:srgbClr val="FFFFFF"/>
+            </a:effectRef>
+            <a:fontRef idx="minor">
+              <a:schemeClr val="lt1"/>
+            </a:fontRef>
+          </p:style>
+          <p:txBody>
+            <a:bodyPr rtlCol="0" anchor="ctr"/>
+            <a:p>
+              <a:pPr algn="ctr"/>
+              <a:endParaRPr lang="zh-CN" altLang="en-US"/>
+            </a:p>
+          </p:txBody>
+        </p:sp>
+        <p:sp>
+          <p:nvSpPr>
+            <p:cNvPr id="30" name="文本框 29"/>
+            <p:cNvSpPr txBox="1"/>
+            <p:nvPr/>
+          </p:nvSpPr>
+          <p:spPr>
+            <a:xfrm>
+              <a:off x="9299" y="4844"/>
+              <a:ext cx="1687" cy="580"/>
+            </a:xfrm>
+            <a:prstGeom prst="rect">
+              <a:avLst/>
+            </a:prstGeom>
+            <a:noFill/>
+          </p:spPr>
+          <p:txBody>
+            <a:bodyPr wrap="square" rtlCol="0">
+              <a:spAutoFit/>
+            </a:bodyPr>
+            <a:p>
+              <a:r>
+                <a:rPr lang="en-US" altLang="zh-CN"/>
+                <a:t>Ajax</a:t>
+              </a:r>
+              <a:r>
+                <a:rPr lang="zh-CN" altLang="en-US"/>
+                <a:t>交互</a:t>
+              </a:r>
+              <a:endParaRPr lang="zh-CN" altLang="en-US"/>
+            </a:p>
+          </p:txBody>
+        </p:sp>
+        <p:sp>
+          <p:nvSpPr>
+            <p:cNvPr id="31" name="圆角矩形 30"/>
+            <p:cNvSpPr/>
+            <p:nvPr/>
+          </p:nvSpPr>
+          <p:spPr>
+            <a:xfrm>
+              <a:off x="4969" y="4811"/>
+              <a:ext cx="1065" cy="640"/>
+            </a:xfrm>
+            <a:prstGeom prst="roundRect">
+              <a:avLst/>
+            </a:prstGeom>
+            <a:solidFill>
+              <a:srgbClr val="FFFFFF"/>
+            </a:solidFill>
+          </p:spPr>
+          <p:style>
+            <a:lnRef idx="2">
+              <a:schemeClr val="accent1">
+                <a:lumMod val="75000"/>
+              </a:schemeClr>
+            </a:lnRef>
+            <a:fillRef idx="1">
+              <a:schemeClr val="accent1"/>
+            </a:fillRef>
+            <a:effectRef idx="0">
+              <a:srgbClr val="FFFFFF"/>
+            </a:effectRef>
+            <a:fontRef idx="minor">
+              <a:schemeClr val="lt1"/>
+            </a:fontRef>
+          </p:style>
+          <p:txBody>
+            <a:bodyPr rtlCol="0" anchor="ctr"/>
+            <a:p>
+              <a:pPr algn="ctr"/>
+              <a:r>
+                <a:rPr lang="en-US" altLang="zh-CN">
+                  <a:solidFill>
+                    <a:schemeClr val="tx1"/>
+                  </a:solidFill>
+                </a:rPr>
+                <a:t>vue</a:t>
+              </a:r>
+              <a:endParaRPr lang="en-US" altLang="zh-CN">
+                <a:solidFill>
+                  <a:schemeClr val="tx1"/>
+                </a:solidFill>
+              </a:endParaRPr>
+            </a:p>
+          </p:txBody>
+        </p:sp>
+        <p:sp>
+          <p:nvSpPr>
+            <p:cNvPr id="32" name="圆角矩形 31"/>
+            <p:cNvSpPr/>
+            <p:nvPr/>
+          </p:nvSpPr>
+          <p:spPr>
+            <a:xfrm>
+              <a:off x="6416" y="4811"/>
+              <a:ext cx="2345" cy="640"/>
+            </a:xfrm>
+            <a:prstGeom prst="roundRect">
+              <a:avLst/>
+            </a:prstGeom>
+            <a:solidFill>
+              <a:srgbClr val="FFFFFF"/>
+            </a:solidFill>
+          </p:spPr>
+          <p:style>
+            <a:lnRef idx="2">
+              <a:schemeClr val="accent1">
+                <a:lumMod val="75000"/>
+              </a:schemeClr>
+            </a:lnRef>
+            <a:fillRef idx="1">
+              <a:schemeClr val="accent1"/>
+            </a:fillRef>
+            <a:effectRef idx="0">
+              <a:srgbClr val="FFFFFF"/>
+            </a:effectRef>
+            <a:fontRef idx="minor">
+              <a:schemeClr val="lt1"/>
+            </a:fontRef>
+          </p:style>
+          <p:txBody>
+            <a:bodyPr rtlCol="0" anchor="ctr"/>
+            <a:p>
+              <a:pPr algn="ctr"/>
+              <a:r>
+                <a:rPr lang="en-US" altLang="zh-CN">
+                  <a:solidFill>
+                    <a:schemeClr val="tx1"/>
+                  </a:solidFill>
+                </a:rPr>
+                <a:t>vue-</a:t>
+              </a:r>
+              <a:r>
+                <a:rPr lang="en-US" altLang="zh-CN">
+                  <a:solidFill>
+                    <a:schemeClr val="tx1"/>
+                  </a:solidFill>
+                </a:rPr>
+                <a:t>router</a:t>
+              </a:r>
+              <a:endParaRPr lang="en-US" altLang="zh-CN">
+                <a:solidFill>
+                  <a:schemeClr val="tx1"/>
+                </a:solidFill>
+              </a:endParaRPr>
+            </a:p>
+          </p:txBody>
+        </p:sp>
+        <p:sp>
+          <p:nvSpPr>
+            <p:cNvPr id="33" name="圆角矩形 32"/>
+            <p:cNvSpPr/>
+            <p:nvPr/>
+          </p:nvSpPr>
+          <p:spPr>
+            <a:xfrm>
+              <a:off x="11113" y="4779"/>
+              <a:ext cx="980" cy="640"/>
+            </a:xfrm>
+            <a:prstGeom prst="roundRect">
+              <a:avLst/>
+            </a:prstGeom>
+            <a:solidFill>
+              <a:srgbClr val="FFFFFF"/>
+            </a:solidFill>
+          </p:spPr>
+          <p:style>
+            <a:lnRef idx="2">
+              <a:schemeClr val="accent1">
+                <a:lumMod val="75000"/>
+              </a:schemeClr>
+            </a:lnRef>
+            <a:fillRef idx="1">
+              <a:schemeClr val="accent1"/>
+            </a:fillRef>
+            <a:effectRef idx="0">
+              <a:srgbClr val="FFFFFF"/>
+            </a:effectRef>
+            <a:fontRef idx="minor">
+              <a:schemeClr val="lt1"/>
+            </a:fontRef>
+          </p:style>
+          <p:txBody>
+            <a:bodyPr rtlCol="0" anchor="ctr"/>
+            <a:p>
+              <a:pPr algn="ctr"/>
+              <a:r>
+                <a:rPr lang="en-US" altLang="zh-CN">
+                  <a:solidFill>
+                    <a:schemeClr val="tx1"/>
+                  </a:solidFill>
+                </a:rPr>
+                <a:t>get</a:t>
+              </a:r>
+              <a:endParaRPr lang="en-US" altLang="zh-CN">
+                <a:solidFill>
+                  <a:schemeClr val="tx1"/>
+                </a:solidFill>
+              </a:endParaRPr>
+            </a:p>
+          </p:txBody>
+        </p:sp>
+        <p:sp>
+          <p:nvSpPr>
+            <p:cNvPr id="34" name="圆角矩形 33"/>
+            <p:cNvSpPr/>
+            <p:nvPr/>
+          </p:nvSpPr>
+          <p:spPr>
+            <a:xfrm>
+              <a:off x="12220" y="4779"/>
+              <a:ext cx="1053" cy="640"/>
+            </a:xfrm>
+            <a:prstGeom prst="roundRect">
+              <a:avLst/>
+            </a:prstGeom>
+            <a:solidFill>
+              <a:srgbClr val="FFFFFF"/>
+            </a:solidFill>
+          </p:spPr>
+          <p:style>
+            <a:lnRef idx="2">
+              <a:schemeClr val="accent1">
+                <a:lumMod val="75000"/>
+              </a:schemeClr>
+            </a:lnRef>
+            <a:fillRef idx="1">
+              <a:schemeClr val="accent1"/>
+            </a:fillRef>
+            <a:effectRef idx="0">
+              <a:srgbClr val="FFFFFF"/>
+            </a:effectRef>
+            <a:fontRef idx="minor">
+              <a:schemeClr val="lt1"/>
+            </a:fontRef>
+          </p:style>
+          <p:txBody>
+            <a:bodyPr rtlCol="0" anchor="ctr"/>
+            <a:p>
+              <a:pPr algn="ctr"/>
+              <a:r>
+                <a:rPr lang="en-US" altLang="zh-CN">
+                  <a:solidFill>
+                    <a:schemeClr val="tx1"/>
+                  </a:solidFill>
+                </a:rPr>
+                <a:t>post</a:t>
+              </a:r>
+              <a:endParaRPr lang="en-US" altLang="zh-CN">
+                <a:solidFill>
+                  <a:schemeClr val="tx1"/>
+                </a:solidFill>
+              </a:endParaRPr>
+            </a:p>
+          </p:txBody>
+        </p:sp>
+        <p:sp>
+          <p:nvSpPr>
+            <p:cNvPr id="3" name="下箭头 2"/>
+            <p:cNvSpPr/>
+            <p:nvPr/>
+          </p:nvSpPr>
+          <p:spPr>
+            <a:xfrm>
+              <a:off x="6248" y="2889"/>
+              <a:ext cx="1320" cy="480"/>
+            </a:xfrm>
+            <a:prstGeom prst="downArrow">
+              <a:avLst/>
+            </a:prstGeom>
+            <a:solidFill>
+              <a:srgbClr val="FFFFFF"/>
+            </a:solidFill>
+          </p:spPr>
+          <p:style>
+            <a:lnRef idx="2">
+              <a:schemeClr val="accent1">
+                <a:lumMod val="75000"/>
+              </a:schemeClr>
+            </a:lnRef>
+            <a:fillRef idx="1">
+              <a:schemeClr val="accent1"/>
+            </a:fillRef>
+            <a:effectRef idx="0">
+              <a:srgbClr val="FFFFFF"/>
+            </a:effectRef>
+            <a:fontRef idx="minor">
+              <a:schemeClr val="lt1"/>
+            </a:fontRef>
+          </p:style>
+          <p:txBody>
+            <a:bodyPr rtlCol="0" anchor="ctr"/>
+            <a:p>
+              <a:pPr algn="ctr"/>
+              <a:endParaRPr lang="zh-CN" altLang="en-US"/>
+            </a:p>
+          </p:txBody>
+        </p:sp>
+        <p:sp>
+          <p:nvSpPr>
+            <p:cNvPr id="13" name="下箭头 12"/>
+            <p:cNvSpPr/>
+            <p:nvPr/>
+          </p:nvSpPr>
+          <p:spPr>
+            <a:xfrm rot="10800000">
+              <a:off x="12096" y="2840"/>
+              <a:ext cx="1320" cy="529"/>
+            </a:xfrm>
+            <a:prstGeom prst="downArrow">
+              <a:avLst/>
+            </a:prstGeom>
+            <a:solidFill>
+              <a:srgbClr val="FFFFFF"/>
+            </a:solidFill>
+          </p:spPr>
+          <p:style>
+            <a:lnRef idx="2">
+              <a:schemeClr val="accent1">
+                <a:lumMod val="75000"/>
+              </a:schemeClr>
+            </a:lnRef>
+            <a:fillRef idx="1">
+              <a:schemeClr val="accent1"/>
+            </a:fillRef>
+            <a:effectRef idx="0">
+              <a:srgbClr val="FFFFFF"/>
+            </a:effectRef>
+            <a:fontRef idx="minor">
+              <a:schemeClr val="lt1"/>
+            </a:fontRef>
+          </p:style>
+          <p:txBody>
+            <a:bodyPr rtlCol="0" anchor="ctr"/>
+            <a:p>
+              <a:pPr algn="ctr"/>
+              <a:endParaRPr lang="zh-CN" altLang="en-US"/>
+            </a:p>
+          </p:txBody>
+        </p:sp>
+        <p:sp>
+          <p:nvSpPr>
+            <p:cNvPr id="18" name="圆角矩形 17"/>
+            <p:cNvSpPr/>
+            <p:nvPr/>
+          </p:nvSpPr>
+          <p:spPr>
+            <a:xfrm>
+              <a:off x="2918" y="5845"/>
+              <a:ext cx="1663" cy="840"/>
+            </a:xfrm>
+            <a:prstGeom prst="roundRect">
+              <a:avLst/>
+            </a:prstGeom>
+            <a:solidFill>
+              <a:srgbClr val="99FF99"/>
+            </a:solidFill>
+          </p:spPr>
+          <p:style>
+            <a:lnRef idx="2">
+              <a:schemeClr val="accent1">
+                <a:lumMod val="75000"/>
+              </a:schemeClr>
+            </a:lnRef>
+            <a:fillRef idx="1">
+              <a:schemeClr val="accent1"/>
+            </a:fillRef>
+            <a:effectRef idx="0">
+              <a:srgbClr val="FFFFFF"/>
+            </a:effectRef>
+            <a:fontRef idx="minor">
+              <a:schemeClr val="lt1"/>
+            </a:fontRef>
+          </p:style>
+          <p:txBody>
+            <a:bodyPr rtlCol="0" anchor="ctr"/>
+            <a:p>
+              <a:pPr algn="ctr"/>
+              <a:r>
+                <a:rPr lang="zh-CN" altLang="en-US">
+                  <a:solidFill>
+                    <a:schemeClr val="tx1"/>
+                  </a:solidFill>
+                </a:rPr>
+                <a:t>控制层</a:t>
+              </a:r>
+              <a:endParaRPr lang="zh-CN" altLang="en-US">
+                <a:solidFill>
+                  <a:schemeClr val="tx1"/>
+                </a:solidFill>
+              </a:endParaRPr>
+            </a:p>
+          </p:txBody>
+        </p:sp>
+        <p:cxnSp>
+          <p:nvCxnSpPr>
+            <p:cNvPr id="19" name="直接连接符 18"/>
+            <p:cNvCxnSpPr/>
+            <p:nvPr/>
+          </p:nvCxnSpPr>
+          <p:spPr>
+            <a:xfrm>
+              <a:off x="2862" y="5693"/>
+              <a:ext cx="12479" cy="30"/>
+            </a:xfrm>
+            <a:prstGeom prst="line">
+              <a:avLst/>
+            </a:prstGeom>
+            <a:ln w="12700" cap="flat" cmpd="sng" algn="ctr">
+              <a:solidFill>
+                <a:schemeClr val="accent1"/>
+              </a:solidFill>
+              <a:prstDash val="dash"/>
+              <a:miter lim="800000"/>
+            </a:ln>
+          </p:spPr>
+          <p:style>
+            <a:lnRef idx="0">
+              <a:schemeClr val="accent1"/>
+            </a:lnRef>
+            <a:fillRef idx="0">
+              <a:srgbClr val="FFFFFF"/>
+            </a:fillRef>
+            <a:effectRef idx="0">
+              <a:srgbClr val="FFFFFF"/>
+            </a:effectRef>
+            <a:fontRef idx="minor">
+              <a:schemeClr val="tx1"/>
+            </a:fontRef>
+          </p:style>
+        </p:cxnSp>
+        <p:sp>
+          <p:nvSpPr>
+            <p:cNvPr id="37" name="圆角矩形 36"/>
+            <p:cNvSpPr/>
+            <p:nvPr/>
+          </p:nvSpPr>
+          <p:spPr>
+            <a:xfrm>
+              <a:off x="4785" y="5933"/>
+              <a:ext cx="2010" cy="632"/>
+            </a:xfrm>
+            <a:prstGeom prst="roundRect">
+              <a:avLst/>
+            </a:prstGeom>
+            <a:solidFill>
+              <a:schemeClr val="bg1"/>
+            </a:solidFill>
+          </p:spPr>
+          <p:style>
+            <a:lnRef idx="2">
+              <a:schemeClr val="accent1">
+                <a:lumMod val="75000"/>
+              </a:schemeClr>
+            </a:lnRef>
+            <a:fillRef idx="1">
+              <a:schemeClr val="accent1"/>
+            </a:fillRef>
+            <a:effectRef idx="0">
+              <a:srgbClr val="FFFFFF"/>
+            </a:effectRef>
+            <a:fontRef idx="minor">
+              <a:schemeClr val="lt1"/>
+            </a:fontRef>
+          </p:style>
+          <p:txBody>
+            <a:bodyPr rtlCol="0" anchor="ctr"/>
+            <a:p>
+              <a:pPr algn="ctr"/>
+              <a:r>
+                <a:rPr lang="zh-CN" altLang="en-US">
+                  <a:solidFill>
+                    <a:schemeClr val="tx1"/>
+                  </a:solidFill>
+                </a:rPr>
+                <a:t>用户</a:t>
+              </a:r>
+              <a:r>
+                <a:rPr lang="zh-CN" altLang="en-US">
+                  <a:solidFill>
+                    <a:schemeClr val="tx1"/>
+                  </a:solidFill>
+                </a:rPr>
+                <a:t>控制</a:t>
+              </a:r>
+              <a:endParaRPr lang="zh-CN" altLang="en-US">
+                <a:solidFill>
+                  <a:schemeClr val="tx1"/>
+                </a:solidFill>
+              </a:endParaRPr>
+            </a:p>
+          </p:txBody>
+        </p:sp>
+        <p:sp>
+          <p:nvSpPr>
+            <p:cNvPr id="38" name="圆角矩形 37"/>
+            <p:cNvSpPr/>
+            <p:nvPr/>
+          </p:nvSpPr>
+          <p:spPr>
+            <a:xfrm>
+              <a:off x="6924" y="5930"/>
+              <a:ext cx="2010" cy="632"/>
+            </a:xfrm>
+            <a:prstGeom prst="roundRect">
+              <a:avLst/>
+            </a:prstGeom>
+            <a:solidFill>
+              <a:schemeClr val="bg1"/>
+            </a:solidFill>
+          </p:spPr>
+          <p:style>
+            <a:lnRef idx="2">
+              <a:schemeClr val="accent1">
+                <a:lumMod val="75000"/>
+              </a:schemeClr>
+            </a:lnRef>
+            <a:fillRef idx="1">
+              <a:schemeClr val="accent1"/>
+            </a:fillRef>
+            <a:effectRef idx="0">
+              <a:srgbClr val="FFFFFF"/>
+            </a:effectRef>
+            <a:fontRef idx="minor">
+              <a:schemeClr val="lt1"/>
+            </a:fontRef>
+          </p:style>
+          <p:txBody>
+            <a:bodyPr rtlCol="0" anchor="ctr"/>
+            <a:p>
+              <a:pPr algn="ctr"/>
+              <a:r>
+                <a:rPr lang="zh-CN" altLang="en-US">
+                  <a:solidFill>
+                    <a:schemeClr val="tx1"/>
+                  </a:solidFill>
+                </a:rPr>
+                <a:t>房间</a:t>
+              </a:r>
+              <a:r>
+                <a:rPr lang="zh-CN" altLang="en-US">
+                  <a:solidFill>
+                    <a:schemeClr val="tx1"/>
+                  </a:solidFill>
+                </a:rPr>
+                <a:t>控制</a:t>
+              </a:r>
+              <a:endParaRPr lang="zh-CN" altLang="en-US">
+                <a:solidFill>
+                  <a:schemeClr val="tx1"/>
+                </a:solidFill>
+              </a:endParaRPr>
+            </a:p>
+          </p:txBody>
+        </p:sp>
+        <p:sp>
+          <p:nvSpPr>
+            <p:cNvPr id="39" name="圆角矩形 38"/>
+            <p:cNvSpPr/>
+            <p:nvPr/>
+          </p:nvSpPr>
+          <p:spPr>
+            <a:xfrm>
+              <a:off x="9171" y="5933"/>
+              <a:ext cx="2010" cy="632"/>
+            </a:xfrm>
+            <a:prstGeom prst="roundRect">
+              <a:avLst/>
+            </a:prstGeom>
+            <a:solidFill>
+              <a:schemeClr val="bg1"/>
+            </a:solidFill>
+          </p:spPr>
+          <p:style>
+            <a:lnRef idx="2">
+              <a:schemeClr val="accent1">
+                <a:lumMod val="75000"/>
+              </a:schemeClr>
+            </a:lnRef>
+            <a:fillRef idx="1">
+              <a:schemeClr val="accent1"/>
+            </a:fillRef>
+            <a:effectRef idx="0">
+              <a:srgbClr val="FFFFFF"/>
+            </a:effectRef>
+            <a:fontRef idx="minor">
+              <a:schemeClr val="lt1"/>
+            </a:fontRef>
+          </p:style>
+          <p:txBody>
+            <a:bodyPr rtlCol="0" anchor="ctr"/>
+            <a:p>
+              <a:pPr algn="ctr"/>
+              <a:r>
+                <a:rPr lang="zh-CN" altLang="en-US">
+                  <a:solidFill>
+                    <a:schemeClr val="tx1"/>
+                  </a:solidFill>
+                </a:rPr>
+                <a:t>消息</a:t>
+              </a:r>
+              <a:r>
+                <a:rPr lang="zh-CN" altLang="en-US">
+                  <a:solidFill>
+                    <a:schemeClr val="tx1"/>
+                  </a:solidFill>
+                </a:rPr>
+                <a:t>控制</a:t>
+              </a:r>
+              <a:endParaRPr lang="zh-CN" altLang="en-US">
+                <a:solidFill>
+                  <a:schemeClr val="tx1"/>
+                </a:solidFill>
+              </a:endParaRPr>
+            </a:p>
+          </p:txBody>
+        </p:sp>
+        <p:sp>
+          <p:nvSpPr>
+            <p:cNvPr id="40" name="圆角矩形 39"/>
+            <p:cNvSpPr/>
+            <p:nvPr/>
+          </p:nvSpPr>
+          <p:spPr>
+            <a:xfrm>
+              <a:off x="11418" y="5933"/>
+              <a:ext cx="2010" cy="632"/>
+            </a:xfrm>
+            <a:prstGeom prst="roundRect">
+              <a:avLst/>
+            </a:prstGeom>
+            <a:solidFill>
+              <a:schemeClr val="bg1"/>
+            </a:solidFill>
+          </p:spPr>
+          <p:style>
+            <a:lnRef idx="2">
+              <a:schemeClr val="accent1">
+                <a:lumMod val="75000"/>
+              </a:schemeClr>
+            </a:lnRef>
+            <a:fillRef idx="1">
+              <a:schemeClr val="accent1"/>
+            </a:fillRef>
+            <a:effectRef idx="0">
+              <a:srgbClr val="FFFFFF"/>
+            </a:effectRef>
+            <a:fontRef idx="minor">
+              <a:schemeClr val="lt1"/>
+            </a:fontRef>
+          </p:style>
+          <p:txBody>
+            <a:bodyPr rtlCol="0" anchor="ctr"/>
+            <a:p>
+              <a:pPr algn="ctr"/>
+              <a:r>
+                <a:rPr lang="zh-CN" altLang="en-US">
+                  <a:solidFill>
+                    <a:schemeClr val="tx1"/>
+                  </a:solidFill>
+                </a:rPr>
+                <a:t>游戏</a:t>
+              </a:r>
+              <a:r>
+                <a:rPr lang="zh-CN" altLang="en-US">
+                  <a:solidFill>
+                    <a:schemeClr val="tx1"/>
+                  </a:solidFill>
+                </a:rPr>
+                <a:t>控制</a:t>
+              </a:r>
+              <a:endParaRPr lang="zh-CN" altLang="en-US">
+                <a:solidFill>
+                  <a:schemeClr val="tx1"/>
+                </a:solidFill>
+              </a:endParaRPr>
+            </a:p>
+          </p:txBody>
+        </p:sp>
+        <p:sp>
+          <p:nvSpPr>
+            <p:cNvPr id="41" name="圆角矩形 40"/>
+            <p:cNvSpPr/>
+            <p:nvPr/>
+          </p:nvSpPr>
+          <p:spPr>
+            <a:xfrm>
+              <a:off x="14260" y="4671"/>
+              <a:ext cx="958" cy="1965"/>
+            </a:xfrm>
+            <a:prstGeom prst="roundRect">
+              <a:avLst/>
+            </a:prstGeom>
+            <a:solidFill>
+              <a:srgbClr val="CCFF99"/>
+            </a:solidFill>
+          </p:spPr>
+          <p:style>
+            <a:lnRef idx="2">
+              <a:schemeClr val="accent1">
+                <a:lumMod val="75000"/>
+              </a:schemeClr>
+            </a:lnRef>
+            <a:fillRef idx="1">
+              <a:schemeClr val="accent1"/>
+            </a:fillRef>
+            <a:effectRef idx="0">
+              <a:srgbClr val="FFFFFF"/>
+            </a:effectRef>
+            <a:fontRef idx="minor">
+              <a:schemeClr val="lt1"/>
+            </a:fontRef>
+          </p:style>
+          <p:txBody>
+            <a:bodyPr rtlCol="0" anchor="ctr"/>
+            <a:p>
+              <a:pPr algn="ctr"/>
+              <a:r>
+                <a:rPr lang="zh-CN" altLang="en-US">
+                  <a:solidFill>
+                    <a:schemeClr val="tx1"/>
+                  </a:solidFill>
+                </a:rPr>
+                <a:t>访</a:t>
+              </a:r>
+              <a:endParaRPr lang="zh-CN" altLang="en-US">
+                <a:solidFill>
+                  <a:schemeClr val="tx1"/>
+                </a:solidFill>
+              </a:endParaRPr>
+            </a:p>
+            <a:p>
+              <a:pPr algn="ctr"/>
+              <a:r>
+                <a:rPr lang="zh-CN" altLang="en-US">
+                  <a:solidFill>
+                    <a:schemeClr val="tx1"/>
+                  </a:solidFill>
+                </a:rPr>
+                <a:t>问</a:t>
+              </a:r>
+              <a:endParaRPr lang="zh-CN" altLang="en-US">
+                <a:solidFill>
+                  <a:schemeClr val="tx1"/>
+                </a:solidFill>
+              </a:endParaRPr>
+            </a:p>
+            <a:p>
+              <a:pPr algn="ctr"/>
+              <a:r>
+                <a:rPr lang="zh-CN" altLang="en-US">
+                  <a:solidFill>
+                    <a:schemeClr val="tx1"/>
+                  </a:solidFill>
+                </a:rPr>
+                <a:t>权</a:t>
+              </a:r>
+              <a:endParaRPr lang="zh-CN" altLang="en-US">
+                <a:solidFill>
+                  <a:schemeClr val="tx1"/>
+                </a:solidFill>
+              </a:endParaRPr>
+            </a:p>
+            <a:p>
+              <a:pPr algn="ctr"/>
+              <a:r>
+                <a:rPr lang="zh-CN" altLang="en-US">
+                  <a:solidFill>
+                    <a:schemeClr val="tx1"/>
+                  </a:solidFill>
+                </a:rPr>
+                <a:t>限</a:t>
+              </a:r>
+              <a:endParaRPr lang="zh-CN" altLang="en-US">
+                <a:solidFill>
+                  <a:schemeClr val="tx1"/>
+                </a:solidFill>
+              </a:endParaRPr>
+            </a:p>
+          </p:txBody>
+        </p:sp>
+        <p:sp>
+          <p:nvSpPr>
+            <p:cNvPr id="42" name="圆角矩形 41"/>
+            <p:cNvSpPr/>
+            <p:nvPr/>
+          </p:nvSpPr>
+          <p:spPr>
+            <a:xfrm>
+              <a:off x="15699" y="3443"/>
+              <a:ext cx="1026" cy="3119"/>
+            </a:xfrm>
+            <a:prstGeom prst="roundRect">
+              <a:avLst/>
+            </a:prstGeom>
+            <a:solidFill>
+              <a:srgbClr val="FFFF99"/>
+            </a:solidFill>
+          </p:spPr>
+          <p:style>
+            <a:lnRef idx="2">
+              <a:schemeClr val="accent1">
+                <a:lumMod val="75000"/>
+              </a:schemeClr>
+            </a:lnRef>
+            <a:fillRef idx="1">
+              <a:schemeClr val="accent1"/>
+            </a:fillRef>
+            <a:effectRef idx="0">
+              <a:srgbClr val="FFFFFF"/>
+            </a:effectRef>
+            <a:fontRef idx="minor">
+              <a:schemeClr val="lt1"/>
+            </a:fontRef>
+          </p:style>
+          <p:txBody>
+            <a:bodyPr rtlCol="0" anchor="ctr"/>
+            <a:p>
+              <a:pPr algn="ctr"/>
+              <a:r>
+                <a:rPr lang="zh-CN" altLang="en-US">
+                  <a:solidFill>
+                    <a:schemeClr val="tx1"/>
+                  </a:solidFill>
+                </a:rPr>
+                <a:t>消</a:t>
+              </a:r>
+              <a:endParaRPr lang="zh-CN" altLang="en-US">
+                <a:solidFill>
+                  <a:schemeClr val="tx1"/>
+                </a:solidFill>
+              </a:endParaRPr>
+            </a:p>
+            <a:p>
+              <a:pPr algn="ctr"/>
+              <a:r>
+                <a:rPr lang="zh-CN" altLang="en-US">
+                  <a:solidFill>
+                    <a:schemeClr val="tx1"/>
+                  </a:solidFill>
+                </a:rPr>
+                <a:t>息</a:t>
+              </a:r>
+              <a:endParaRPr lang="zh-CN" altLang="en-US">
+                <a:solidFill>
+                  <a:schemeClr val="tx1"/>
+                </a:solidFill>
+              </a:endParaRPr>
+            </a:p>
+            <a:p>
+              <a:pPr algn="ctr"/>
+              <a:r>
+                <a:rPr lang="zh-CN" altLang="en-US">
+                  <a:solidFill>
+                    <a:schemeClr val="tx1"/>
+                  </a:solidFill>
+                </a:rPr>
+                <a:t>系</a:t>
+              </a:r>
+              <a:endParaRPr lang="zh-CN" altLang="en-US">
+                <a:solidFill>
+                  <a:schemeClr val="tx1"/>
+                </a:solidFill>
+              </a:endParaRPr>
+            </a:p>
+            <a:p>
+              <a:pPr algn="ctr"/>
+              <a:r>
+                <a:rPr lang="zh-CN" altLang="en-US">
+                  <a:solidFill>
+                    <a:schemeClr val="tx1"/>
+                  </a:solidFill>
+                </a:rPr>
+                <a:t>统</a:t>
+              </a:r>
+              <a:endParaRPr lang="zh-CN" altLang="en-US">
+                <a:solidFill>
+                  <a:schemeClr val="tx1"/>
+                </a:solidFill>
+              </a:endParaRPr>
+            </a:p>
+          </p:txBody>
+        </p:sp>
+        <p:sp>
+          <p:nvSpPr>
+            <p:cNvPr id="43" name="下箭头 42"/>
+            <p:cNvSpPr/>
+            <p:nvPr/>
+          </p:nvSpPr>
+          <p:spPr>
+            <a:xfrm>
+              <a:off x="6219" y="5481"/>
+              <a:ext cx="1320" cy="420"/>
+            </a:xfrm>
+            <a:prstGeom prst="downArrow">
+              <a:avLst/>
+            </a:prstGeom>
+            <a:solidFill>
+              <a:srgbClr val="FFFFFF"/>
+            </a:solidFill>
+          </p:spPr>
+          <p:style>
+            <a:lnRef idx="2">
+              <a:schemeClr val="accent1">
+                <a:lumMod val="75000"/>
+              </a:schemeClr>
+            </a:lnRef>
+            <a:fillRef idx="1">
+              <a:schemeClr val="accent1"/>
+            </a:fillRef>
+            <a:effectRef idx="0">
+              <a:srgbClr val="FFFFFF"/>
+            </a:effectRef>
+            <a:fontRef idx="minor">
+              <a:schemeClr val="lt1"/>
+            </a:fontRef>
+          </p:style>
+          <p:txBody>
+            <a:bodyPr rtlCol="0" anchor="ctr"/>
+            <a:p>
+              <a:pPr algn="ctr"/>
+              <a:endParaRPr lang="zh-CN" altLang="en-US"/>
+            </a:p>
+          </p:txBody>
+        </p:sp>
+        <p:sp>
+          <p:nvSpPr>
+            <p:cNvPr id="44" name="下箭头 43"/>
+            <p:cNvSpPr/>
+            <p:nvPr/>
+          </p:nvSpPr>
+          <p:spPr>
+            <a:xfrm rot="10800000">
+              <a:off x="12067" y="5514"/>
+              <a:ext cx="1320" cy="389"/>
+            </a:xfrm>
+            <a:prstGeom prst="downArrow">
+              <a:avLst/>
+            </a:prstGeom>
+            <a:solidFill>
+              <a:srgbClr val="FFFFFF"/>
+            </a:solidFill>
+          </p:spPr>
+          <p:style>
+            <a:lnRef idx="2">
+              <a:schemeClr val="accent1">
+                <a:lumMod val="75000"/>
+              </a:schemeClr>
+            </a:lnRef>
+            <a:fillRef idx="1">
+              <a:schemeClr val="accent1"/>
+            </a:fillRef>
+            <a:effectRef idx="0">
+              <a:srgbClr val="FFFFFF"/>
+            </a:effectRef>
+            <a:fontRef idx="minor">
+              <a:schemeClr val="lt1"/>
+            </a:fontRef>
+          </p:style>
+          <p:txBody>
+            <a:bodyPr rtlCol="0" anchor="ctr"/>
+            <a:p>
+              <a:pPr algn="ctr"/>
+              <a:endParaRPr lang="zh-CN" altLang="en-US"/>
+            </a:p>
+          </p:txBody>
+        </p:sp>
+        <p:sp>
+          <p:nvSpPr>
+            <p:cNvPr id="48" name="圆角矩形 47"/>
+            <p:cNvSpPr/>
+            <p:nvPr/>
+          </p:nvSpPr>
+          <p:spPr>
+            <a:xfrm>
+              <a:off x="2918" y="7172"/>
+              <a:ext cx="1663" cy="1109"/>
+            </a:xfrm>
+            <a:prstGeom prst="roundRect">
+              <a:avLst/>
+            </a:prstGeom>
+            <a:solidFill>
+              <a:srgbClr val="99FF99"/>
+            </a:solidFill>
+          </p:spPr>
+          <p:style>
+            <a:lnRef idx="2">
+              <a:schemeClr val="accent1">
+                <a:lumMod val="75000"/>
+              </a:schemeClr>
+            </a:lnRef>
+            <a:fillRef idx="1">
+              <a:schemeClr val="accent1"/>
+            </a:fillRef>
+            <a:effectRef idx="0">
+              <a:srgbClr val="FFFFFF"/>
+            </a:effectRef>
+            <a:fontRef idx="minor">
+              <a:schemeClr val="lt1"/>
+            </a:fontRef>
+          </p:style>
+          <p:txBody>
+            <a:bodyPr rtlCol="0" anchor="ctr"/>
+            <a:p>
+              <a:pPr algn="ctr"/>
+              <a:r>
+                <a:rPr lang="zh-CN" altLang="en-US">
+                  <a:solidFill>
+                    <a:schemeClr val="tx1"/>
+                  </a:solidFill>
+                </a:rPr>
+                <a:t>数据与</a:t>
+              </a:r>
+              <a:r>
+                <a:rPr lang="zh-CN" altLang="en-US">
+                  <a:solidFill>
+                    <a:schemeClr val="tx1"/>
+                  </a:solidFill>
+                </a:rPr>
+                <a:t>服务</a:t>
+              </a:r>
+              <a:endParaRPr lang="zh-CN" altLang="en-US">
+                <a:solidFill>
+                  <a:schemeClr val="tx1"/>
+                </a:solidFill>
+              </a:endParaRPr>
+            </a:p>
+          </p:txBody>
+        </p:sp>
+        <p:sp>
+          <p:nvSpPr>
+            <p:cNvPr id="49" name="圆角矩形 48"/>
+            <p:cNvSpPr/>
+            <p:nvPr/>
+          </p:nvSpPr>
+          <p:spPr>
+            <a:xfrm>
+              <a:off x="4721" y="7172"/>
+              <a:ext cx="13186" cy="1111"/>
+            </a:xfrm>
+            <a:prstGeom prst="roundRect">
+              <a:avLst/>
+            </a:prstGeom>
+            <a:solidFill>
+              <a:srgbClr val="99FF99"/>
+            </a:solidFill>
+          </p:spPr>
+          <p:style>
+            <a:lnRef idx="2">
+              <a:schemeClr val="accent1">
+                <a:lumMod val="75000"/>
+              </a:schemeClr>
+            </a:lnRef>
+            <a:fillRef idx="1">
+              <a:schemeClr val="accent1"/>
+            </a:fillRef>
+            <a:effectRef idx="0">
+              <a:srgbClr val="FFFFFF"/>
+            </a:effectRef>
+            <a:fontRef idx="minor">
+              <a:schemeClr val="lt1"/>
+            </a:fontRef>
+          </p:style>
+          <p:txBody>
+            <a:bodyPr rtlCol="0" anchor="ctr"/>
+            <a:p>
+              <a:pPr algn="ctr"/>
+              <a:endParaRPr lang="zh-CN" altLang="en-US">
+                <a:solidFill>
+                  <a:schemeClr val="tx1"/>
+                </a:solidFill>
+              </a:endParaRPr>
+            </a:p>
+          </p:txBody>
+        </p:sp>
+        <p:sp>
+          <p:nvSpPr>
+            <p:cNvPr id="50" name="圆角矩形 49"/>
+            <p:cNvSpPr/>
+            <p:nvPr/>
+          </p:nvSpPr>
+          <p:spPr>
+            <a:xfrm>
+              <a:off x="4969" y="7325"/>
+              <a:ext cx="2915" cy="803"/>
+            </a:xfrm>
+            <a:prstGeom prst="roundRect">
+              <a:avLst/>
+            </a:prstGeom>
+            <a:solidFill>
+              <a:schemeClr val="bg1"/>
+            </a:solidFill>
+          </p:spPr>
+          <p:style>
+            <a:lnRef idx="2">
+              <a:schemeClr val="accent1">
+                <a:lumMod val="75000"/>
+              </a:schemeClr>
+            </a:lnRef>
+            <a:fillRef idx="1">
+              <a:schemeClr val="accent1"/>
+            </a:fillRef>
+            <a:effectRef idx="0">
+              <a:srgbClr val="FFFFFF"/>
+            </a:effectRef>
+            <a:fontRef idx="minor">
+              <a:schemeClr val="lt1"/>
+            </a:fontRef>
+          </p:style>
+          <p:txBody>
+            <a:bodyPr rtlCol="0" anchor="ctr"/>
+            <a:p>
+              <a:pPr algn="ctr"/>
+              <a:r>
+                <a:rPr lang="zh-CN" altLang="en-US">
+                  <a:solidFill>
+                    <a:schemeClr val="tx1"/>
+                  </a:solidFill>
+                </a:rPr>
+                <a:t>内存数据库</a:t>
+              </a:r>
+              <a:r>
+                <a:rPr lang="zh-CN" altLang="en-US">
+                  <a:solidFill>
+                    <a:schemeClr val="tx1"/>
+                  </a:solidFill>
+                </a:rPr>
+                <a:t>访问</a:t>
+              </a:r>
+              <a:endParaRPr lang="zh-CN" altLang="en-US">
+                <a:solidFill>
+                  <a:schemeClr val="tx1"/>
+                </a:solidFill>
+              </a:endParaRPr>
+            </a:p>
+          </p:txBody>
+        </p:sp>
+        <p:sp>
+          <p:nvSpPr>
+            <p:cNvPr id="51" name="圆角矩形 50"/>
+            <p:cNvSpPr/>
+            <p:nvPr/>
+          </p:nvSpPr>
+          <p:spPr>
+            <a:xfrm>
+              <a:off x="7958" y="7325"/>
+              <a:ext cx="3028" cy="803"/>
+            </a:xfrm>
+            <a:prstGeom prst="roundRect">
+              <a:avLst/>
+            </a:prstGeom>
+            <a:solidFill>
+              <a:schemeClr val="bg1"/>
+            </a:solidFill>
+          </p:spPr>
+          <p:style>
+            <a:lnRef idx="2">
+              <a:schemeClr val="accent1">
+                <a:lumMod val="75000"/>
+              </a:schemeClr>
+            </a:lnRef>
+            <a:fillRef idx="1">
+              <a:schemeClr val="accent1"/>
+            </a:fillRef>
+            <a:effectRef idx="0">
+              <a:srgbClr val="FFFFFF"/>
+            </a:effectRef>
+            <a:fontRef idx="minor">
+              <a:schemeClr val="lt1"/>
+            </a:fontRef>
+          </p:style>
+          <p:txBody>
+            <a:bodyPr rtlCol="0" anchor="ctr"/>
+            <a:p>
+              <a:pPr algn="ctr"/>
+              <a:r>
+                <a:rPr lang="zh-CN" altLang="en-US">
+                  <a:solidFill>
+                    <a:schemeClr val="tx1"/>
+                  </a:solidFill>
+                </a:rPr>
+                <a:t>磁盘数据库</a:t>
+              </a:r>
+              <a:r>
+                <a:rPr lang="zh-CN" altLang="en-US">
+                  <a:solidFill>
+                    <a:schemeClr val="tx1"/>
+                  </a:solidFill>
+                </a:rPr>
+                <a:t>访问</a:t>
+              </a:r>
+              <a:endParaRPr lang="zh-CN" altLang="en-US">
+                <a:solidFill>
+                  <a:schemeClr val="tx1"/>
+                </a:solidFill>
+              </a:endParaRPr>
+            </a:p>
+          </p:txBody>
+        </p:sp>
+        <p:sp>
+          <p:nvSpPr>
+            <p:cNvPr id="52" name="圆角矩形 51"/>
+            <p:cNvSpPr/>
+            <p:nvPr/>
+          </p:nvSpPr>
+          <p:spPr>
+            <a:xfrm>
+              <a:off x="11411" y="7325"/>
+              <a:ext cx="5758" cy="803"/>
+            </a:xfrm>
+            <a:prstGeom prst="roundRect">
+              <a:avLst/>
+            </a:prstGeom>
+            <a:solidFill>
+              <a:schemeClr val="bg1"/>
+            </a:solidFill>
+          </p:spPr>
+          <p:style>
+            <a:lnRef idx="2">
+              <a:schemeClr val="accent1">
+                <a:lumMod val="75000"/>
+              </a:schemeClr>
+            </a:lnRef>
+            <a:fillRef idx="1">
+              <a:schemeClr val="accent1"/>
+            </a:fillRef>
+            <a:effectRef idx="0">
+              <a:srgbClr val="FFFFFF"/>
+            </a:effectRef>
+            <a:fontRef idx="minor">
+              <a:schemeClr val="lt1"/>
+            </a:fontRef>
+          </p:style>
+          <p:txBody>
+            <a:bodyPr rtlCol="0" anchor="ctr"/>
+            <a:p>
+              <a:pPr algn="ctr"/>
+              <a:r>
+                <a:rPr lang="zh-CN" altLang="en-US">
+                  <a:solidFill>
+                    <a:schemeClr val="tx1"/>
+                  </a:solidFill>
+                </a:rPr>
+                <a:t>用户房间、聊天、游戏</a:t>
+              </a:r>
+              <a:r>
+                <a:rPr lang="zh-CN" altLang="en-US">
+                  <a:solidFill>
+                    <a:schemeClr val="tx1"/>
+                  </a:solidFill>
+                </a:rPr>
+                <a:t>服务</a:t>
+              </a:r>
+              <a:endParaRPr lang="zh-CN" altLang="en-US">
+                <a:solidFill>
+                  <a:schemeClr val="tx1"/>
+                </a:solidFill>
+              </a:endParaRPr>
+            </a:p>
+          </p:txBody>
+        </p:sp>
+        <p:sp>
+          <p:nvSpPr>
+            <p:cNvPr id="53" name="圆角矩形 52"/>
+            <p:cNvSpPr/>
+            <p:nvPr/>
+          </p:nvSpPr>
+          <p:spPr>
+            <a:xfrm>
+              <a:off x="2862" y="8703"/>
+              <a:ext cx="1663" cy="1109"/>
+            </a:xfrm>
+            <a:prstGeom prst="roundRect">
+              <a:avLst/>
+            </a:prstGeom>
+            <a:solidFill>
+              <a:srgbClr val="99FF99"/>
+            </a:solidFill>
+          </p:spPr>
+          <p:style>
+            <a:lnRef idx="2">
+              <a:schemeClr val="accent1">
+                <a:lumMod val="75000"/>
+              </a:schemeClr>
+            </a:lnRef>
+            <a:fillRef idx="1">
+              <a:schemeClr val="accent1"/>
+            </a:fillRef>
+            <a:effectRef idx="0">
+              <a:srgbClr val="FFFFFF"/>
+            </a:effectRef>
+            <a:fontRef idx="minor">
+              <a:schemeClr val="lt1"/>
+            </a:fontRef>
+          </p:style>
+          <p:txBody>
+            <a:bodyPr rtlCol="0" anchor="ctr"/>
+            <a:p>
+              <a:pPr algn="ctr"/>
+              <a:r>
+                <a:rPr lang="zh-CN" altLang="en-US">
+                  <a:solidFill>
+                    <a:schemeClr val="tx1"/>
+                  </a:solidFill>
+                </a:rPr>
+                <a:t>数据库</a:t>
+              </a:r>
+              <a:endParaRPr lang="zh-CN" altLang="en-US">
+                <a:solidFill>
+                  <a:schemeClr val="tx1"/>
+                </a:solidFill>
+              </a:endParaRPr>
+            </a:p>
+          </p:txBody>
+        </p:sp>
+        <p:sp>
+          <p:nvSpPr>
+            <p:cNvPr id="54" name="圆角矩形 53"/>
+            <p:cNvSpPr/>
+            <p:nvPr/>
+          </p:nvSpPr>
+          <p:spPr>
+            <a:xfrm>
+              <a:off x="4722" y="8703"/>
+              <a:ext cx="13186" cy="1111"/>
+            </a:xfrm>
+            <a:prstGeom prst="roundRect">
+              <a:avLst/>
+            </a:prstGeom>
+            <a:solidFill>
+              <a:srgbClr val="CCFFCC"/>
+            </a:solidFill>
+          </p:spPr>
+          <p:style>
+            <a:lnRef idx="2">
+              <a:schemeClr val="accent1">
+                <a:lumMod val="75000"/>
+              </a:schemeClr>
+            </a:lnRef>
+            <a:fillRef idx="1">
+              <a:schemeClr val="accent1"/>
+            </a:fillRef>
+            <a:effectRef idx="0">
+              <a:srgbClr val="FFFFFF"/>
+            </a:effectRef>
+            <a:fontRef idx="minor">
+              <a:schemeClr val="lt1"/>
+            </a:fontRef>
+          </p:style>
+          <p:txBody>
+            <a:bodyPr rtlCol="0" anchor="ctr"/>
+            <a:p>
+              <a:pPr algn="ctr"/>
+              <a:endParaRPr lang="zh-CN" altLang="en-US">
+                <a:solidFill>
+                  <a:schemeClr val="tx1"/>
+                </a:solidFill>
+              </a:endParaRPr>
+            </a:p>
+          </p:txBody>
+        </p:sp>
+        <p:sp>
+          <p:nvSpPr>
+            <p:cNvPr id="55" name="下箭头 54"/>
+            <p:cNvSpPr/>
+            <p:nvPr/>
+          </p:nvSpPr>
+          <p:spPr>
+            <a:xfrm>
+              <a:off x="9994" y="8283"/>
+              <a:ext cx="1320" cy="420"/>
+            </a:xfrm>
+            <a:prstGeom prst="downArrow">
+              <a:avLst/>
+            </a:prstGeom>
+            <a:solidFill>
+              <a:srgbClr val="FFFFFF"/>
+            </a:solidFill>
+          </p:spPr>
+          <p:style>
+            <a:lnRef idx="2">
+              <a:schemeClr val="accent1">
+                <a:lumMod val="75000"/>
+              </a:schemeClr>
+            </a:lnRef>
+            <a:fillRef idx="1">
+              <a:schemeClr val="accent1"/>
+            </a:fillRef>
+            <a:effectRef idx="0">
+              <a:srgbClr val="FFFFFF"/>
+            </a:effectRef>
+            <a:fontRef idx="minor">
+              <a:schemeClr val="lt1"/>
+            </a:fontRef>
+          </p:style>
+          <p:txBody>
+            <a:bodyPr rtlCol="0" anchor="ctr"/>
+            <a:p>
+              <a:pPr algn="ctr"/>
+              <a:endParaRPr lang="zh-CN" altLang="en-US"/>
+            </a:p>
+          </p:txBody>
+        </p:sp>
+        <p:sp>
+          <p:nvSpPr>
+            <p:cNvPr id="56" name="圆角矩形 55"/>
+            <p:cNvSpPr/>
+            <p:nvPr/>
+          </p:nvSpPr>
+          <p:spPr>
+            <a:xfrm>
+              <a:off x="5169" y="8856"/>
+              <a:ext cx="4825" cy="803"/>
+            </a:xfrm>
+            <a:prstGeom prst="roundRect">
+              <a:avLst/>
+            </a:prstGeom>
+            <a:solidFill>
+              <a:schemeClr val="bg1"/>
+            </a:solidFill>
+          </p:spPr>
+          <p:style>
+            <a:lnRef idx="2">
+              <a:schemeClr val="accent1">
+                <a:lumMod val="75000"/>
+              </a:schemeClr>
+            </a:lnRef>
+            <a:fillRef idx="1">
+              <a:schemeClr val="accent1"/>
+            </a:fillRef>
+            <a:effectRef idx="0">
+              <a:srgbClr val="FFFFFF"/>
+            </a:effectRef>
+            <a:fontRef idx="minor">
+              <a:schemeClr val="lt1"/>
+            </a:fontRef>
+          </p:style>
+          <p:txBody>
+            <a:bodyPr rtlCol="0" anchor="ctr"/>
+            <a:p>
+              <a:pPr algn="ctr"/>
+              <a:r>
+                <a:rPr lang="zh-CN" altLang="en-US">
+                  <a:solidFill>
+                    <a:schemeClr val="tx1"/>
+                  </a:solidFill>
+                </a:rPr>
+                <a:t>内存：</a:t>
+              </a:r>
+              <a:r>
+                <a:rPr lang="en-US" altLang="zh-CN">
+                  <a:solidFill>
+                    <a:schemeClr val="tx1"/>
+                  </a:solidFill>
+                </a:rPr>
+                <a:t>Hazelcast</a:t>
+              </a:r>
+              <a:r>
+                <a:rPr lang="zh-CN" altLang="en-US">
+                  <a:solidFill>
+                    <a:schemeClr val="tx1"/>
+                  </a:solidFill>
+                </a:rPr>
+                <a:t>分布式</a:t>
+              </a:r>
+              <a:r>
+                <a:rPr lang="zh-CN" altLang="en-US">
+                  <a:solidFill>
+                    <a:schemeClr val="tx1"/>
+                  </a:solidFill>
+                </a:rPr>
+                <a:t>缓存</a:t>
+              </a:r>
+              <a:endParaRPr lang="zh-CN" altLang="en-US">
+                <a:solidFill>
+                  <a:schemeClr val="tx1"/>
+                </a:solidFill>
+              </a:endParaRPr>
+            </a:p>
+          </p:txBody>
+        </p:sp>
+        <p:sp>
+          <p:nvSpPr>
+            <p:cNvPr id="57" name="圆角矩形 56"/>
+            <p:cNvSpPr/>
+            <p:nvPr/>
+          </p:nvSpPr>
+          <p:spPr>
+            <a:xfrm>
+              <a:off x="10622" y="8856"/>
+              <a:ext cx="6547" cy="803"/>
+            </a:xfrm>
+            <a:prstGeom prst="roundRect">
+              <a:avLst/>
+            </a:prstGeom>
+            <a:solidFill>
+              <a:schemeClr val="bg1"/>
+            </a:solidFill>
+          </p:spPr>
+          <p:style>
+            <a:lnRef idx="2">
+              <a:schemeClr val="accent1">
+                <a:lumMod val="75000"/>
+              </a:schemeClr>
+            </a:lnRef>
+            <a:fillRef idx="1">
+              <a:schemeClr val="accent1"/>
+            </a:fillRef>
+            <a:effectRef idx="0">
+              <a:srgbClr val="FFFFFF"/>
+            </a:effectRef>
+            <a:fontRef idx="minor">
+              <a:schemeClr val="lt1"/>
+            </a:fontRef>
+          </p:style>
+          <p:txBody>
+            <a:bodyPr rtlCol="0" anchor="ctr"/>
+            <a:p>
+              <a:pPr algn="ctr"/>
+              <a:r>
+                <a:rPr lang="zh-CN" altLang="en-US">
+                  <a:solidFill>
+                    <a:schemeClr val="tx1"/>
+                  </a:solidFill>
+                </a:rPr>
+                <a:t>持久化：嵌入式的</a:t>
+              </a:r>
+              <a:r>
+                <a:rPr lang="en-US" altLang="zh-CN">
+                  <a:solidFill>
+                    <a:schemeClr val="tx1"/>
+                  </a:solidFill>
+                </a:rPr>
+                <a:t>h2</a:t>
+              </a:r>
+              <a:r>
+                <a:rPr lang="zh-CN" altLang="en-US">
+                  <a:solidFill>
+                    <a:schemeClr val="tx1"/>
+                  </a:solidFill>
+                </a:rPr>
+                <a:t>数据库</a:t>
+              </a:r>
+              <a:endParaRPr lang="zh-CN" altLang="en-US">
+                <a:solidFill>
+                  <a:schemeClr val="tx1"/>
+                </a:solidFill>
+              </a:endParaRPr>
+            </a:p>
+          </p:txBody>
+        </p:sp>
+        <p:sp>
+          <p:nvSpPr>
+            <p:cNvPr id="58" name="下箭头 57"/>
+            <p:cNvSpPr/>
+            <p:nvPr/>
+          </p:nvSpPr>
+          <p:spPr>
+            <a:xfrm>
+              <a:off x="9994" y="6685"/>
+              <a:ext cx="1320" cy="420"/>
+            </a:xfrm>
+            <a:prstGeom prst="downArrow">
+              <a:avLst/>
+            </a:prstGeom>
+            <a:solidFill>
+              <a:srgbClr val="FFFFFF"/>
+            </a:solidFill>
+          </p:spPr>
+          <p:style>
+            <a:lnRef idx="2">
+              <a:schemeClr val="accent1">
+                <a:lumMod val="75000"/>
+              </a:schemeClr>
+            </a:lnRef>
+            <a:fillRef idx="1">
+              <a:schemeClr val="accent1"/>
+            </a:fillRef>
+            <a:effectRef idx="0">
+              <a:srgbClr val="FFFFFF"/>
+            </a:effectRef>
+            <a:fontRef idx="minor">
+              <a:schemeClr val="lt1"/>
+            </a:fontRef>
+          </p:style>
+          <p:txBody>
+            <a:bodyPr rtlCol="0" anchor="ctr"/>
+            <a:p>
+              <a:pPr algn="ctr"/>
+              <a:endParaRPr lang="zh-CN" altLang="en-US"/>
+            </a:p>
+          </p:txBody>
+        </p:sp>
+        <p:sp>
+          <p:nvSpPr>
+            <p:cNvPr id="59" name="圆角矩形 58"/>
+            <p:cNvSpPr/>
+            <p:nvPr/>
+          </p:nvSpPr>
+          <p:spPr>
+            <a:xfrm>
+              <a:off x="16882" y="1942"/>
+              <a:ext cx="1026" cy="4619"/>
+            </a:xfrm>
+            <a:prstGeom prst="roundRect">
+              <a:avLst/>
+            </a:prstGeom>
+            <a:solidFill>
+              <a:srgbClr val="FF9999"/>
+            </a:solidFill>
+          </p:spPr>
+          <p:style>
+            <a:lnRef idx="2">
+              <a:schemeClr val="accent1">
+                <a:lumMod val="75000"/>
+              </a:schemeClr>
+            </a:lnRef>
+            <a:fillRef idx="1">
+              <a:schemeClr val="accent1"/>
+            </a:fillRef>
+            <a:effectRef idx="0">
+              <a:srgbClr val="FFFFFF"/>
+            </a:effectRef>
+            <a:fontRef idx="minor">
+              <a:schemeClr val="lt1"/>
+            </a:fontRef>
+          </p:style>
+          <p:txBody>
+            <a:bodyPr rtlCol="0" anchor="ctr"/>
+            <a:p>
+              <a:pPr algn="ctr"/>
+              <a:r>
+                <a:rPr lang="zh-CN" altLang="en-US">
+                  <a:solidFill>
+                    <a:schemeClr val="tx1"/>
+                  </a:solidFill>
+                </a:rPr>
+                <a:t>日志</a:t>
+              </a:r>
+              <a:r>
+                <a:rPr lang="zh-CN" altLang="en-US">
+                  <a:solidFill>
+                    <a:schemeClr val="tx1"/>
+                  </a:solidFill>
+                </a:rPr>
+                <a:t>记录</a:t>
+              </a:r>
+              <a:endParaRPr lang="zh-CN" altLang="en-US">
+                <a:solidFill>
+                  <a:schemeClr val="tx1"/>
+                </a:solidFill>
+              </a:endParaRPr>
+            </a:p>
+          </p:txBody>
+        </p:sp>
+        <p:cxnSp>
+          <p:nvCxnSpPr>
+            <p:cNvPr id="60" name="直接连接符 59"/>
+            <p:cNvCxnSpPr/>
+            <p:nvPr/>
+          </p:nvCxnSpPr>
+          <p:spPr>
+            <a:xfrm>
+              <a:off x="2862" y="8482"/>
+              <a:ext cx="15032" cy="15"/>
+            </a:xfrm>
+            <a:prstGeom prst="line">
+              <a:avLst/>
+            </a:prstGeom>
+            <a:ln w="12700" cap="flat" cmpd="sng" algn="ctr">
+              <a:solidFill>
+                <a:schemeClr val="accent1"/>
+              </a:solidFill>
+              <a:prstDash val="dash"/>
+              <a:miter lim="800000"/>
+            </a:ln>
+          </p:spPr>
+          <p:style>
+            <a:lnRef idx="0">
+              <a:schemeClr val="accent1"/>
+            </a:lnRef>
+            <a:fillRef idx="0">
+              <a:srgbClr val="FFFFFF"/>
+            </a:fillRef>
+            <a:effectRef idx="0">
+              <a:srgbClr val="FFFFFF"/>
+            </a:effectRef>
+            <a:fontRef idx="minor">
+              <a:schemeClr val="tx1"/>
+            </a:fontRef>
+          </p:style>
+        </p:cxnSp>
+        <p:sp>
+          <p:nvSpPr>
+            <p:cNvPr id="61" name="左大括号 60"/>
+            <p:cNvSpPr/>
+            <p:nvPr/>
+          </p:nvSpPr>
+          <p:spPr>
+            <a:xfrm>
+              <a:off x="1831" y="1702"/>
+              <a:ext cx="420" cy="3810"/>
+            </a:xfrm>
+            <a:prstGeom prst="leftBrace">
+              <a:avLst/>
+            </a:prstGeom>
+          </p:spPr>
+          <p:style>
+            <a:lnRef idx="2">
+              <a:schemeClr val="accent1"/>
+            </a:lnRef>
+            <a:fillRef idx="0">
+              <a:srgbClr val="FFFFFF"/>
+            </a:fillRef>
+            <a:effectRef idx="0">
+              <a:srgbClr val="FFFFFF"/>
+            </a:effectRef>
+            <a:fontRef idx="minor">
+              <a:schemeClr val="tx1"/>
+            </a:fontRef>
+          </p:style>
+          <p:txBody>
+            <a:bodyPr rtlCol="0" anchor="ctr"/>
+            <a:p>
+              <a:pPr algn="ctr"/>
+              <a:endParaRPr lang="zh-CN" altLang="en-US"/>
+            </a:p>
+          </p:txBody>
+        </p:sp>
+        <p:sp>
+          <p:nvSpPr>
+            <p:cNvPr id="62" name="左大括号 61"/>
+            <p:cNvSpPr/>
+            <p:nvPr/>
+          </p:nvSpPr>
+          <p:spPr>
+            <a:xfrm>
+              <a:off x="1926" y="5869"/>
+              <a:ext cx="420" cy="3945"/>
+            </a:xfrm>
+            <a:prstGeom prst="leftBrace">
+              <a:avLst/>
+            </a:prstGeom>
+          </p:spPr>
+          <p:style>
+            <a:lnRef idx="2">
+              <a:schemeClr val="accent1"/>
+            </a:lnRef>
+            <a:fillRef idx="0">
+              <a:srgbClr val="FFFFFF"/>
+            </a:fillRef>
+            <a:effectRef idx="0">
+              <a:srgbClr val="FFFFFF"/>
+            </a:effectRef>
+            <a:fontRef idx="minor">
+              <a:schemeClr val="tx1"/>
+            </a:fontRef>
+          </p:style>
+          <p:txBody>
+            <a:bodyPr rtlCol="0" anchor="ctr"/>
+            <a:p>
+              <a:pPr algn="ctr"/>
+              <a:endParaRPr lang="zh-CN" altLang="en-US"/>
+            </a:p>
+          </p:txBody>
+        </p:sp>
+        <p:sp>
+          <p:nvSpPr>
+            <p:cNvPr id="63" name="文本框 62"/>
+            <p:cNvSpPr txBox="1"/>
+            <p:nvPr/>
+          </p:nvSpPr>
+          <p:spPr>
+            <a:xfrm>
+              <a:off x="692" y="3369"/>
+              <a:ext cx="1034" cy="580"/>
+            </a:xfrm>
+            <a:prstGeom prst="rect">
+              <a:avLst/>
+            </a:prstGeom>
+            <a:noFill/>
+          </p:spPr>
+          <p:txBody>
+            <a:bodyPr wrap="square" rtlCol="0">
+              <a:spAutoFit/>
+            </a:bodyPr>
+            <a:p>
+              <a:r>
+                <a:rPr lang="zh-CN" altLang="en-US"/>
+                <a:t>前端</a:t>
+              </a:r>
+              <a:endParaRPr lang="zh-CN" altLang="en-US"/>
+            </a:p>
+          </p:txBody>
+        </p:sp>
+        <p:sp>
+          <p:nvSpPr>
+            <p:cNvPr id="64" name="文本框 63"/>
+            <p:cNvSpPr txBox="1"/>
+            <p:nvPr/>
+          </p:nvSpPr>
+          <p:spPr>
+            <a:xfrm>
+              <a:off x="692" y="7548"/>
+              <a:ext cx="1034" cy="580"/>
+            </a:xfrm>
+            <a:prstGeom prst="rect">
+              <a:avLst/>
+            </a:prstGeom>
+            <a:noFill/>
+          </p:spPr>
+          <p:txBody>
+            <a:bodyPr wrap="square" rtlCol="0">
+              <a:spAutoFit/>
+            </a:bodyPr>
+            <a:p>
+              <a:r>
+                <a:rPr lang="zh-CN" altLang="en-US"/>
+                <a:t>后端</a:t>
+              </a:r>
+              <a:endParaRPr lang="zh-CN" altLang="en-US"/>
+            </a:p>
+          </p:txBody>
+        </p:sp>
+      </p:grpSp>
+    </p:spTree>
+  </p:cSld>
+  <p:clrMapOvr>
+    <a:masterClrMapping/>
+  </p:clrMapOvr>
+</p:sld>
+</file>
+
+<file path=ppt/slides/slide2.xml><?xml version="1.0" encoding="utf-8"?>
+<p:sld xmlns:a="http://schemas.openxmlformats.org/drawingml/2006/main" xmlns:r="http://schemas.openxmlformats.org/officeDocument/2006/relationships" xmlns:p="http://schemas.openxmlformats.org/presentationml/2006/main">
+  <p:cSld>
+    <p:spTree>
+      <p:nvGrpSpPr>
+        <p:cNvPr id="1" name=""/>
+        <p:cNvGrpSpPr/>
+        <p:nvPr/>
+      </p:nvGrpSpPr>
+      <p:grpSpPr/>
+      <p:sp>
+        <p:nvSpPr>
+          <p:cNvPr id="45" name="圆角矩形 44"/>
+          <p:cNvSpPr/>
+          <p:nvPr/>
+        </p:nvSpPr>
+        <p:spPr>
+          <a:xfrm>
+            <a:off x="2997835" y="3726815"/>
+            <a:ext cx="5610225" cy="495300"/>
+          </a:xfrm>
+          <a:prstGeom prst="roundRect">
+            <a:avLst/>
+          </a:prstGeom>
+          <a:solidFill>
+            <a:srgbClr val="CCFF99"/>
+          </a:solidFill>
+        </p:spPr>
+        <p:style>
+          <a:lnRef idx="2">
+            <a:schemeClr val="accent1">
+              <a:lumMod val="75000"/>
+            </a:schemeClr>
+          </a:lnRef>
+          <a:fillRef idx="1">
+            <a:schemeClr val="accent1"/>
+          </a:fillRef>
+          <a:effectRef idx="0">
+            <a:srgbClr val="FFFFFF"/>
+          </a:effectRef>
+          <a:fontRef idx="minor">
+            <a:schemeClr val="lt1"/>
+          </a:fontRef>
+        </p:style>
+        <p:txBody>
+          <a:bodyPr rtlCol="0" anchor="ctr"/>
+          <a:p>
+            <a:pPr algn="ctr"/>
+            <a:endParaRPr lang="zh-CN" altLang="en-US"/>
+          </a:p>
+        </p:txBody>
+      </p:sp>
       <p:sp>
         <p:nvSpPr>
           <p:cNvPr id="2" name="圆角矩形 1"/>
@@ -2926,8 +5883,8 @@
         </p:nvSpPr>
         <p:spPr>
           <a:xfrm>
-            <a:off x="1511300" y="430530"/>
-            <a:ext cx="1056005" cy="610235"/>
+            <a:off x="1857375" y="454025"/>
+            <a:ext cx="1056005" cy="469265"/>
           </a:xfrm>
           <a:prstGeom prst="roundRect">
             <a:avLst/>
@@ -2972,30 +5929,6 @@
           </a:p>
         </p:txBody>
       </p:sp>
-      <p:pic>
-        <p:nvPicPr>
-          <p:cNvPr id="4" name="图片 3"/>
-          <p:cNvPicPr>
-            <a:picLocks noChangeAspect="1"/>
-          </p:cNvPicPr>
-          <p:nvPr/>
-        </p:nvPicPr>
-        <p:blipFill>
-          <a:blip r:embed="rId1"/>
-          <a:stretch>
-            <a:fillRect/>
-          </a:stretch>
-        </p:blipFill>
-        <p:spPr>
-          <a:xfrm>
-            <a:off x="641350" y="-9284335"/>
-            <a:ext cx="11238865" cy="11673840"/>
-          </a:xfrm>
-          <a:prstGeom prst="rect">
-            <a:avLst/>
-          </a:prstGeom>
-        </p:spPr>
-      </p:pic>
       <p:sp>
         <p:nvSpPr>
           <p:cNvPr id="5" name="圆角矩形 4"/>
@@ -3004,8 +5937,8 @@
         </p:nvSpPr>
         <p:spPr>
           <a:xfrm>
-            <a:off x="2692400" y="430530"/>
-            <a:ext cx="8332470" cy="610235"/>
+            <a:off x="3038475" y="454025"/>
+            <a:ext cx="8332470" cy="469265"/>
           </a:xfrm>
           <a:prstGeom prst="roundRect">
             <a:avLst/>
@@ -3058,8 +5991,8 @@
         </p:nvSpPr>
         <p:spPr>
           <a:xfrm>
-            <a:off x="1511300" y="1573530"/>
-            <a:ext cx="1056005" cy="723900"/>
+            <a:off x="1857375" y="1233805"/>
+            <a:ext cx="1056005" cy="554990"/>
           </a:xfrm>
           <a:prstGeom prst="roundRect">
             <a:avLst/>
@@ -3120,8 +6053,8 @@
         </p:nvSpPr>
         <p:spPr>
           <a:xfrm>
-            <a:off x="2692400" y="1573530"/>
-            <a:ext cx="8332470" cy="723900"/>
+            <a:off x="3038475" y="1233805"/>
+            <a:ext cx="7581900" cy="554990"/>
           </a:xfrm>
           <a:prstGeom prst="roundRect">
             <a:avLst/>
@@ -3166,7 +6099,7 @@
         </p:nvSpPr>
         <p:spPr>
           <a:xfrm>
-            <a:off x="3485515" y="1714500"/>
+            <a:off x="3831590" y="1311275"/>
             <a:ext cx="1041400" cy="406400"/>
           </a:xfrm>
           <a:prstGeom prst="roundRect">
@@ -3220,7 +6153,7 @@
         </p:nvSpPr>
         <p:spPr>
           <a:xfrm>
-            <a:off x="4984750" y="1714500"/>
+            <a:off x="5330825" y="1311275"/>
             <a:ext cx="1268730" cy="406400"/>
           </a:xfrm>
           <a:prstGeom prst="roundRect">
@@ -3282,7 +6215,7 @@
         </p:nvSpPr>
         <p:spPr>
           <a:xfrm>
-            <a:off x="6711315" y="1714500"/>
+            <a:off x="7057390" y="1311275"/>
             <a:ext cx="1041400" cy="406400"/>
           </a:xfrm>
           <a:prstGeom prst="roundRect">
@@ -3336,8 +6269,8 @@
         </p:nvCxnSpPr>
         <p:spPr>
           <a:xfrm>
-            <a:off x="78105" y="1295400"/>
-            <a:ext cx="10947400" cy="12700"/>
+            <a:off x="1852930" y="1080770"/>
+            <a:ext cx="9490710" cy="9525"/>
           </a:xfrm>
           <a:prstGeom prst="line">
             <a:avLst/>
@@ -3373,8 +6306,8 @@
         </p:nvSpPr>
         <p:spPr>
           <a:xfrm>
-            <a:off x="3621405" y="1130300"/>
-            <a:ext cx="838200" cy="444500"/>
+            <a:off x="3966210" y="920750"/>
+            <a:ext cx="838200" cy="304800"/>
           </a:xfrm>
           <a:prstGeom prst="downArrow">
             <a:avLst/>
@@ -3415,8 +6348,8 @@
         </p:nvSpPr>
         <p:spPr>
           <a:xfrm rot="10800000">
-            <a:off x="7334885" y="1097915"/>
-            <a:ext cx="838200" cy="444500"/>
+            <a:off x="7679690" y="889635"/>
+            <a:ext cx="838200" cy="335915"/>
           </a:xfrm>
           <a:prstGeom prst="downArrow">
             <a:avLst/>
@@ -3457,8 +6390,8 @@
         </p:nvSpPr>
         <p:spPr>
           <a:xfrm>
-            <a:off x="1511300" y="2830195"/>
-            <a:ext cx="1056005" cy="723900"/>
+            <a:off x="1857375" y="2185670"/>
+            <a:ext cx="1056005" cy="401320"/>
           </a:xfrm>
           <a:prstGeom prst="roundRect">
             <a:avLst/>
@@ -3511,8 +6444,8 @@
         </p:nvSpPr>
         <p:spPr>
           <a:xfrm>
-            <a:off x="2692400" y="2830195"/>
-            <a:ext cx="1276350" cy="723900"/>
+            <a:off x="3038475" y="2185670"/>
+            <a:ext cx="1276350" cy="401320"/>
           </a:xfrm>
           <a:prstGeom prst="roundRect">
             <a:avLst/>
@@ -3573,8 +6506,8 @@
         </p:nvSpPr>
         <p:spPr>
           <a:xfrm>
-            <a:off x="4459605" y="2855595"/>
-            <a:ext cx="1276350" cy="723900"/>
+            <a:off x="4805680" y="2211070"/>
+            <a:ext cx="1276350" cy="401320"/>
           </a:xfrm>
           <a:prstGeom prst="roundRect">
             <a:avLst/>
@@ -3627,8 +6560,8 @@
         </p:nvSpPr>
         <p:spPr>
           <a:xfrm>
-            <a:off x="6316345" y="2855595"/>
-            <a:ext cx="1276350" cy="723900"/>
+            <a:off x="6662420" y="2211070"/>
+            <a:ext cx="1276350" cy="401320"/>
           </a:xfrm>
           <a:prstGeom prst="roundRect">
             <a:avLst/>
@@ -3681,8 +6614,8 @@
         </p:nvSpPr>
         <p:spPr>
           <a:xfrm>
-            <a:off x="8173085" y="2830195"/>
-            <a:ext cx="1276350" cy="723900"/>
+            <a:off x="8519160" y="2185670"/>
+            <a:ext cx="1276350" cy="401320"/>
           </a:xfrm>
           <a:prstGeom prst="roundRect">
             <a:avLst/>
@@ -3735,8 +6668,8 @@
         </p:nvSpPr>
         <p:spPr>
           <a:xfrm>
-            <a:off x="3621405" y="2400300"/>
-            <a:ext cx="838200" cy="444500"/>
+            <a:off x="3966210" y="2580640"/>
+            <a:ext cx="838200" cy="342265"/>
           </a:xfrm>
           <a:prstGeom prst="downArrow">
             <a:avLst/>
@@ -3777,8 +6710,8 @@
         </p:nvSpPr>
         <p:spPr>
           <a:xfrm rot="10800000">
-            <a:off x="7334885" y="2367915"/>
-            <a:ext cx="838200" cy="444500"/>
+            <a:off x="7679690" y="2586990"/>
+            <a:ext cx="838200" cy="341630"/>
           </a:xfrm>
           <a:prstGeom prst="downArrow">
             <a:avLst/>
@@ -3819,8 +6752,8 @@
         </p:nvSpPr>
         <p:spPr>
           <a:xfrm>
-            <a:off x="1511300" y="3944620"/>
-            <a:ext cx="1056005" cy="723900"/>
+            <a:off x="1856740" y="2966085"/>
+            <a:ext cx="1056005" cy="533400"/>
           </a:xfrm>
           <a:prstGeom prst="roundRect">
             <a:avLst/>
@@ -3881,8 +6814,8 @@
         </p:nvSpPr>
         <p:spPr>
           <a:xfrm>
-            <a:off x="2692400" y="3948430"/>
-            <a:ext cx="2661285" cy="716280"/>
+            <a:off x="3037840" y="2969895"/>
+            <a:ext cx="2661285" cy="527685"/>
           </a:xfrm>
           <a:prstGeom prst="roundRect">
             <a:avLst/>
@@ -3923,8 +6856,8 @@
         </p:nvSpPr>
         <p:spPr>
           <a:xfrm>
-            <a:off x="5478145" y="3947795"/>
-            <a:ext cx="2694940" cy="716280"/>
+            <a:off x="5823585" y="2969260"/>
+            <a:ext cx="2694940" cy="527685"/>
           </a:xfrm>
           <a:prstGeom prst="roundRect">
             <a:avLst/>
@@ -3965,7 +6898,7 @@
         </p:nvSpPr>
         <p:spPr>
           <a:xfrm>
-            <a:off x="5560060" y="4137660"/>
+            <a:off x="5904865" y="3075940"/>
             <a:ext cx="1071245" cy="368300"/>
           </a:xfrm>
           <a:prstGeom prst="rect">
@@ -3998,7 +6931,7 @@
         </p:nvSpPr>
         <p:spPr>
           <a:xfrm>
-            <a:off x="2809875" y="4086860"/>
+            <a:off x="3155315" y="3054985"/>
             <a:ext cx="676275" cy="406400"/>
           </a:xfrm>
           <a:prstGeom prst="roundRect">
@@ -4052,7 +6985,7 @@
         </p:nvSpPr>
         <p:spPr>
           <a:xfrm>
-            <a:off x="3729355" y="4103370"/>
+            <a:off x="4074160" y="3054985"/>
             <a:ext cx="1489075" cy="406400"/>
           </a:xfrm>
           <a:prstGeom prst="roundRect">
@@ -4114,7 +7047,7 @@
         </p:nvSpPr>
         <p:spPr>
           <a:xfrm>
-            <a:off x="6711315" y="4114165"/>
+            <a:off x="7056755" y="3034665"/>
             <a:ext cx="622300" cy="406400"/>
           </a:xfrm>
           <a:prstGeom prst="roundRect">
@@ -4168,7 +7101,7 @@
         </p:nvSpPr>
         <p:spPr>
           <a:xfrm>
-            <a:off x="7414260" y="4114165"/>
+            <a:off x="7759700" y="3034665"/>
             <a:ext cx="668655" cy="406400"/>
           </a:xfrm>
           <a:prstGeom prst="roundRect">
@@ -4214,48 +7147,1574 @@
           </a:p>
         </p:txBody>
       </p:sp>
-    </p:spTree>
-  </p:cSld>
-  <p:clrMapOvr>
-    <a:masterClrMapping/>
-  </p:clrMapOvr>
-</p:sld>
-</file>
-
-<file path=ppt/slides/slide2.xml><?xml version="1.0" encoding="utf-8"?>
-<p:sld xmlns:a="http://schemas.openxmlformats.org/drawingml/2006/main" xmlns:r="http://schemas.openxmlformats.org/officeDocument/2006/relationships" xmlns:p="http://schemas.openxmlformats.org/presentationml/2006/main">
-  <p:cSld>
-    <p:spTree>
-      <p:nvGrpSpPr>
-        <p:cNvPr id="1" name=""/>
-        <p:cNvGrpSpPr/>
-        <p:nvPr/>
-      </p:nvGrpSpPr>
-      <p:grpSpPr/>
-      <p:pic>
-        <p:nvPicPr>
-          <p:cNvPr id="3" name="图片 2"/>
-          <p:cNvPicPr>
-            <a:picLocks noChangeAspect="1"/>
-          </p:cNvPicPr>
+      <p:sp>
+        <p:nvSpPr>
+          <p:cNvPr id="3" name="下箭头 2"/>
+          <p:cNvSpPr/>
           <p:nvPr/>
-        </p:nvPicPr>
-        <p:blipFill>
-          <a:blip r:embed="rId1"/>
-          <a:stretch>
-            <a:fillRect/>
-          </a:stretch>
-        </p:blipFill>
+        </p:nvSpPr>
         <p:spPr>
           <a:xfrm>
-            <a:off x="82550" y="-2404745"/>
-            <a:ext cx="7124700" cy="7400925"/>
+            <a:off x="3967480" y="1834515"/>
+            <a:ext cx="838200" cy="304800"/>
+          </a:xfrm>
+          <a:prstGeom prst="downArrow">
+            <a:avLst/>
+          </a:prstGeom>
+          <a:solidFill>
+            <a:srgbClr val="FFFFFF"/>
+          </a:solidFill>
+        </p:spPr>
+        <p:style>
+          <a:lnRef idx="2">
+            <a:schemeClr val="accent1">
+              <a:lumMod val="75000"/>
+            </a:schemeClr>
+          </a:lnRef>
+          <a:fillRef idx="1">
+            <a:schemeClr val="accent1"/>
+          </a:fillRef>
+          <a:effectRef idx="0">
+            <a:srgbClr val="FFFFFF"/>
+          </a:effectRef>
+          <a:fontRef idx="minor">
+            <a:schemeClr val="lt1"/>
+          </a:fontRef>
+        </p:style>
+        <p:txBody>
+          <a:bodyPr rtlCol="0" anchor="ctr"/>
+          <a:p>
+            <a:pPr algn="ctr"/>
+            <a:endParaRPr lang="zh-CN" altLang="en-US"/>
+          </a:p>
+        </p:txBody>
+      </p:sp>
+      <p:sp>
+        <p:nvSpPr>
+          <p:cNvPr id="13" name="下箭头 12"/>
+          <p:cNvSpPr/>
+          <p:nvPr/>
+        </p:nvSpPr>
+        <p:spPr>
+          <a:xfrm rot="10800000">
+            <a:off x="7680960" y="1803400"/>
+            <a:ext cx="838200" cy="335915"/>
+          </a:xfrm>
+          <a:prstGeom prst="downArrow">
+            <a:avLst/>
+          </a:prstGeom>
+          <a:solidFill>
+            <a:srgbClr val="FFFFFF"/>
+          </a:solidFill>
+        </p:spPr>
+        <p:style>
+          <a:lnRef idx="2">
+            <a:schemeClr val="accent1">
+              <a:lumMod val="75000"/>
+            </a:schemeClr>
+          </a:lnRef>
+          <a:fillRef idx="1">
+            <a:schemeClr val="accent1"/>
+          </a:fillRef>
+          <a:effectRef idx="0">
+            <a:srgbClr val="FFFFFF"/>
+          </a:effectRef>
+          <a:fontRef idx="minor">
+            <a:schemeClr val="lt1"/>
+          </a:fontRef>
+        </p:style>
+        <p:txBody>
+          <a:bodyPr rtlCol="0" anchor="ctr"/>
+          <a:p>
+            <a:pPr algn="ctr"/>
+            <a:endParaRPr lang="zh-CN" altLang="en-US"/>
+          </a:p>
+        </p:txBody>
+      </p:sp>
+      <p:sp>
+        <p:nvSpPr>
+          <p:cNvPr id="18" name="圆角矩形 17"/>
+          <p:cNvSpPr/>
+          <p:nvPr/>
+        </p:nvSpPr>
+        <p:spPr>
+          <a:xfrm>
+            <a:off x="1852930" y="3711575"/>
+            <a:ext cx="1056005" cy="533400"/>
+          </a:xfrm>
+          <a:prstGeom prst="roundRect">
+            <a:avLst/>
+          </a:prstGeom>
+          <a:solidFill>
+            <a:srgbClr val="99FF99"/>
+          </a:solidFill>
+        </p:spPr>
+        <p:style>
+          <a:lnRef idx="2">
+            <a:schemeClr val="accent1">
+              <a:lumMod val="75000"/>
+            </a:schemeClr>
+          </a:lnRef>
+          <a:fillRef idx="1">
+            <a:schemeClr val="accent1"/>
+          </a:fillRef>
+          <a:effectRef idx="0">
+            <a:srgbClr val="FFFFFF"/>
+          </a:effectRef>
+          <a:fontRef idx="minor">
+            <a:schemeClr val="lt1"/>
+          </a:fontRef>
+        </p:style>
+        <p:txBody>
+          <a:bodyPr rtlCol="0" anchor="ctr"/>
+          <a:p>
+            <a:pPr algn="ctr"/>
+            <a:r>
+              <a:rPr lang="zh-CN" altLang="en-US">
+                <a:solidFill>
+                  <a:schemeClr val="tx1"/>
+                </a:solidFill>
+              </a:rPr>
+              <a:t>控制层</a:t>
+            </a:r>
+            <a:endParaRPr lang="zh-CN" altLang="en-US">
+              <a:solidFill>
+                <a:schemeClr val="tx1"/>
+              </a:solidFill>
+            </a:endParaRPr>
+          </a:p>
+        </p:txBody>
+      </p:sp>
+      <p:cxnSp>
+        <p:nvCxnSpPr>
+          <p:cNvPr id="19" name="直接连接符 18"/>
+          <p:cNvCxnSpPr/>
+          <p:nvPr/>
+        </p:nvCxnSpPr>
+        <p:spPr>
+          <a:xfrm>
+            <a:off x="1817370" y="3615055"/>
+            <a:ext cx="7924165" cy="19050"/>
+          </a:xfrm>
+          <a:prstGeom prst="line">
+            <a:avLst/>
+          </a:prstGeom>
+          <a:ln w="12700" cap="flat" cmpd="sng" algn="ctr">
+            <a:solidFill>
+              <a:schemeClr val="accent1"/>
+            </a:solidFill>
+            <a:prstDash val="dash"/>
+            <a:miter lim="800000"/>
+          </a:ln>
+        </p:spPr>
+        <p:style>
+          <a:lnRef idx="0">
+            <a:schemeClr val="accent1"/>
+          </a:lnRef>
+          <a:fillRef idx="0">
+            <a:srgbClr val="FFFFFF"/>
+          </a:fillRef>
+          <a:effectRef idx="0">
+            <a:srgbClr val="FFFFFF"/>
+          </a:effectRef>
+          <a:fontRef idx="minor">
+            <a:schemeClr val="tx1"/>
+          </a:fontRef>
+        </p:style>
+      </p:cxnSp>
+      <p:sp>
+        <p:nvSpPr>
+          <p:cNvPr id="37" name="圆角矩形 36"/>
+          <p:cNvSpPr/>
+          <p:nvPr/>
+        </p:nvSpPr>
+        <p:spPr>
+          <a:xfrm>
+            <a:off x="3038475" y="3767455"/>
+            <a:ext cx="1276350" cy="401320"/>
+          </a:xfrm>
+          <a:prstGeom prst="roundRect">
+            <a:avLst/>
+          </a:prstGeom>
+          <a:solidFill>
+            <a:schemeClr val="bg1"/>
+          </a:solidFill>
+        </p:spPr>
+        <p:style>
+          <a:lnRef idx="2">
+            <a:schemeClr val="accent1">
+              <a:lumMod val="75000"/>
+            </a:schemeClr>
+          </a:lnRef>
+          <a:fillRef idx="1">
+            <a:schemeClr val="accent1"/>
+          </a:fillRef>
+          <a:effectRef idx="0">
+            <a:srgbClr val="FFFFFF"/>
+          </a:effectRef>
+          <a:fontRef idx="minor">
+            <a:schemeClr val="lt1"/>
+          </a:fontRef>
+        </p:style>
+        <p:txBody>
+          <a:bodyPr rtlCol="0" anchor="ctr"/>
+          <a:p>
+            <a:pPr algn="ctr"/>
+            <a:r>
+              <a:rPr lang="zh-CN" altLang="en-US">
+                <a:solidFill>
+                  <a:schemeClr val="tx1"/>
+                </a:solidFill>
+              </a:rPr>
+              <a:t>用户</a:t>
+            </a:r>
+            <a:r>
+              <a:rPr lang="zh-CN" altLang="en-US">
+                <a:solidFill>
+                  <a:schemeClr val="tx1"/>
+                </a:solidFill>
+              </a:rPr>
+              <a:t>控制</a:t>
+            </a:r>
+            <a:endParaRPr lang="zh-CN" altLang="en-US">
+              <a:solidFill>
+                <a:schemeClr val="tx1"/>
+              </a:solidFill>
+            </a:endParaRPr>
+          </a:p>
+        </p:txBody>
+      </p:sp>
+      <p:sp>
+        <p:nvSpPr>
+          <p:cNvPr id="38" name="圆角矩形 37"/>
+          <p:cNvSpPr/>
+          <p:nvPr/>
+        </p:nvSpPr>
+        <p:spPr>
+          <a:xfrm>
+            <a:off x="4396740" y="3765550"/>
+            <a:ext cx="1276350" cy="401320"/>
+          </a:xfrm>
+          <a:prstGeom prst="roundRect">
+            <a:avLst/>
+          </a:prstGeom>
+          <a:solidFill>
+            <a:schemeClr val="bg1"/>
+          </a:solidFill>
+        </p:spPr>
+        <p:style>
+          <a:lnRef idx="2">
+            <a:schemeClr val="accent1">
+              <a:lumMod val="75000"/>
+            </a:schemeClr>
+          </a:lnRef>
+          <a:fillRef idx="1">
+            <a:schemeClr val="accent1"/>
+          </a:fillRef>
+          <a:effectRef idx="0">
+            <a:srgbClr val="FFFFFF"/>
+          </a:effectRef>
+          <a:fontRef idx="minor">
+            <a:schemeClr val="lt1"/>
+          </a:fontRef>
+        </p:style>
+        <p:txBody>
+          <a:bodyPr rtlCol="0" anchor="ctr"/>
+          <a:p>
+            <a:pPr algn="ctr"/>
+            <a:r>
+              <a:rPr lang="zh-CN" altLang="en-US">
+                <a:solidFill>
+                  <a:schemeClr val="tx1"/>
+                </a:solidFill>
+              </a:rPr>
+              <a:t>房间</a:t>
+            </a:r>
+            <a:r>
+              <a:rPr lang="zh-CN" altLang="en-US">
+                <a:solidFill>
+                  <a:schemeClr val="tx1"/>
+                </a:solidFill>
+              </a:rPr>
+              <a:t>控制</a:t>
+            </a:r>
+            <a:endParaRPr lang="zh-CN" altLang="en-US">
+              <a:solidFill>
+                <a:schemeClr val="tx1"/>
+              </a:solidFill>
+            </a:endParaRPr>
+          </a:p>
+        </p:txBody>
+      </p:sp>
+      <p:sp>
+        <p:nvSpPr>
+          <p:cNvPr id="39" name="圆角矩形 38"/>
+          <p:cNvSpPr/>
+          <p:nvPr/>
+        </p:nvSpPr>
+        <p:spPr>
+          <a:xfrm>
+            <a:off x="5823585" y="3767455"/>
+            <a:ext cx="1276350" cy="401320"/>
+          </a:xfrm>
+          <a:prstGeom prst="roundRect">
+            <a:avLst/>
+          </a:prstGeom>
+          <a:solidFill>
+            <a:schemeClr val="bg1"/>
+          </a:solidFill>
+        </p:spPr>
+        <p:style>
+          <a:lnRef idx="2">
+            <a:schemeClr val="accent1">
+              <a:lumMod val="75000"/>
+            </a:schemeClr>
+          </a:lnRef>
+          <a:fillRef idx="1">
+            <a:schemeClr val="accent1"/>
+          </a:fillRef>
+          <a:effectRef idx="0">
+            <a:srgbClr val="FFFFFF"/>
+          </a:effectRef>
+          <a:fontRef idx="minor">
+            <a:schemeClr val="lt1"/>
+          </a:fontRef>
+        </p:style>
+        <p:txBody>
+          <a:bodyPr rtlCol="0" anchor="ctr"/>
+          <a:p>
+            <a:pPr algn="ctr"/>
+            <a:r>
+              <a:rPr lang="zh-CN" altLang="en-US">
+                <a:solidFill>
+                  <a:schemeClr val="tx1"/>
+                </a:solidFill>
+              </a:rPr>
+              <a:t>消息</a:t>
+            </a:r>
+            <a:r>
+              <a:rPr lang="zh-CN" altLang="en-US">
+                <a:solidFill>
+                  <a:schemeClr val="tx1"/>
+                </a:solidFill>
+              </a:rPr>
+              <a:t>控制</a:t>
+            </a:r>
+            <a:endParaRPr lang="zh-CN" altLang="en-US">
+              <a:solidFill>
+                <a:schemeClr val="tx1"/>
+              </a:solidFill>
+            </a:endParaRPr>
+          </a:p>
+        </p:txBody>
+      </p:sp>
+      <p:sp>
+        <p:nvSpPr>
+          <p:cNvPr id="40" name="圆角矩形 39"/>
+          <p:cNvSpPr/>
+          <p:nvPr/>
+        </p:nvSpPr>
+        <p:spPr>
+          <a:xfrm>
+            <a:off x="7250430" y="3767455"/>
+            <a:ext cx="1276350" cy="401320"/>
+          </a:xfrm>
+          <a:prstGeom prst="roundRect">
+            <a:avLst/>
+          </a:prstGeom>
+          <a:solidFill>
+            <a:schemeClr val="bg1"/>
+          </a:solidFill>
+        </p:spPr>
+        <p:style>
+          <a:lnRef idx="2">
+            <a:schemeClr val="accent1">
+              <a:lumMod val="75000"/>
+            </a:schemeClr>
+          </a:lnRef>
+          <a:fillRef idx="1">
+            <a:schemeClr val="accent1"/>
+          </a:fillRef>
+          <a:effectRef idx="0">
+            <a:srgbClr val="FFFFFF"/>
+          </a:effectRef>
+          <a:fontRef idx="minor">
+            <a:schemeClr val="lt1"/>
+          </a:fontRef>
+        </p:style>
+        <p:txBody>
+          <a:bodyPr rtlCol="0" anchor="ctr"/>
+          <a:p>
+            <a:pPr algn="ctr"/>
+            <a:r>
+              <a:rPr lang="zh-CN" altLang="en-US">
+                <a:solidFill>
+                  <a:schemeClr val="tx1"/>
+                </a:solidFill>
+              </a:rPr>
+              <a:t>游戏</a:t>
+            </a:r>
+            <a:r>
+              <a:rPr lang="zh-CN" altLang="en-US">
+                <a:solidFill>
+                  <a:schemeClr val="tx1"/>
+                </a:solidFill>
+              </a:rPr>
+              <a:t>控制</a:t>
+            </a:r>
+            <a:endParaRPr lang="zh-CN" altLang="en-US">
+              <a:solidFill>
+                <a:schemeClr val="tx1"/>
+              </a:solidFill>
+            </a:endParaRPr>
+          </a:p>
+        </p:txBody>
+      </p:sp>
+      <p:sp>
+        <p:nvSpPr>
+          <p:cNvPr id="41" name="圆角矩形 40"/>
+          <p:cNvSpPr/>
+          <p:nvPr/>
+        </p:nvSpPr>
+        <p:spPr>
+          <a:xfrm>
+            <a:off x="9055100" y="2966085"/>
+            <a:ext cx="608330" cy="1247775"/>
+          </a:xfrm>
+          <a:prstGeom prst="roundRect">
+            <a:avLst/>
+          </a:prstGeom>
+          <a:solidFill>
+            <a:srgbClr val="CCFF99"/>
+          </a:solidFill>
+        </p:spPr>
+        <p:style>
+          <a:lnRef idx="2">
+            <a:schemeClr val="accent1">
+              <a:lumMod val="75000"/>
+            </a:schemeClr>
+          </a:lnRef>
+          <a:fillRef idx="1">
+            <a:schemeClr val="accent1"/>
+          </a:fillRef>
+          <a:effectRef idx="0">
+            <a:srgbClr val="FFFFFF"/>
+          </a:effectRef>
+          <a:fontRef idx="minor">
+            <a:schemeClr val="lt1"/>
+          </a:fontRef>
+        </p:style>
+        <p:txBody>
+          <a:bodyPr rtlCol="0" anchor="ctr"/>
+          <a:p>
+            <a:pPr algn="ctr"/>
+            <a:r>
+              <a:rPr lang="zh-CN" altLang="en-US">
+                <a:solidFill>
+                  <a:schemeClr val="tx1"/>
+                </a:solidFill>
+              </a:rPr>
+              <a:t>访</a:t>
+            </a:r>
+            <a:endParaRPr lang="zh-CN" altLang="en-US">
+              <a:solidFill>
+                <a:schemeClr val="tx1"/>
+              </a:solidFill>
+            </a:endParaRPr>
+          </a:p>
+          <a:p>
+            <a:pPr algn="ctr"/>
+            <a:r>
+              <a:rPr lang="zh-CN" altLang="en-US">
+                <a:solidFill>
+                  <a:schemeClr val="tx1"/>
+                </a:solidFill>
+              </a:rPr>
+              <a:t>问</a:t>
+            </a:r>
+            <a:endParaRPr lang="zh-CN" altLang="en-US">
+              <a:solidFill>
+                <a:schemeClr val="tx1"/>
+              </a:solidFill>
+            </a:endParaRPr>
+          </a:p>
+          <a:p>
+            <a:pPr algn="ctr"/>
+            <a:r>
+              <a:rPr lang="zh-CN" altLang="en-US">
+                <a:solidFill>
+                  <a:schemeClr val="tx1"/>
+                </a:solidFill>
+              </a:rPr>
+              <a:t>权</a:t>
+            </a:r>
+            <a:endParaRPr lang="zh-CN" altLang="en-US">
+              <a:solidFill>
+                <a:schemeClr val="tx1"/>
+              </a:solidFill>
+            </a:endParaRPr>
+          </a:p>
+          <a:p>
+            <a:pPr algn="ctr"/>
+            <a:r>
+              <a:rPr lang="zh-CN" altLang="en-US">
+                <a:solidFill>
+                  <a:schemeClr val="tx1"/>
+                </a:solidFill>
+              </a:rPr>
+              <a:t>限</a:t>
+            </a:r>
+            <a:endParaRPr lang="zh-CN" altLang="en-US">
+              <a:solidFill>
+                <a:schemeClr val="tx1"/>
+              </a:solidFill>
+            </a:endParaRPr>
+          </a:p>
+        </p:txBody>
+      </p:sp>
+      <p:sp>
+        <p:nvSpPr>
+          <p:cNvPr id="42" name="圆角矩形 41"/>
+          <p:cNvSpPr/>
+          <p:nvPr/>
+        </p:nvSpPr>
+        <p:spPr>
+          <a:xfrm>
+            <a:off x="9968865" y="2186305"/>
+            <a:ext cx="651510" cy="1980565"/>
+          </a:xfrm>
+          <a:prstGeom prst="roundRect">
+            <a:avLst/>
+          </a:prstGeom>
+          <a:solidFill>
+            <a:srgbClr val="FFFF99"/>
+          </a:solidFill>
+        </p:spPr>
+        <p:style>
+          <a:lnRef idx="2">
+            <a:schemeClr val="accent1">
+              <a:lumMod val="75000"/>
+            </a:schemeClr>
+          </a:lnRef>
+          <a:fillRef idx="1">
+            <a:schemeClr val="accent1"/>
+          </a:fillRef>
+          <a:effectRef idx="0">
+            <a:srgbClr val="FFFFFF"/>
+          </a:effectRef>
+          <a:fontRef idx="minor">
+            <a:schemeClr val="lt1"/>
+          </a:fontRef>
+        </p:style>
+        <p:txBody>
+          <a:bodyPr rtlCol="0" anchor="ctr"/>
+          <a:p>
+            <a:pPr algn="ctr"/>
+            <a:r>
+              <a:rPr lang="zh-CN" altLang="en-US">
+                <a:solidFill>
+                  <a:schemeClr val="tx1"/>
+                </a:solidFill>
+              </a:rPr>
+              <a:t>消</a:t>
+            </a:r>
+            <a:endParaRPr lang="zh-CN" altLang="en-US">
+              <a:solidFill>
+                <a:schemeClr val="tx1"/>
+              </a:solidFill>
+            </a:endParaRPr>
+          </a:p>
+          <a:p>
+            <a:pPr algn="ctr"/>
+            <a:r>
+              <a:rPr lang="zh-CN" altLang="en-US">
+                <a:solidFill>
+                  <a:schemeClr val="tx1"/>
+                </a:solidFill>
+              </a:rPr>
+              <a:t>息</a:t>
+            </a:r>
+            <a:endParaRPr lang="zh-CN" altLang="en-US">
+              <a:solidFill>
+                <a:schemeClr val="tx1"/>
+              </a:solidFill>
+            </a:endParaRPr>
+          </a:p>
+          <a:p>
+            <a:pPr algn="ctr"/>
+            <a:r>
+              <a:rPr lang="zh-CN" altLang="en-US">
+                <a:solidFill>
+                  <a:schemeClr val="tx1"/>
+                </a:solidFill>
+              </a:rPr>
+              <a:t>系</a:t>
+            </a:r>
+            <a:endParaRPr lang="zh-CN" altLang="en-US">
+              <a:solidFill>
+                <a:schemeClr val="tx1"/>
+              </a:solidFill>
+            </a:endParaRPr>
+          </a:p>
+          <a:p>
+            <a:pPr algn="ctr"/>
+            <a:r>
+              <a:rPr lang="zh-CN" altLang="en-US">
+                <a:solidFill>
+                  <a:schemeClr val="tx1"/>
+                </a:solidFill>
+              </a:rPr>
+              <a:t>统</a:t>
+            </a:r>
+            <a:endParaRPr lang="zh-CN" altLang="en-US">
+              <a:solidFill>
+                <a:schemeClr val="tx1"/>
+              </a:solidFill>
+            </a:endParaRPr>
+          </a:p>
+        </p:txBody>
+      </p:sp>
+      <p:sp>
+        <p:nvSpPr>
+          <p:cNvPr id="43" name="下箭头 42"/>
+          <p:cNvSpPr/>
+          <p:nvPr/>
+        </p:nvSpPr>
+        <p:spPr>
+          <a:xfrm>
+            <a:off x="3949065" y="3480435"/>
+            <a:ext cx="838200" cy="266700"/>
+          </a:xfrm>
+          <a:prstGeom prst="downArrow">
+            <a:avLst/>
+          </a:prstGeom>
+          <a:solidFill>
+            <a:srgbClr val="FFFFFF"/>
+          </a:solidFill>
+        </p:spPr>
+        <p:style>
+          <a:lnRef idx="2">
+            <a:schemeClr val="accent1">
+              <a:lumMod val="75000"/>
+            </a:schemeClr>
+          </a:lnRef>
+          <a:fillRef idx="1">
+            <a:schemeClr val="accent1"/>
+          </a:fillRef>
+          <a:effectRef idx="0">
+            <a:srgbClr val="FFFFFF"/>
+          </a:effectRef>
+          <a:fontRef idx="minor">
+            <a:schemeClr val="lt1"/>
+          </a:fontRef>
+        </p:style>
+        <p:txBody>
+          <a:bodyPr rtlCol="0" anchor="ctr"/>
+          <a:p>
+            <a:pPr algn="ctr"/>
+            <a:endParaRPr lang="zh-CN" altLang="en-US"/>
+          </a:p>
+        </p:txBody>
+      </p:sp>
+      <p:sp>
+        <p:nvSpPr>
+          <p:cNvPr id="44" name="下箭头 43"/>
+          <p:cNvSpPr/>
+          <p:nvPr/>
+        </p:nvSpPr>
+        <p:spPr>
+          <a:xfrm rot="10800000">
+            <a:off x="7662545" y="3501390"/>
+            <a:ext cx="838200" cy="247015"/>
+          </a:xfrm>
+          <a:prstGeom prst="downArrow">
+            <a:avLst/>
+          </a:prstGeom>
+          <a:solidFill>
+            <a:srgbClr val="FFFFFF"/>
+          </a:solidFill>
+        </p:spPr>
+        <p:style>
+          <a:lnRef idx="2">
+            <a:schemeClr val="accent1">
+              <a:lumMod val="75000"/>
+            </a:schemeClr>
+          </a:lnRef>
+          <a:fillRef idx="1">
+            <a:schemeClr val="accent1"/>
+          </a:fillRef>
+          <a:effectRef idx="0">
+            <a:srgbClr val="FFFFFF"/>
+          </a:effectRef>
+          <a:fontRef idx="minor">
+            <a:schemeClr val="lt1"/>
+          </a:fontRef>
+        </p:style>
+        <p:txBody>
+          <a:bodyPr rtlCol="0" anchor="ctr"/>
+          <a:p>
+            <a:pPr algn="ctr"/>
+            <a:endParaRPr lang="zh-CN" altLang="en-US"/>
+          </a:p>
+        </p:txBody>
+      </p:sp>
+      <p:sp>
+        <p:nvSpPr>
+          <p:cNvPr id="48" name="圆角矩形 47"/>
+          <p:cNvSpPr/>
+          <p:nvPr/>
+        </p:nvSpPr>
+        <p:spPr>
+          <a:xfrm>
+            <a:off x="1852930" y="4554220"/>
+            <a:ext cx="1056005" cy="704215"/>
+          </a:xfrm>
+          <a:prstGeom prst="roundRect">
+            <a:avLst/>
+          </a:prstGeom>
+          <a:solidFill>
+            <a:srgbClr val="99FF99"/>
+          </a:solidFill>
+        </p:spPr>
+        <p:style>
+          <a:lnRef idx="2">
+            <a:schemeClr val="accent1">
+              <a:lumMod val="75000"/>
+            </a:schemeClr>
+          </a:lnRef>
+          <a:fillRef idx="1">
+            <a:schemeClr val="accent1"/>
+          </a:fillRef>
+          <a:effectRef idx="0">
+            <a:srgbClr val="FFFFFF"/>
+          </a:effectRef>
+          <a:fontRef idx="minor">
+            <a:schemeClr val="lt1"/>
+          </a:fontRef>
+        </p:style>
+        <p:txBody>
+          <a:bodyPr rtlCol="0" anchor="ctr"/>
+          <a:p>
+            <a:pPr algn="ctr"/>
+            <a:r>
+              <a:rPr lang="zh-CN" altLang="en-US">
+                <a:solidFill>
+                  <a:schemeClr val="tx1"/>
+                </a:solidFill>
+              </a:rPr>
+              <a:t>数据与</a:t>
+            </a:r>
+            <a:r>
+              <a:rPr lang="zh-CN" altLang="en-US">
+                <a:solidFill>
+                  <a:schemeClr val="tx1"/>
+                </a:solidFill>
+              </a:rPr>
+              <a:t>服务</a:t>
+            </a:r>
+            <a:endParaRPr lang="zh-CN" altLang="en-US">
+              <a:solidFill>
+                <a:schemeClr val="tx1"/>
+              </a:solidFill>
+            </a:endParaRPr>
+          </a:p>
+        </p:txBody>
+      </p:sp>
+      <p:sp>
+        <p:nvSpPr>
+          <p:cNvPr id="49" name="圆角矩形 48"/>
+          <p:cNvSpPr/>
+          <p:nvPr/>
+        </p:nvSpPr>
+        <p:spPr>
+          <a:xfrm>
+            <a:off x="2997835" y="4554220"/>
+            <a:ext cx="8373110" cy="705485"/>
+          </a:xfrm>
+          <a:prstGeom prst="roundRect">
+            <a:avLst/>
+          </a:prstGeom>
+          <a:solidFill>
+            <a:srgbClr val="99FF99"/>
+          </a:solidFill>
+        </p:spPr>
+        <p:style>
+          <a:lnRef idx="2">
+            <a:schemeClr val="accent1">
+              <a:lumMod val="75000"/>
+            </a:schemeClr>
+          </a:lnRef>
+          <a:fillRef idx="1">
+            <a:schemeClr val="accent1"/>
+          </a:fillRef>
+          <a:effectRef idx="0">
+            <a:srgbClr val="FFFFFF"/>
+          </a:effectRef>
+          <a:fontRef idx="minor">
+            <a:schemeClr val="lt1"/>
+          </a:fontRef>
+        </p:style>
+        <p:txBody>
+          <a:bodyPr rtlCol="0" anchor="ctr"/>
+          <a:p>
+            <a:pPr algn="ctr"/>
+            <a:endParaRPr lang="zh-CN" altLang="en-US">
+              <a:solidFill>
+                <a:schemeClr val="tx1"/>
+              </a:solidFill>
+            </a:endParaRPr>
+          </a:p>
+        </p:txBody>
+      </p:sp>
+      <p:sp>
+        <p:nvSpPr>
+          <p:cNvPr id="50" name="圆角矩形 49"/>
+          <p:cNvSpPr/>
+          <p:nvPr/>
+        </p:nvSpPr>
+        <p:spPr>
+          <a:xfrm>
+            <a:off x="3155315" y="4651375"/>
+            <a:ext cx="1851025" cy="509905"/>
+          </a:xfrm>
+          <a:prstGeom prst="roundRect">
+            <a:avLst/>
+          </a:prstGeom>
+          <a:solidFill>
+            <a:schemeClr val="bg1"/>
+          </a:solidFill>
+        </p:spPr>
+        <p:style>
+          <a:lnRef idx="2">
+            <a:schemeClr val="accent1">
+              <a:lumMod val="75000"/>
+            </a:schemeClr>
+          </a:lnRef>
+          <a:fillRef idx="1">
+            <a:schemeClr val="accent1"/>
+          </a:fillRef>
+          <a:effectRef idx="0">
+            <a:srgbClr val="FFFFFF"/>
+          </a:effectRef>
+          <a:fontRef idx="minor">
+            <a:schemeClr val="lt1"/>
+          </a:fontRef>
+        </p:style>
+        <p:txBody>
+          <a:bodyPr rtlCol="0" anchor="ctr"/>
+          <a:p>
+            <a:pPr algn="ctr"/>
+            <a:r>
+              <a:rPr lang="zh-CN" altLang="en-US">
+                <a:solidFill>
+                  <a:schemeClr val="tx1"/>
+                </a:solidFill>
+              </a:rPr>
+              <a:t>内存数据库</a:t>
+            </a:r>
+            <a:r>
+              <a:rPr lang="zh-CN" altLang="en-US">
+                <a:solidFill>
+                  <a:schemeClr val="tx1"/>
+                </a:solidFill>
+              </a:rPr>
+              <a:t>访问</a:t>
+            </a:r>
+            <a:endParaRPr lang="zh-CN" altLang="en-US">
+              <a:solidFill>
+                <a:schemeClr val="tx1"/>
+              </a:solidFill>
+            </a:endParaRPr>
+          </a:p>
+        </p:txBody>
+      </p:sp>
+      <p:sp>
+        <p:nvSpPr>
+          <p:cNvPr id="51" name="圆角矩形 50"/>
+          <p:cNvSpPr/>
+          <p:nvPr/>
+        </p:nvSpPr>
+        <p:spPr>
+          <a:xfrm>
+            <a:off x="5053330" y="4651375"/>
+            <a:ext cx="1922780" cy="509905"/>
+          </a:xfrm>
+          <a:prstGeom prst="roundRect">
+            <a:avLst/>
+          </a:prstGeom>
+          <a:solidFill>
+            <a:schemeClr val="bg1"/>
+          </a:solidFill>
+        </p:spPr>
+        <p:style>
+          <a:lnRef idx="2">
+            <a:schemeClr val="accent1">
+              <a:lumMod val="75000"/>
+            </a:schemeClr>
+          </a:lnRef>
+          <a:fillRef idx="1">
+            <a:schemeClr val="accent1"/>
+          </a:fillRef>
+          <a:effectRef idx="0">
+            <a:srgbClr val="FFFFFF"/>
+          </a:effectRef>
+          <a:fontRef idx="minor">
+            <a:schemeClr val="lt1"/>
+          </a:fontRef>
+        </p:style>
+        <p:txBody>
+          <a:bodyPr rtlCol="0" anchor="ctr"/>
+          <a:p>
+            <a:pPr algn="ctr"/>
+            <a:r>
+              <a:rPr lang="zh-CN" altLang="en-US">
+                <a:solidFill>
+                  <a:schemeClr val="tx1"/>
+                </a:solidFill>
+              </a:rPr>
+              <a:t>磁盘数据库</a:t>
+            </a:r>
+            <a:r>
+              <a:rPr lang="zh-CN" altLang="en-US">
+                <a:solidFill>
+                  <a:schemeClr val="tx1"/>
+                </a:solidFill>
+              </a:rPr>
+              <a:t>访问</a:t>
+            </a:r>
+            <a:endParaRPr lang="zh-CN" altLang="en-US">
+              <a:solidFill>
+                <a:schemeClr val="tx1"/>
+              </a:solidFill>
+            </a:endParaRPr>
+          </a:p>
+        </p:txBody>
+      </p:sp>
+      <p:sp>
+        <p:nvSpPr>
+          <p:cNvPr id="52" name="圆角矩形 51"/>
+          <p:cNvSpPr/>
+          <p:nvPr/>
+        </p:nvSpPr>
+        <p:spPr>
+          <a:xfrm>
+            <a:off x="7245985" y="4651375"/>
+            <a:ext cx="3656330" cy="509905"/>
+          </a:xfrm>
+          <a:prstGeom prst="roundRect">
+            <a:avLst/>
+          </a:prstGeom>
+          <a:solidFill>
+            <a:schemeClr val="bg1"/>
+          </a:solidFill>
+        </p:spPr>
+        <p:style>
+          <a:lnRef idx="2">
+            <a:schemeClr val="accent1">
+              <a:lumMod val="75000"/>
+            </a:schemeClr>
+          </a:lnRef>
+          <a:fillRef idx="1">
+            <a:schemeClr val="accent1"/>
+          </a:fillRef>
+          <a:effectRef idx="0">
+            <a:srgbClr val="FFFFFF"/>
+          </a:effectRef>
+          <a:fontRef idx="minor">
+            <a:schemeClr val="lt1"/>
+          </a:fontRef>
+        </p:style>
+        <p:txBody>
+          <a:bodyPr rtlCol="0" anchor="ctr"/>
+          <a:p>
+            <a:pPr algn="ctr"/>
+            <a:r>
+              <a:rPr lang="zh-CN" altLang="en-US">
+                <a:solidFill>
+                  <a:schemeClr val="tx1"/>
+                </a:solidFill>
+              </a:rPr>
+              <a:t>用户房间、聊天、游戏</a:t>
+            </a:r>
+            <a:r>
+              <a:rPr lang="zh-CN" altLang="en-US">
+                <a:solidFill>
+                  <a:schemeClr val="tx1"/>
+                </a:solidFill>
+              </a:rPr>
+              <a:t>服务</a:t>
+            </a:r>
+            <a:endParaRPr lang="zh-CN" altLang="en-US">
+              <a:solidFill>
+                <a:schemeClr val="tx1"/>
+              </a:solidFill>
+            </a:endParaRPr>
+          </a:p>
+        </p:txBody>
+      </p:sp>
+      <p:sp>
+        <p:nvSpPr>
+          <p:cNvPr id="53" name="圆角矩形 52"/>
+          <p:cNvSpPr/>
+          <p:nvPr/>
+        </p:nvSpPr>
+        <p:spPr>
+          <a:xfrm>
+            <a:off x="1817370" y="5526405"/>
+            <a:ext cx="1056005" cy="704215"/>
+          </a:xfrm>
+          <a:prstGeom prst="roundRect">
+            <a:avLst/>
+          </a:prstGeom>
+          <a:solidFill>
+            <a:srgbClr val="99FF99"/>
+          </a:solidFill>
+        </p:spPr>
+        <p:style>
+          <a:lnRef idx="2">
+            <a:schemeClr val="accent1">
+              <a:lumMod val="75000"/>
+            </a:schemeClr>
+          </a:lnRef>
+          <a:fillRef idx="1">
+            <a:schemeClr val="accent1"/>
+          </a:fillRef>
+          <a:effectRef idx="0">
+            <a:srgbClr val="FFFFFF"/>
+          </a:effectRef>
+          <a:fontRef idx="minor">
+            <a:schemeClr val="lt1"/>
+          </a:fontRef>
+        </p:style>
+        <p:txBody>
+          <a:bodyPr rtlCol="0" anchor="ctr"/>
+          <a:p>
+            <a:pPr algn="ctr"/>
+            <a:r>
+              <a:rPr lang="zh-CN" altLang="en-US">
+                <a:solidFill>
+                  <a:schemeClr val="tx1"/>
+                </a:solidFill>
+              </a:rPr>
+              <a:t>数据库</a:t>
+            </a:r>
+            <a:endParaRPr lang="zh-CN" altLang="en-US">
+              <a:solidFill>
+                <a:schemeClr val="tx1"/>
+              </a:solidFill>
+            </a:endParaRPr>
+          </a:p>
+        </p:txBody>
+      </p:sp>
+      <p:sp>
+        <p:nvSpPr>
+          <p:cNvPr id="54" name="圆角矩形 53"/>
+          <p:cNvSpPr/>
+          <p:nvPr/>
+        </p:nvSpPr>
+        <p:spPr>
+          <a:xfrm>
+            <a:off x="2998470" y="5526405"/>
+            <a:ext cx="8373110" cy="705485"/>
+          </a:xfrm>
+          <a:prstGeom prst="roundRect">
+            <a:avLst/>
+          </a:prstGeom>
+          <a:solidFill>
+            <a:srgbClr val="CCFFCC"/>
+          </a:solidFill>
+        </p:spPr>
+        <p:style>
+          <a:lnRef idx="2">
+            <a:schemeClr val="accent1">
+              <a:lumMod val="75000"/>
+            </a:schemeClr>
+          </a:lnRef>
+          <a:fillRef idx="1">
+            <a:schemeClr val="accent1"/>
+          </a:fillRef>
+          <a:effectRef idx="0">
+            <a:srgbClr val="FFFFFF"/>
+          </a:effectRef>
+          <a:fontRef idx="minor">
+            <a:schemeClr val="lt1"/>
+          </a:fontRef>
+        </p:style>
+        <p:txBody>
+          <a:bodyPr rtlCol="0" anchor="ctr"/>
+          <a:p>
+            <a:pPr algn="ctr"/>
+            <a:endParaRPr lang="zh-CN" altLang="en-US">
+              <a:solidFill>
+                <a:schemeClr val="tx1"/>
+              </a:solidFill>
+            </a:endParaRPr>
+          </a:p>
+        </p:txBody>
+      </p:sp>
+      <p:sp>
+        <p:nvSpPr>
+          <p:cNvPr id="55" name="下箭头 54"/>
+          <p:cNvSpPr/>
+          <p:nvPr/>
+        </p:nvSpPr>
+        <p:spPr>
+          <a:xfrm>
+            <a:off x="6346190" y="5259705"/>
+            <a:ext cx="838200" cy="266700"/>
+          </a:xfrm>
+          <a:prstGeom prst="downArrow">
+            <a:avLst/>
+          </a:prstGeom>
+          <a:solidFill>
+            <a:srgbClr val="FFFFFF"/>
+          </a:solidFill>
+        </p:spPr>
+        <p:style>
+          <a:lnRef idx="2">
+            <a:schemeClr val="accent1">
+              <a:lumMod val="75000"/>
+            </a:schemeClr>
+          </a:lnRef>
+          <a:fillRef idx="1">
+            <a:schemeClr val="accent1"/>
+          </a:fillRef>
+          <a:effectRef idx="0">
+            <a:srgbClr val="FFFFFF"/>
+          </a:effectRef>
+          <a:fontRef idx="minor">
+            <a:schemeClr val="lt1"/>
+          </a:fontRef>
+        </p:style>
+        <p:txBody>
+          <a:bodyPr rtlCol="0" anchor="ctr"/>
+          <a:p>
+            <a:pPr algn="ctr"/>
+            <a:endParaRPr lang="zh-CN" altLang="en-US"/>
+          </a:p>
+        </p:txBody>
+      </p:sp>
+      <p:sp>
+        <p:nvSpPr>
+          <p:cNvPr id="56" name="圆角矩形 55"/>
+          <p:cNvSpPr/>
+          <p:nvPr/>
+        </p:nvSpPr>
+        <p:spPr>
+          <a:xfrm>
+            <a:off x="3282315" y="5623560"/>
+            <a:ext cx="3063875" cy="509905"/>
+          </a:xfrm>
+          <a:prstGeom prst="roundRect">
+            <a:avLst/>
+          </a:prstGeom>
+          <a:solidFill>
+            <a:schemeClr val="bg1"/>
+          </a:solidFill>
+        </p:spPr>
+        <p:style>
+          <a:lnRef idx="2">
+            <a:schemeClr val="accent1">
+              <a:lumMod val="75000"/>
+            </a:schemeClr>
+          </a:lnRef>
+          <a:fillRef idx="1">
+            <a:schemeClr val="accent1"/>
+          </a:fillRef>
+          <a:effectRef idx="0">
+            <a:srgbClr val="FFFFFF"/>
+          </a:effectRef>
+          <a:fontRef idx="minor">
+            <a:schemeClr val="lt1"/>
+          </a:fontRef>
+        </p:style>
+        <p:txBody>
+          <a:bodyPr rtlCol="0" anchor="ctr"/>
+          <a:p>
+            <a:pPr algn="ctr"/>
+            <a:r>
+              <a:rPr lang="zh-CN" altLang="en-US">
+                <a:solidFill>
+                  <a:schemeClr val="tx1"/>
+                </a:solidFill>
+              </a:rPr>
+              <a:t>内存：</a:t>
+            </a:r>
+            <a:r>
+              <a:rPr lang="en-US" altLang="zh-CN">
+                <a:solidFill>
+                  <a:schemeClr val="tx1"/>
+                </a:solidFill>
+              </a:rPr>
+              <a:t>Hazelcast</a:t>
+            </a:r>
+            <a:r>
+              <a:rPr lang="zh-CN" altLang="en-US">
+                <a:solidFill>
+                  <a:schemeClr val="tx1"/>
+                </a:solidFill>
+              </a:rPr>
+              <a:t>分布式</a:t>
+            </a:r>
+            <a:r>
+              <a:rPr lang="zh-CN" altLang="en-US">
+                <a:solidFill>
+                  <a:schemeClr val="tx1"/>
+                </a:solidFill>
+              </a:rPr>
+              <a:t>缓存</a:t>
+            </a:r>
+            <a:endParaRPr lang="zh-CN" altLang="en-US">
+              <a:solidFill>
+                <a:schemeClr val="tx1"/>
+              </a:solidFill>
+            </a:endParaRPr>
+          </a:p>
+        </p:txBody>
+      </p:sp>
+      <p:sp>
+        <p:nvSpPr>
+          <p:cNvPr id="57" name="圆角矩形 56"/>
+          <p:cNvSpPr/>
+          <p:nvPr/>
+        </p:nvSpPr>
+        <p:spPr>
+          <a:xfrm>
+            <a:off x="6744970" y="5623560"/>
+            <a:ext cx="4157345" cy="509905"/>
+          </a:xfrm>
+          <a:prstGeom prst="roundRect">
+            <a:avLst/>
+          </a:prstGeom>
+          <a:solidFill>
+            <a:schemeClr val="bg1"/>
+          </a:solidFill>
+        </p:spPr>
+        <p:style>
+          <a:lnRef idx="2">
+            <a:schemeClr val="accent1">
+              <a:lumMod val="75000"/>
+            </a:schemeClr>
+          </a:lnRef>
+          <a:fillRef idx="1">
+            <a:schemeClr val="accent1"/>
+          </a:fillRef>
+          <a:effectRef idx="0">
+            <a:srgbClr val="FFFFFF"/>
+          </a:effectRef>
+          <a:fontRef idx="minor">
+            <a:schemeClr val="lt1"/>
+          </a:fontRef>
+        </p:style>
+        <p:txBody>
+          <a:bodyPr rtlCol="0" anchor="ctr"/>
+          <a:p>
+            <a:pPr algn="ctr"/>
+            <a:r>
+              <a:rPr lang="zh-CN" altLang="en-US">
+                <a:solidFill>
+                  <a:schemeClr val="tx1"/>
+                </a:solidFill>
+              </a:rPr>
+              <a:t>持久化：嵌入式的</a:t>
+            </a:r>
+            <a:r>
+              <a:rPr lang="en-US" altLang="zh-CN">
+                <a:solidFill>
+                  <a:schemeClr val="tx1"/>
+                </a:solidFill>
+              </a:rPr>
+              <a:t>h2</a:t>
+            </a:r>
+            <a:r>
+              <a:rPr lang="zh-CN" altLang="en-US">
+                <a:solidFill>
+                  <a:schemeClr val="tx1"/>
+                </a:solidFill>
+              </a:rPr>
+              <a:t>数据库</a:t>
+            </a:r>
+            <a:endParaRPr lang="zh-CN" altLang="en-US">
+              <a:solidFill>
+                <a:schemeClr val="tx1"/>
+              </a:solidFill>
+            </a:endParaRPr>
+          </a:p>
+        </p:txBody>
+      </p:sp>
+      <p:sp>
+        <p:nvSpPr>
+          <p:cNvPr id="58" name="下箭头 57"/>
+          <p:cNvSpPr/>
+          <p:nvPr/>
+        </p:nvSpPr>
+        <p:spPr>
+          <a:xfrm>
+            <a:off x="6346190" y="4244975"/>
+            <a:ext cx="838200" cy="266700"/>
+          </a:xfrm>
+          <a:prstGeom prst="downArrow">
+            <a:avLst/>
+          </a:prstGeom>
+          <a:solidFill>
+            <a:srgbClr val="FFFFFF"/>
+          </a:solidFill>
+        </p:spPr>
+        <p:style>
+          <a:lnRef idx="2">
+            <a:schemeClr val="accent1">
+              <a:lumMod val="75000"/>
+            </a:schemeClr>
+          </a:lnRef>
+          <a:fillRef idx="1">
+            <a:schemeClr val="accent1"/>
+          </a:fillRef>
+          <a:effectRef idx="0">
+            <a:srgbClr val="FFFFFF"/>
+          </a:effectRef>
+          <a:fontRef idx="minor">
+            <a:schemeClr val="lt1"/>
+          </a:fontRef>
+        </p:style>
+        <p:txBody>
+          <a:bodyPr rtlCol="0" anchor="ctr"/>
+          <a:p>
+            <a:pPr algn="ctr"/>
+            <a:endParaRPr lang="zh-CN" altLang="en-US"/>
+          </a:p>
+        </p:txBody>
+      </p:sp>
+      <p:sp>
+        <p:nvSpPr>
+          <p:cNvPr id="59" name="圆角矩形 58"/>
+          <p:cNvSpPr/>
+          <p:nvPr/>
+        </p:nvSpPr>
+        <p:spPr>
+          <a:xfrm>
+            <a:off x="10720070" y="1233170"/>
+            <a:ext cx="651510" cy="2933065"/>
+          </a:xfrm>
+          <a:prstGeom prst="roundRect">
+            <a:avLst/>
+          </a:prstGeom>
+          <a:solidFill>
+            <a:srgbClr val="FF9999"/>
+          </a:solidFill>
+        </p:spPr>
+        <p:style>
+          <a:lnRef idx="2">
+            <a:schemeClr val="accent1">
+              <a:lumMod val="75000"/>
+            </a:schemeClr>
+          </a:lnRef>
+          <a:fillRef idx="1">
+            <a:schemeClr val="accent1"/>
+          </a:fillRef>
+          <a:effectRef idx="0">
+            <a:srgbClr val="FFFFFF"/>
+          </a:effectRef>
+          <a:fontRef idx="minor">
+            <a:schemeClr val="lt1"/>
+          </a:fontRef>
+        </p:style>
+        <p:txBody>
+          <a:bodyPr rtlCol="0" anchor="ctr"/>
+          <a:p>
+            <a:pPr algn="ctr"/>
+            <a:r>
+              <a:rPr lang="zh-CN" altLang="en-US">
+                <a:solidFill>
+                  <a:schemeClr val="tx1"/>
+                </a:solidFill>
+              </a:rPr>
+              <a:t>日志</a:t>
+            </a:r>
+            <a:r>
+              <a:rPr lang="zh-CN" altLang="en-US">
+                <a:solidFill>
+                  <a:schemeClr val="tx1"/>
+                </a:solidFill>
+              </a:rPr>
+              <a:t>记录</a:t>
+            </a:r>
+            <a:endParaRPr lang="zh-CN" altLang="en-US">
+              <a:solidFill>
+                <a:schemeClr val="tx1"/>
+              </a:solidFill>
+            </a:endParaRPr>
+          </a:p>
+        </p:txBody>
+      </p:sp>
+      <p:cxnSp>
+        <p:nvCxnSpPr>
+          <p:cNvPr id="60" name="直接连接符 59"/>
+          <p:cNvCxnSpPr/>
+          <p:nvPr/>
+        </p:nvCxnSpPr>
+        <p:spPr>
+          <a:xfrm>
+            <a:off x="1817370" y="5386070"/>
+            <a:ext cx="9545320" cy="9525"/>
+          </a:xfrm>
+          <a:prstGeom prst="line">
+            <a:avLst/>
+          </a:prstGeom>
+          <a:ln w="12700" cap="flat" cmpd="sng" algn="ctr">
+            <a:solidFill>
+              <a:schemeClr val="accent1"/>
+            </a:solidFill>
+            <a:prstDash val="dash"/>
+            <a:miter lim="800000"/>
+          </a:ln>
+        </p:spPr>
+        <p:style>
+          <a:lnRef idx="0">
+            <a:schemeClr val="accent1"/>
+          </a:lnRef>
+          <a:fillRef idx="0">
+            <a:srgbClr val="FFFFFF"/>
+          </a:fillRef>
+          <a:effectRef idx="0">
+            <a:srgbClr val="FFFFFF"/>
+          </a:effectRef>
+          <a:fontRef idx="minor">
+            <a:schemeClr val="tx1"/>
+          </a:fontRef>
+        </p:style>
+      </p:cxnSp>
+      <p:sp>
+        <p:nvSpPr>
+          <p:cNvPr id="61" name="左大括号 60"/>
+          <p:cNvSpPr/>
+          <p:nvPr/>
+        </p:nvSpPr>
+        <p:spPr>
+          <a:xfrm>
+            <a:off x="1162685" y="1080770"/>
+            <a:ext cx="266700" cy="2419350"/>
+          </a:xfrm>
+          <a:prstGeom prst="leftBrace">
+            <a:avLst/>
+          </a:prstGeom>
+        </p:spPr>
+        <p:style>
+          <a:lnRef idx="2">
+            <a:schemeClr val="accent1"/>
+          </a:lnRef>
+          <a:fillRef idx="0">
+            <a:srgbClr val="FFFFFF"/>
+          </a:fillRef>
+          <a:effectRef idx="0">
+            <a:srgbClr val="FFFFFF"/>
+          </a:effectRef>
+          <a:fontRef idx="minor">
+            <a:schemeClr val="tx1"/>
+          </a:fontRef>
+        </p:style>
+        <p:txBody>
+          <a:bodyPr rtlCol="0" anchor="ctr"/>
+          <a:p>
+            <a:pPr algn="ctr"/>
+            <a:endParaRPr lang="zh-CN" altLang="en-US"/>
+          </a:p>
+        </p:txBody>
+      </p:sp>
+      <p:sp>
+        <p:nvSpPr>
+          <p:cNvPr id="62" name="左大括号 61"/>
+          <p:cNvSpPr/>
+          <p:nvPr/>
+        </p:nvSpPr>
+        <p:spPr>
+          <a:xfrm>
+            <a:off x="1223010" y="3726815"/>
+            <a:ext cx="266700" cy="2505075"/>
+          </a:xfrm>
+          <a:prstGeom prst="leftBrace">
+            <a:avLst/>
+          </a:prstGeom>
+        </p:spPr>
+        <p:style>
+          <a:lnRef idx="2">
+            <a:schemeClr val="accent1"/>
+          </a:lnRef>
+          <a:fillRef idx="0">
+            <a:srgbClr val="FFFFFF"/>
+          </a:fillRef>
+          <a:effectRef idx="0">
+            <a:srgbClr val="FFFFFF"/>
+          </a:effectRef>
+          <a:fontRef idx="minor">
+            <a:schemeClr val="tx1"/>
+          </a:fontRef>
+        </p:style>
+        <p:txBody>
+          <a:bodyPr rtlCol="0" anchor="ctr"/>
+          <a:p>
+            <a:pPr algn="ctr"/>
+            <a:endParaRPr lang="zh-CN" altLang="en-US"/>
+          </a:p>
+        </p:txBody>
+      </p:sp>
+      <p:sp>
+        <p:nvSpPr>
+          <p:cNvPr id="63" name="文本框 62"/>
+          <p:cNvSpPr txBox="1"/>
+          <p:nvPr/>
+        </p:nvSpPr>
+        <p:spPr>
+          <a:xfrm>
+            <a:off x="439420" y="2139315"/>
+            <a:ext cx="656590" cy="368300"/>
           </a:xfrm>
           <a:prstGeom prst="rect">
             <a:avLst/>
           </a:prstGeom>
+          <a:noFill/>
         </p:spPr>
-      </p:pic>
+        <p:txBody>
+          <a:bodyPr wrap="square" rtlCol="0">
+            <a:spAutoFit/>
+          </a:bodyPr>
+          <a:p>
+            <a:r>
+              <a:rPr lang="zh-CN" altLang="en-US"/>
+              <a:t>前端</a:t>
+            </a:r>
+            <a:endParaRPr lang="zh-CN" altLang="en-US"/>
+          </a:p>
+        </p:txBody>
+      </p:sp>
+      <p:sp>
+        <p:nvSpPr>
+          <p:cNvPr id="64" name="文本框 63"/>
+          <p:cNvSpPr txBox="1"/>
+          <p:nvPr/>
+        </p:nvSpPr>
+        <p:spPr>
+          <a:xfrm>
+            <a:off x="439420" y="4792980"/>
+            <a:ext cx="656590" cy="368300"/>
+          </a:xfrm>
+          <a:prstGeom prst="rect">
+            <a:avLst/>
+          </a:prstGeom>
+          <a:noFill/>
+        </p:spPr>
+        <p:txBody>
+          <a:bodyPr wrap="square" rtlCol="0">
+            <a:spAutoFit/>
+          </a:bodyPr>
+          <a:p>
+            <a:r>
+              <a:rPr lang="zh-CN" altLang="en-US"/>
+              <a:t>后端</a:t>
+            </a:r>
+            <a:endParaRPr lang="zh-CN" altLang="en-US"/>
+          </a:p>
+        </p:txBody>
+      </p:sp>
     </p:spTree>
   </p:cSld>
   <p:clrMapOvr>

--- a/docs/架构设计/架构图.pptx
+++ b/docs/架构设计/架构图.pptx
@@ -8715,6 +8715,60 @@
           </a:p>
         </p:txBody>
       </p:sp>
+      <p:sp>
+        <p:nvSpPr>
+          <p:cNvPr id="4" name="圆角矩形 3"/>
+          <p:cNvSpPr/>
+          <p:nvPr/>
+        </p:nvSpPr>
+        <p:spPr>
+          <a:xfrm>
+            <a:off x="8700135" y="1311275"/>
+            <a:ext cx="1041400" cy="406400"/>
+          </a:xfrm>
+          <a:prstGeom prst="roundRect">
+            <a:avLst/>
+          </a:prstGeom>
+          <a:solidFill>
+            <a:srgbClr val="FFFFFF"/>
+          </a:solidFill>
+        </p:spPr>
+        <p:style>
+          <a:lnRef idx="2">
+            <a:schemeClr val="accent1">
+              <a:lumMod val="75000"/>
+            </a:schemeClr>
+          </a:lnRef>
+          <a:fillRef idx="1">
+            <a:schemeClr val="accent1"/>
+          </a:fillRef>
+          <a:effectRef idx="0">
+            <a:srgbClr val="FFFFFF"/>
+          </a:effectRef>
+          <a:fontRef idx="minor">
+            <a:schemeClr val="lt1"/>
+          </a:fontRef>
+        </p:style>
+        <p:txBody>
+          <a:bodyPr rtlCol="0" anchor="ctr"/>
+          <a:p>
+            <a:pPr algn="ctr"/>
+            <a:r>
+              <a:rPr lang="en-US" altLang="zh-CN">
+                <a:solidFill>
+                  <a:schemeClr val="tx1"/>
+                </a:solidFill>
+              </a:rPr>
+              <a:t>CSS</a:t>
+            </a:r>
+            <a:endParaRPr lang="en-US" altLang="zh-CN">
+              <a:solidFill>
+                <a:schemeClr val="tx1"/>
+              </a:solidFill>
+            </a:endParaRPr>
+          </a:p>
+        </p:txBody>
+      </p:sp>
     </p:spTree>
   </p:cSld>
   <p:clrMapOvr>
